--- a/卒業論文/2013/丸山準人/卒論中間審査用ポスター.pptx
+++ b/卒業論文/2013/丸山準人/卒論中間審査用ポスター.pptx
@@ -2,10 +2,10 @@
 <file path=ppt/presentation.xml><?xml version="1.0" encoding="utf-8"?>
 <p:presentation xmlns:a="http://schemas.openxmlformats.org/drawingml/2006/main" xmlns:r="http://schemas.openxmlformats.org/officeDocument/2006/relationships" xmlns:p="http://schemas.openxmlformats.org/presentationml/2006/main" saveSubsetFonts="1">
   <p:sldMasterIdLst>
-    <p:sldMasterId id="2147483648" r:id="rId1"/>
+    <p:sldMasterId id="2147483708" r:id="rId1"/>
   </p:sldMasterIdLst>
   <p:sldIdLst>
-    <p:sldId id="256" r:id="rId2"/>
+    <p:sldId id="258" r:id="rId2"/>
   </p:sldIdLst>
   <p:sldSz cx="21386800" cy="30279975"/>
   <p:notesSz cx="6858000" cy="9144000"/>
@@ -13,8 +13,8 @@
     <a:defPPr>
       <a:defRPr lang="ja-JP"/>
     </a:defPPr>
-    <a:lvl1pPr marL="0" algn="l" defTabSz="1018367" rtl="0" eaLnBrk="1" latinLnBrk="0" hangingPunct="1">
-      <a:defRPr kumimoji="1" sz="2000" kern="1200">
+    <a:lvl1pPr marL="0" algn="l" defTabSz="1658716" rtl="0" eaLnBrk="1" latinLnBrk="0" hangingPunct="1">
+      <a:defRPr kumimoji="1" sz="3300" kern="1200">
         <a:solidFill>
           <a:schemeClr val="tx1"/>
         </a:solidFill>
@@ -23,8 +23,8 @@
         <a:cs typeface="+mn-cs"/>
       </a:defRPr>
     </a:lvl1pPr>
-    <a:lvl2pPr marL="509184" algn="l" defTabSz="1018367" rtl="0" eaLnBrk="1" latinLnBrk="0" hangingPunct="1">
-      <a:defRPr kumimoji="1" sz="2000" kern="1200">
+    <a:lvl2pPr marL="829359" algn="l" defTabSz="1658716" rtl="0" eaLnBrk="1" latinLnBrk="0" hangingPunct="1">
+      <a:defRPr kumimoji="1" sz="3300" kern="1200">
         <a:solidFill>
           <a:schemeClr val="tx1"/>
         </a:solidFill>
@@ -33,8 +33,8 @@
         <a:cs typeface="+mn-cs"/>
       </a:defRPr>
     </a:lvl2pPr>
-    <a:lvl3pPr marL="1018367" algn="l" defTabSz="1018367" rtl="0" eaLnBrk="1" latinLnBrk="0" hangingPunct="1">
-      <a:defRPr kumimoji="1" sz="2000" kern="1200">
+    <a:lvl3pPr marL="1658716" algn="l" defTabSz="1658716" rtl="0" eaLnBrk="1" latinLnBrk="0" hangingPunct="1">
+      <a:defRPr kumimoji="1" sz="3300" kern="1200">
         <a:solidFill>
           <a:schemeClr val="tx1"/>
         </a:solidFill>
@@ -43,8 +43,8 @@
         <a:cs typeface="+mn-cs"/>
       </a:defRPr>
     </a:lvl3pPr>
-    <a:lvl4pPr marL="1527551" algn="l" defTabSz="1018367" rtl="0" eaLnBrk="1" latinLnBrk="0" hangingPunct="1">
-      <a:defRPr kumimoji="1" sz="2000" kern="1200">
+    <a:lvl4pPr marL="2488075" algn="l" defTabSz="1658716" rtl="0" eaLnBrk="1" latinLnBrk="0" hangingPunct="1">
+      <a:defRPr kumimoji="1" sz="3300" kern="1200">
         <a:solidFill>
           <a:schemeClr val="tx1"/>
         </a:solidFill>
@@ -53,8 +53,8 @@
         <a:cs typeface="+mn-cs"/>
       </a:defRPr>
     </a:lvl4pPr>
-    <a:lvl5pPr marL="2036735" algn="l" defTabSz="1018367" rtl="0" eaLnBrk="1" latinLnBrk="0" hangingPunct="1">
-      <a:defRPr kumimoji="1" sz="2000" kern="1200">
+    <a:lvl5pPr marL="3317434" algn="l" defTabSz="1658716" rtl="0" eaLnBrk="1" latinLnBrk="0" hangingPunct="1">
+      <a:defRPr kumimoji="1" sz="3300" kern="1200">
         <a:solidFill>
           <a:schemeClr val="tx1"/>
         </a:solidFill>
@@ -63,8 +63,8 @@
         <a:cs typeface="+mn-cs"/>
       </a:defRPr>
     </a:lvl5pPr>
-    <a:lvl6pPr marL="2545918" algn="l" defTabSz="1018367" rtl="0" eaLnBrk="1" latinLnBrk="0" hangingPunct="1">
-      <a:defRPr kumimoji="1" sz="2000" kern="1200">
+    <a:lvl6pPr marL="4146791" algn="l" defTabSz="1658716" rtl="0" eaLnBrk="1" latinLnBrk="0" hangingPunct="1">
+      <a:defRPr kumimoji="1" sz="3300" kern="1200">
         <a:solidFill>
           <a:schemeClr val="tx1"/>
         </a:solidFill>
@@ -73,8 +73,8 @@
         <a:cs typeface="+mn-cs"/>
       </a:defRPr>
     </a:lvl6pPr>
-    <a:lvl7pPr marL="3055102" algn="l" defTabSz="1018367" rtl="0" eaLnBrk="1" latinLnBrk="0" hangingPunct="1">
-      <a:defRPr kumimoji="1" sz="2000" kern="1200">
+    <a:lvl7pPr marL="4976150" algn="l" defTabSz="1658716" rtl="0" eaLnBrk="1" latinLnBrk="0" hangingPunct="1">
+      <a:defRPr kumimoji="1" sz="3300" kern="1200">
         <a:solidFill>
           <a:schemeClr val="tx1"/>
         </a:solidFill>
@@ -83,8 +83,8 @@
         <a:cs typeface="+mn-cs"/>
       </a:defRPr>
     </a:lvl7pPr>
-    <a:lvl8pPr marL="3564285" algn="l" defTabSz="1018367" rtl="0" eaLnBrk="1" latinLnBrk="0" hangingPunct="1">
-      <a:defRPr kumimoji="1" sz="2000" kern="1200">
+    <a:lvl8pPr marL="5805507" algn="l" defTabSz="1658716" rtl="0" eaLnBrk="1" latinLnBrk="0" hangingPunct="1">
+      <a:defRPr kumimoji="1" sz="3300" kern="1200">
         <a:solidFill>
           <a:schemeClr val="tx1"/>
         </a:solidFill>
@@ -93,8 +93,8 @@
         <a:cs typeface="+mn-cs"/>
       </a:defRPr>
     </a:lvl8pPr>
-    <a:lvl9pPr marL="4073469" algn="l" defTabSz="1018367" rtl="0" eaLnBrk="1" latinLnBrk="0" hangingPunct="1">
-      <a:defRPr kumimoji="1" sz="2000" kern="1200">
+    <a:lvl9pPr marL="6634866" algn="l" defTabSz="1658716" rtl="0" eaLnBrk="1" latinLnBrk="0" hangingPunct="1">
+      <a:defRPr kumimoji="1" sz="3300" kern="1200">
         <a:solidFill>
           <a:schemeClr val="tx1"/>
         </a:solidFill>
@@ -136,8 +136,8 @@
         </p:nvSpPr>
         <p:spPr>
           <a:xfrm>
-            <a:off x="1604012" y="9406428"/>
-            <a:ext cx="18178781" cy="6490567"/>
+            <a:off x="1604010" y="9406429"/>
+            <a:ext cx="18178780" cy="6490569"/>
           </a:xfrm>
         </p:spPr>
         <p:txBody>
@@ -164,8 +164,8 @@
         </p:nvSpPr>
         <p:spPr>
           <a:xfrm>
-            <a:off x="3208021" y="17158657"/>
-            <a:ext cx="14970760" cy="7738215"/>
+            <a:off x="3208020" y="17158652"/>
+            <a:ext cx="14970760" cy="7738216"/>
           </a:xfrm>
         </p:spPr>
         <p:txBody>
@@ -181,7 +181,7 @@
                 </a:solidFill>
               </a:defRPr>
             </a:lvl1pPr>
-            <a:lvl2pPr marL="509184" indent="0" algn="ctr">
+            <a:lvl2pPr marL="1475949" indent="0" algn="ctr">
               <a:buNone/>
               <a:defRPr>
                 <a:solidFill>
@@ -191,7 +191,7 @@
                 </a:solidFill>
               </a:defRPr>
             </a:lvl2pPr>
-            <a:lvl3pPr marL="1018367" indent="0" algn="ctr">
+            <a:lvl3pPr marL="2951897" indent="0" algn="ctr">
               <a:buNone/>
               <a:defRPr>
                 <a:solidFill>
@@ -201,7 +201,7 @@
                 </a:solidFill>
               </a:defRPr>
             </a:lvl3pPr>
-            <a:lvl4pPr marL="1527551" indent="0" algn="ctr">
+            <a:lvl4pPr marL="4427852" indent="0" algn="ctr">
               <a:buNone/>
               <a:defRPr>
                 <a:solidFill>
@@ -211,7 +211,7 @@
                 </a:solidFill>
               </a:defRPr>
             </a:lvl4pPr>
-            <a:lvl5pPr marL="2036735" indent="0" algn="ctr">
+            <a:lvl5pPr marL="5903801" indent="0" algn="ctr">
               <a:buNone/>
               <a:defRPr>
                 <a:solidFill>
@@ -221,7 +221,7 @@
                 </a:solidFill>
               </a:defRPr>
             </a:lvl5pPr>
-            <a:lvl6pPr marL="2545918" indent="0" algn="ctr">
+            <a:lvl6pPr marL="7379749" indent="0" algn="ctr">
               <a:buNone/>
               <a:defRPr>
                 <a:solidFill>
@@ -231,7 +231,7 @@
                 </a:solidFill>
               </a:defRPr>
             </a:lvl6pPr>
-            <a:lvl7pPr marL="3055102" indent="0" algn="ctr">
+            <a:lvl7pPr marL="8855704" indent="0" algn="ctr">
               <a:buNone/>
               <a:defRPr>
                 <a:solidFill>
@@ -241,7 +241,7 @@
                 </a:solidFill>
               </a:defRPr>
             </a:lvl7pPr>
-            <a:lvl8pPr marL="3564285" indent="0" algn="ctr">
+            <a:lvl8pPr marL="10331653" indent="0" algn="ctr">
               <a:buNone/>
               <a:defRPr>
                 <a:solidFill>
@@ -251,7 +251,7 @@
                 </a:solidFill>
               </a:defRPr>
             </a:lvl8pPr>
-            <a:lvl9pPr marL="4073469" indent="0" algn="ctr">
+            <a:lvl9pPr marL="11807601" indent="0" algn="ctr">
               <a:buNone/>
               <a:defRPr>
                 <a:solidFill>
@@ -286,11 +286,11 @@
           <a:bodyPr/>
           <a:lstStyle/>
           <a:p>
-            <a:fld id="{2B36E86D-4E33-496B-BC4F-03522FBA60AA}" type="datetimeFigureOut">
-              <a:rPr kumimoji="1" lang="ja-JP" altLang="en-US" smtClean="0"/>
-              <a:t>2014/10/10</a:t>
+            <a:fld id="{4D7C5F46-0C4F-49B7-B018-34633777EF9A}" type="datetimeFigureOut">
+              <a:rPr kumimoji="1" lang="ja-JP" altLang="en-US" smtClean="0"/>
+              <a:t>2014/10/15</a:t>
             </a:fld>
-            <a:endParaRPr kumimoji="1" lang="ja-JP" altLang="en-US"/>
+            <a:endParaRPr kumimoji="1" lang="ja-JP" altLang="en-US" dirty="0"/>
           </a:p>
         </p:txBody>
       </p:sp>
@@ -309,7 +309,7 @@
           <a:bodyPr/>
           <a:lstStyle/>
           <a:p>
-            <a:endParaRPr kumimoji="1" lang="ja-JP" altLang="en-US"/>
+            <a:endParaRPr kumimoji="1" lang="ja-JP" altLang="en-US" dirty="0"/>
           </a:p>
         </p:txBody>
       </p:sp>
@@ -328,18 +328,18 @@
           <a:bodyPr/>
           <a:lstStyle/>
           <a:p>
-            <a:fld id="{2612486E-CEB3-4C12-A2B8-41993EEAB0F7}" type="slidenum">
+            <a:fld id="{23A7EF35-3C66-42A0-A98E-4B0CCB913601}" type="slidenum">
               <a:rPr kumimoji="1" lang="ja-JP" altLang="en-US" smtClean="0"/>
               <a:t>‹#›</a:t>
             </a:fld>
-            <a:endParaRPr kumimoji="1" lang="ja-JP" altLang="en-US"/>
+            <a:endParaRPr kumimoji="1" lang="ja-JP" altLang="en-US" dirty="0"/>
           </a:p>
         </p:txBody>
       </p:sp>
     </p:spTree>
     <p:extLst>
       <p:ext uri="{BB962C8B-B14F-4D97-AF65-F5344CB8AC3E}">
-        <p14:creationId xmlns:p14="http://schemas.microsoft.com/office/powerpoint/2010/main" val="1122616602"/>
+        <p14:creationId xmlns:p14="http://schemas.microsoft.com/office/powerpoint/2010/main" val="2021045269"/>
       </p:ext>
     </p:extLst>
   </p:cSld>
@@ -488,11 +488,11 @@
           <a:bodyPr/>
           <a:lstStyle/>
           <a:p>
-            <a:fld id="{2B36E86D-4E33-496B-BC4F-03522FBA60AA}" type="datetimeFigureOut">
-              <a:rPr kumimoji="1" lang="ja-JP" altLang="en-US" smtClean="0"/>
-              <a:t>2014/10/10</a:t>
+            <a:fld id="{4D7C5F46-0C4F-49B7-B018-34633777EF9A}" type="datetimeFigureOut">
+              <a:rPr kumimoji="1" lang="ja-JP" altLang="en-US" smtClean="0"/>
+              <a:t>2014/10/15</a:t>
             </a:fld>
-            <a:endParaRPr kumimoji="1" lang="ja-JP" altLang="en-US"/>
+            <a:endParaRPr kumimoji="1" lang="ja-JP" altLang="en-US" dirty="0"/>
           </a:p>
         </p:txBody>
       </p:sp>
@@ -511,7 +511,7 @@
           <a:bodyPr/>
           <a:lstStyle/>
           <a:p>
-            <a:endParaRPr kumimoji="1" lang="ja-JP" altLang="en-US"/>
+            <a:endParaRPr kumimoji="1" lang="ja-JP" altLang="en-US" dirty="0"/>
           </a:p>
         </p:txBody>
       </p:sp>
@@ -530,18 +530,18 @@
           <a:bodyPr/>
           <a:lstStyle/>
           <a:p>
-            <a:fld id="{2612486E-CEB3-4C12-A2B8-41993EEAB0F7}" type="slidenum">
+            <a:fld id="{23A7EF35-3C66-42A0-A98E-4B0CCB913601}" type="slidenum">
               <a:rPr kumimoji="1" lang="ja-JP" altLang="en-US" smtClean="0"/>
               <a:t>‹#›</a:t>
             </a:fld>
-            <a:endParaRPr kumimoji="1" lang="ja-JP" altLang="en-US"/>
+            <a:endParaRPr kumimoji="1" lang="ja-JP" altLang="en-US" dirty="0"/>
           </a:p>
         </p:txBody>
       </p:sp>
     </p:spTree>
     <p:extLst>
       <p:ext uri="{BB962C8B-B14F-4D97-AF65-F5344CB8AC3E}">
-        <p14:creationId xmlns:p14="http://schemas.microsoft.com/office/powerpoint/2010/main" val="3650261257"/>
+        <p14:creationId xmlns:p14="http://schemas.microsoft.com/office/powerpoint/2010/main" val="3622691165"/>
       </p:ext>
     </p:extLst>
   </p:cSld>
@@ -580,8 +580,8 @@
         </p:nvSpPr>
         <p:spPr>
           <a:xfrm>
-            <a:off x="11629072" y="1619140"/>
-            <a:ext cx="3609025" cy="34443471"/>
+            <a:off x="15505430" y="1212605"/>
+            <a:ext cx="4812030" cy="25836108"/>
           </a:xfrm>
         </p:spPr>
         <p:txBody>
@@ -608,8 +608,8 @@
         </p:nvSpPr>
         <p:spPr>
           <a:xfrm>
-            <a:off x="802009" y="1619140"/>
-            <a:ext cx="10470623" cy="34443471"/>
+            <a:off x="1069340" y="1212605"/>
+            <a:ext cx="14079643" cy="25836108"/>
           </a:xfrm>
         </p:spPr>
         <p:txBody>
@@ -700,11 +700,11 @@
           <a:bodyPr/>
           <a:lstStyle/>
           <a:p>
-            <a:fld id="{2B36E86D-4E33-496B-BC4F-03522FBA60AA}" type="datetimeFigureOut">
-              <a:rPr kumimoji="1" lang="ja-JP" altLang="en-US" smtClean="0"/>
-              <a:t>2014/10/10</a:t>
+            <a:fld id="{4D7C5F46-0C4F-49B7-B018-34633777EF9A}" type="datetimeFigureOut">
+              <a:rPr kumimoji="1" lang="ja-JP" altLang="en-US" smtClean="0"/>
+              <a:t>2014/10/15</a:t>
             </a:fld>
-            <a:endParaRPr kumimoji="1" lang="ja-JP" altLang="en-US"/>
+            <a:endParaRPr kumimoji="1" lang="ja-JP" altLang="en-US" dirty="0"/>
           </a:p>
         </p:txBody>
       </p:sp>
@@ -723,7 +723,7 @@
           <a:bodyPr/>
           <a:lstStyle/>
           <a:p>
-            <a:endParaRPr kumimoji="1" lang="ja-JP" altLang="en-US"/>
+            <a:endParaRPr kumimoji="1" lang="ja-JP" altLang="en-US" dirty="0"/>
           </a:p>
         </p:txBody>
       </p:sp>
@@ -742,18 +742,18 @@
           <a:bodyPr/>
           <a:lstStyle/>
           <a:p>
-            <a:fld id="{2612486E-CEB3-4C12-A2B8-41993EEAB0F7}" type="slidenum">
+            <a:fld id="{23A7EF35-3C66-42A0-A98E-4B0CCB913601}" type="slidenum">
               <a:rPr kumimoji="1" lang="ja-JP" altLang="en-US" smtClean="0"/>
               <a:t>‹#›</a:t>
             </a:fld>
-            <a:endParaRPr kumimoji="1" lang="ja-JP" altLang="en-US"/>
+            <a:endParaRPr kumimoji="1" lang="ja-JP" altLang="en-US" dirty="0"/>
           </a:p>
         </p:txBody>
       </p:sp>
     </p:spTree>
     <p:extLst>
       <p:ext uri="{BB962C8B-B14F-4D97-AF65-F5344CB8AC3E}">
-        <p14:creationId xmlns:p14="http://schemas.microsoft.com/office/powerpoint/2010/main" val="4251822819"/>
+        <p14:creationId xmlns:p14="http://schemas.microsoft.com/office/powerpoint/2010/main" val="338445371"/>
       </p:ext>
     </p:extLst>
   </p:cSld>
@@ -902,11 +902,11 @@
           <a:bodyPr/>
           <a:lstStyle/>
           <a:p>
-            <a:fld id="{2B36E86D-4E33-496B-BC4F-03522FBA60AA}" type="datetimeFigureOut">
-              <a:rPr kumimoji="1" lang="ja-JP" altLang="en-US" smtClean="0"/>
-              <a:t>2014/10/10</a:t>
+            <a:fld id="{4D7C5F46-0C4F-49B7-B018-34633777EF9A}" type="datetimeFigureOut">
+              <a:rPr kumimoji="1" lang="ja-JP" altLang="en-US" smtClean="0"/>
+              <a:t>2014/10/15</a:t>
             </a:fld>
-            <a:endParaRPr kumimoji="1" lang="ja-JP" altLang="en-US"/>
+            <a:endParaRPr kumimoji="1" lang="ja-JP" altLang="en-US" dirty="0"/>
           </a:p>
         </p:txBody>
       </p:sp>
@@ -925,7 +925,7 @@
           <a:bodyPr/>
           <a:lstStyle/>
           <a:p>
-            <a:endParaRPr kumimoji="1" lang="ja-JP" altLang="en-US"/>
+            <a:endParaRPr kumimoji="1" lang="ja-JP" altLang="en-US" dirty="0"/>
           </a:p>
         </p:txBody>
       </p:sp>
@@ -944,18 +944,18 @@
           <a:bodyPr/>
           <a:lstStyle/>
           <a:p>
-            <a:fld id="{2612486E-CEB3-4C12-A2B8-41993EEAB0F7}" type="slidenum">
+            <a:fld id="{23A7EF35-3C66-42A0-A98E-4B0CCB913601}" type="slidenum">
               <a:rPr kumimoji="1" lang="ja-JP" altLang="en-US" smtClean="0"/>
               <a:t>‹#›</a:t>
             </a:fld>
-            <a:endParaRPr kumimoji="1" lang="ja-JP" altLang="en-US"/>
+            <a:endParaRPr kumimoji="1" lang="ja-JP" altLang="en-US" dirty="0"/>
           </a:p>
         </p:txBody>
       </p:sp>
     </p:spTree>
     <p:extLst>
       <p:ext uri="{BB962C8B-B14F-4D97-AF65-F5344CB8AC3E}">
-        <p14:creationId xmlns:p14="http://schemas.microsoft.com/office/powerpoint/2010/main" val="1539133859"/>
+        <p14:creationId xmlns:p14="http://schemas.microsoft.com/office/powerpoint/2010/main" val="257758115"/>
       </p:ext>
     </p:extLst>
   </p:cSld>
@@ -994,15 +994,15 @@
         </p:nvSpPr>
         <p:spPr>
           <a:xfrm>
-            <a:off x="1689412" y="19457688"/>
-            <a:ext cx="18178781" cy="6013940"/>
+            <a:off x="1689410" y="19457699"/>
+            <a:ext cx="18178780" cy="6013939"/>
           </a:xfrm>
         </p:spPr>
         <p:txBody>
           <a:bodyPr anchor="t"/>
           <a:lstStyle>
             <a:lvl1pPr algn="l">
-              <a:defRPr sz="4500" b="1" cap="all"/>
+              <a:defRPr sz="12900" b="1" cap="all"/>
             </a:lvl1pPr>
           </a:lstStyle>
           <a:p>
@@ -1026,8 +1026,8 @@
         </p:nvSpPr>
         <p:spPr>
           <a:xfrm>
-            <a:off x="1689412" y="12833950"/>
-            <a:ext cx="18178781" cy="6623741"/>
+            <a:off x="1689410" y="12833952"/>
+            <a:ext cx="18178780" cy="6623742"/>
           </a:xfrm>
         </p:spPr>
         <p:txBody>
@@ -1035,7 +1035,7 @@
           <a:lstStyle>
             <a:lvl1pPr marL="0" indent="0">
               <a:buNone/>
-              <a:defRPr sz="2200">
+              <a:defRPr sz="6500">
                 <a:solidFill>
                   <a:schemeClr val="tx1">
                     <a:tint val="75000"/>
@@ -1043,9 +1043,9 @@
                 </a:solidFill>
               </a:defRPr>
             </a:lvl1pPr>
-            <a:lvl2pPr marL="509184" indent="0">
-              <a:buNone/>
-              <a:defRPr sz="2000">
+            <a:lvl2pPr marL="1475949" indent="0">
+              <a:buNone/>
+              <a:defRPr sz="5800">
                 <a:solidFill>
                   <a:schemeClr val="tx1">
                     <a:tint val="75000"/>
@@ -1053,9 +1053,9 @@
                 </a:solidFill>
               </a:defRPr>
             </a:lvl2pPr>
-            <a:lvl3pPr marL="1018367" indent="0">
-              <a:buNone/>
-              <a:defRPr sz="1800">
+            <a:lvl3pPr marL="2951897" indent="0">
+              <a:buNone/>
+              <a:defRPr sz="5200">
                 <a:solidFill>
                   <a:schemeClr val="tx1">
                     <a:tint val="75000"/>
@@ -1063,9 +1063,9 @@
                 </a:solidFill>
               </a:defRPr>
             </a:lvl3pPr>
-            <a:lvl4pPr marL="1527551" indent="0">
-              <a:buNone/>
-              <a:defRPr sz="1600">
+            <a:lvl4pPr marL="4427852" indent="0">
+              <a:buNone/>
+              <a:defRPr sz="4500">
                 <a:solidFill>
                   <a:schemeClr val="tx1">
                     <a:tint val="75000"/>
@@ -1073,9 +1073,9 @@
                 </a:solidFill>
               </a:defRPr>
             </a:lvl4pPr>
-            <a:lvl5pPr marL="2036735" indent="0">
-              <a:buNone/>
-              <a:defRPr sz="1600">
+            <a:lvl5pPr marL="5903801" indent="0">
+              <a:buNone/>
+              <a:defRPr sz="4500">
                 <a:solidFill>
                   <a:schemeClr val="tx1">
                     <a:tint val="75000"/>
@@ -1083,9 +1083,9 @@
                 </a:solidFill>
               </a:defRPr>
             </a:lvl5pPr>
-            <a:lvl6pPr marL="2545918" indent="0">
-              <a:buNone/>
-              <a:defRPr sz="1600">
+            <a:lvl6pPr marL="7379749" indent="0">
+              <a:buNone/>
+              <a:defRPr sz="4500">
                 <a:solidFill>
                   <a:schemeClr val="tx1">
                     <a:tint val="75000"/>
@@ -1093,9 +1093,9 @@
                 </a:solidFill>
               </a:defRPr>
             </a:lvl6pPr>
-            <a:lvl7pPr marL="3055102" indent="0">
-              <a:buNone/>
-              <a:defRPr sz="1600">
+            <a:lvl7pPr marL="8855704" indent="0">
+              <a:buNone/>
+              <a:defRPr sz="4500">
                 <a:solidFill>
                   <a:schemeClr val="tx1">
                     <a:tint val="75000"/>
@@ -1103,9 +1103,9 @@
                 </a:solidFill>
               </a:defRPr>
             </a:lvl7pPr>
-            <a:lvl8pPr marL="3564285" indent="0">
-              <a:buNone/>
-              <a:defRPr sz="1600">
+            <a:lvl8pPr marL="10331653" indent="0">
+              <a:buNone/>
+              <a:defRPr sz="4500">
                 <a:solidFill>
                   <a:schemeClr val="tx1">
                     <a:tint val="75000"/>
@@ -1113,9 +1113,9 @@
                 </a:solidFill>
               </a:defRPr>
             </a:lvl8pPr>
-            <a:lvl9pPr marL="4073469" indent="0">
-              <a:buNone/>
-              <a:defRPr sz="1600">
+            <a:lvl9pPr marL="11807601" indent="0">
+              <a:buNone/>
+              <a:defRPr sz="4500">
                 <a:solidFill>
                   <a:schemeClr val="tx1">
                     <a:tint val="75000"/>
@@ -1148,11 +1148,11 @@
           <a:bodyPr/>
           <a:lstStyle/>
           <a:p>
-            <a:fld id="{2B36E86D-4E33-496B-BC4F-03522FBA60AA}" type="datetimeFigureOut">
-              <a:rPr kumimoji="1" lang="ja-JP" altLang="en-US" smtClean="0"/>
-              <a:t>2014/10/10</a:t>
+            <a:fld id="{4D7C5F46-0C4F-49B7-B018-34633777EF9A}" type="datetimeFigureOut">
+              <a:rPr kumimoji="1" lang="ja-JP" altLang="en-US" smtClean="0"/>
+              <a:t>2014/10/15</a:t>
             </a:fld>
-            <a:endParaRPr kumimoji="1" lang="ja-JP" altLang="en-US"/>
+            <a:endParaRPr kumimoji="1" lang="ja-JP" altLang="en-US" dirty="0"/>
           </a:p>
         </p:txBody>
       </p:sp>
@@ -1171,7 +1171,7 @@
           <a:bodyPr/>
           <a:lstStyle/>
           <a:p>
-            <a:endParaRPr kumimoji="1" lang="ja-JP" altLang="en-US"/>
+            <a:endParaRPr kumimoji="1" lang="ja-JP" altLang="en-US" dirty="0"/>
           </a:p>
         </p:txBody>
       </p:sp>
@@ -1190,18 +1190,18 @@
           <a:bodyPr/>
           <a:lstStyle/>
           <a:p>
-            <a:fld id="{2612486E-CEB3-4C12-A2B8-41993EEAB0F7}" type="slidenum">
+            <a:fld id="{23A7EF35-3C66-42A0-A98E-4B0CCB913601}" type="slidenum">
               <a:rPr kumimoji="1" lang="ja-JP" altLang="en-US" smtClean="0"/>
               <a:t>‹#›</a:t>
             </a:fld>
-            <a:endParaRPr kumimoji="1" lang="ja-JP" altLang="en-US"/>
+            <a:endParaRPr kumimoji="1" lang="ja-JP" altLang="en-US" dirty="0"/>
           </a:p>
         </p:txBody>
       </p:sp>
     </p:spTree>
     <p:extLst>
       <p:ext uri="{BB962C8B-B14F-4D97-AF65-F5344CB8AC3E}">
-        <p14:creationId xmlns:p14="http://schemas.microsoft.com/office/powerpoint/2010/main" val="2633038351"/>
+        <p14:creationId xmlns:p14="http://schemas.microsoft.com/office/powerpoint/2010/main" val="3970229268"/>
       </p:ext>
     </p:extLst>
   </p:cSld>
@@ -1263,39 +1263,39 @@
         </p:nvSpPr>
         <p:spPr>
           <a:xfrm>
-            <a:off x="802007" y="9420438"/>
-            <a:ext cx="7039823" cy="26642176"/>
+            <a:off x="1069340" y="7065334"/>
+            <a:ext cx="9445837" cy="19983384"/>
           </a:xfrm>
         </p:spPr>
         <p:txBody>
           <a:bodyPr/>
           <a:lstStyle>
             <a:lvl1pPr>
-              <a:defRPr sz="3100"/>
+              <a:defRPr sz="9000"/>
             </a:lvl1pPr>
             <a:lvl2pPr>
-              <a:defRPr sz="2700"/>
+              <a:defRPr sz="7700"/>
             </a:lvl2pPr>
             <a:lvl3pPr>
-              <a:defRPr sz="2200"/>
+              <a:defRPr sz="6500"/>
             </a:lvl3pPr>
             <a:lvl4pPr>
-              <a:defRPr sz="2000"/>
+              <a:defRPr sz="5800"/>
             </a:lvl4pPr>
             <a:lvl5pPr>
-              <a:defRPr sz="2000"/>
+              <a:defRPr sz="5800"/>
             </a:lvl5pPr>
             <a:lvl6pPr>
-              <a:defRPr sz="2000"/>
+              <a:defRPr sz="5800"/>
             </a:lvl6pPr>
             <a:lvl7pPr>
-              <a:defRPr sz="2000"/>
+              <a:defRPr sz="5800"/>
             </a:lvl7pPr>
             <a:lvl8pPr>
-              <a:defRPr sz="2000"/>
+              <a:defRPr sz="5800"/>
             </a:lvl8pPr>
             <a:lvl9pPr>
-              <a:defRPr sz="2000"/>
+              <a:defRPr sz="5800"/>
             </a:lvl9pPr>
           </a:lstStyle>
           <a:p>
@@ -1380,39 +1380,39 @@
         </p:nvSpPr>
         <p:spPr>
           <a:xfrm>
-            <a:off x="8198277" y="9420438"/>
-            <a:ext cx="7039823" cy="26642176"/>
+            <a:off x="10871623" y="7065334"/>
+            <a:ext cx="9445837" cy="19983384"/>
           </a:xfrm>
         </p:spPr>
         <p:txBody>
           <a:bodyPr/>
           <a:lstStyle>
             <a:lvl1pPr>
-              <a:defRPr sz="3100"/>
+              <a:defRPr sz="9000"/>
             </a:lvl1pPr>
             <a:lvl2pPr>
-              <a:defRPr sz="2700"/>
+              <a:defRPr sz="7700"/>
             </a:lvl2pPr>
             <a:lvl3pPr>
-              <a:defRPr sz="2200"/>
+              <a:defRPr sz="6500"/>
             </a:lvl3pPr>
             <a:lvl4pPr>
-              <a:defRPr sz="2000"/>
+              <a:defRPr sz="5800"/>
             </a:lvl4pPr>
             <a:lvl5pPr>
-              <a:defRPr sz="2000"/>
+              <a:defRPr sz="5800"/>
             </a:lvl5pPr>
             <a:lvl6pPr>
-              <a:defRPr sz="2000"/>
+              <a:defRPr sz="5800"/>
             </a:lvl6pPr>
             <a:lvl7pPr>
-              <a:defRPr sz="2000"/>
+              <a:defRPr sz="5800"/>
             </a:lvl7pPr>
             <a:lvl8pPr>
-              <a:defRPr sz="2000"/>
+              <a:defRPr sz="5800"/>
             </a:lvl8pPr>
             <a:lvl9pPr>
-              <a:defRPr sz="2000"/>
+              <a:defRPr sz="5800"/>
             </a:lvl9pPr>
           </a:lstStyle>
           <a:p>
@@ -1500,11 +1500,11 @@
           <a:bodyPr/>
           <a:lstStyle/>
           <a:p>
-            <a:fld id="{2B36E86D-4E33-496B-BC4F-03522FBA60AA}" type="datetimeFigureOut">
-              <a:rPr kumimoji="1" lang="ja-JP" altLang="en-US" smtClean="0"/>
-              <a:t>2014/10/10</a:t>
+            <a:fld id="{4D7C5F46-0C4F-49B7-B018-34633777EF9A}" type="datetimeFigureOut">
+              <a:rPr kumimoji="1" lang="ja-JP" altLang="en-US" smtClean="0"/>
+              <a:t>2014/10/15</a:t>
             </a:fld>
-            <a:endParaRPr kumimoji="1" lang="ja-JP" altLang="en-US"/>
+            <a:endParaRPr kumimoji="1" lang="ja-JP" altLang="en-US" dirty="0"/>
           </a:p>
         </p:txBody>
       </p:sp>
@@ -1523,7 +1523,7 @@
           <a:bodyPr/>
           <a:lstStyle/>
           <a:p>
-            <a:endParaRPr kumimoji="1" lang="ja-JP" altLang="en-US"/>
+            <a:endParaRPr kumimoji="1" lang="ja-JP" altLang="en-US" dirty="0"/>
           </a:p>
         </p:txBody>
       </p:sp>
@@ -1542,18 +1542,18 @@
           <a:bodyPr/>
           <a:lstStyle/>
           <a:p>
-            <a:fld id="{2612486E-CEB3-4C12-A2B8-41993EEAB0F7}" type="slidenum">
+            <a:fld id="{23A7EF35-3C66-42A0-A98E-4B0CCB913601}" type="slidenum">
               <a:rPr kumimoji="1" lang="ja-JP" altLang="en-US" smtClean="0"/>
               <a:t>‹#›</a:t>
             </a:fld>
-            <a:endParaRPr kumimoji="1" lang="ja-JP" altLang="en-US"/>
+            <a:endParaRPr kumimoji="1" lang="ja-JP" altLang="en-US" dirty="0"/>
           </a:p>
         </p:txBody>
       </p:sp>
     </p:spTree>
     <p:extLst>
       <p:ext uri="{BB962C8B-B14F-4D97-AF65-F5344CB8AC3E}">
-        <p14:creationId xmlns:p14="http://schemas.microsoft.com/office/powerpoint/2010/main" val="2961257340"/>
+        <p14:creationId xmlns:p14="http://schemas.microsoft.com/office/powerpoint/2010/main" val="713614453"/>
       </p:ext>
     </p:extLst>
   </p:cSld>
@@ -1590,12 +1590,7 @@
             <p:ph type="title"/>
           </p:nvPr>
         </p:nvSpPr>
-        <p:spPr>
-          <a:xfrm>
-            <a:off x="1069342" y="1212603"/>
-            <a:ext cx="19248121" cy="5046663"/>
-          </a:xfrm>
-        </p:spPr>
+        <p:spPr/>
         <p:txBody>
           <a:bodyPr/>
           <a:lstStyle>
@@ -1624,8 +1619,8 @@
         </p:nvSpPr>
         <p:spPr>
           <a:xfrm>
-            <a:off x="1069342" y="6777949"/>
-            <a:ext cx="9449552" cy="2824726"/>
+            <a:off x="1069340" y="6777950"/>
+            <a:ext cx="9449551" cy="2824727"/>
           </a:xfrm>
         </p:spPr>
         <p:txBody>
@@ -1633,39 +1628,39 @@
           <a:lstStyle>
             <a:lvl1pPr marL="0" indent="0">
               <a:buNone/>
-              <a:defRPr sz="2700" b="1"/>
+              <a:defRPr sz="7700" b="1"/>
             </a:lvl1pPr>
-            <a:lvl2pPr marL="509184" indent="0">
-              <a:buNone/>
-              <a:defRPr sz="2200" b="1"/>
+            <a:lvl2pPr marL="1475949" indent="0">
+              <a:buNone/>
+              <a:defRPr sz="6500" b="1"/>
             </a:lvl2pPr>
-            <a:lvl3pPr marL="1018367" indent="0">
-              <a:buNone/>
-              <a:defRPr sz="2000" b="1"/>
+            <a:lvl3pPr marL="2951897" indent="0">
+              <a:buNone/>
+              <a:defRPr sz="5800" b="1"/>
             </a:lvl3pPr>
-            <a:lvl4pPr marL="1527551" indent="0">
-              <a:buNone/>
-              <a:defRPr sz="1800" b="1"/>
+            <a:lvl4pPr marL="4427852" indent="0">
+              <a:buNone/>
+              <a:defRPr sz="5200" b="1"/>
             </a:lvl4pPr>
-            <a:lvl5pPr marL="2036735" indent="0">
-              <a:buNone/>
-              <a:defRPr sz="1800" b="1"/>
+            <a:lvl5pPr marL="5903801" indent="0">
+              <a:buNone/>
+              <a:defRPr sz="5200" b="1"/>
             </a:lvl5pPr>
-            <a:lvl6pPr marL="2545918" indent="0">
-              <a:buNone/>
-              <a:defRPr sz="1800" b="1"/>
+            <a:lvl6pPr marL="7379749" indent="0">
+              <a:buNone/>
+              <a:defRPr sz="5200" b="1"/>
             </a:lvl6pPr>
-            <a:lvl7pPr marL="3055102" indent="0">
-              <a:buNone/>
-              <a:defRPr sz="1800" b="1"/>
+            <a:lvl7pPr marL="8855704" indent="0">
+              <a:buNone/>
+              <a:defRPr sz="5200" b="1"/>
             </a:lvl7pPr>
-            <a:lvl8pPr marL="3564285" indent="0">
-              <a:buNone/>
-              <a:defRPr sz="1800" b="1"/>
+            <a:lvl8pPr marL="10331653" indent="0">
+              <a:buNone/>
+              <a:defRPr sz="5200" b="1"/>
             </a:lvl8pPr>
-            <a:lvl9pPr marL="4073469" indent="0">
-              <a:buNone/>
-              <a:defRPr sz="1800" b="1"/>
+            <a:lvl9pPr marL="11807601" indent="0">
+              <a:buNone/>
+              <a:defRPr sz="5200" b="1"/>
             </a:lvl9pPr>
           </a:lstStyle>
           <a:p>
@@ -1689,39 +1684,39 @@
         </p:nvSpPr>
         <p:spPr>
           <a:xfrm>
-            <a:off x="1069342" y="9602675"/>
-            <a:ext cx="9449552" cy="17446034"/>
+            <a:off x="1069340" y="9602677"/>
+            <a:ext cx="9449551" cy="17446034"/>
           </a:xfrm>
         </p:spPr>
         <p:txBody>
           <a:bodyPr/>
           <a:lstStyle>
             <a:lvl1pPr>
-              <a:defRPr sz="2700"/>
+              <a:defRPr sz="7700"/>
             </a:lvl1pPr>
             <a:lvl2pPr>
-              <a:defRPr sz="2200"/>
+              <a:defRPr sz="6500"/>
             </a:lvl2pPr>
             <a:lvl3pPr>
-              <a:defRPr sz="2000"/>
+              <a:defRPr sz="5800"/>
             </a:lvl3pPr>
             <a:lvl4pPr>
-              <a:defRPr sz="1800"/>
+              <a:defRPr sz="5200"/>
             </a:lvl4pPr>
             <a:lvl5pPr>
-              <a:defRPr sz="1800"/>
+              <a:defRPr sz="5200"/>
             </a:lvl5pPr>
             <a:lvl6pPr>
-              <a:defRPr sz="1800"/>
+              <a:defRPr sz="5200"/>
             </a:lvl6pPr>
             <a:lvl7pPr>
-              <a:defRPr sz="1800"/>
+              <a:defRPr sz="5200"/>
             </a:lvl7pPr>
             <a:lvl8pPr>
-              <a:defRPr sz="1800"/>
+              <a:defRPr sz="5200"/>
             </a:lvl8pPr>
             <a:lvl9pPr>
-              <a:defRPr sz="1800"/>
+              <a:defRPr sz="5200"/>
             </a:lvl9pPr>
           </a:lstStyle>
           <a:p>
@@ -1806,8 +1801,8 @@
         </p:nvSpPr>
         <p:spPr>
           <a:xfrm>
-            <a:off x="10864200" y="6777949"/>
-            <a:ext cx="9453261" cy="2824726"/>
+            <a:off x="10864203" y="6777950"/>
+            <a:ext cx="9453263" cy="2824727"/>
           </a:xfrm>
         </p:spPr>
         <p:txBody>
@@ -1815,39 +1810,39 @@
           <a:lstStyle>
             <a:lvl1pPr marL="0" indent="0">
               <a:buNone/>
-              <a:defRPr sz="2700" b="1"/>
+              <a:defRPr sz="7700" b="1"/>
             </a:lvl1pPr>
-            <a:lvl2pPr marL="509184" indent="0">
-              <a:buNone/>
-              <a:defRPr sz="2200" b="1"/>
+            <a:lvl2pPr marL="1475949" indent="0">
+              <a:buNone/>
+              <a:defRPr sz="6500" b="1"/>
             </a:lvl2pPr>
-            <a:lvl3pPr marL="1018367" indent="0">
-              <a:buNone/>
-              <a:defRPr sz="2000" b="1"/>
+            <a:lvl3pPr marL="2951897" indent="0">
+              <a:buNone/>
+              <a:defRPr sz="5800" b="1"/>
             </a:lvl3pPr>
-            <a:lvl4pPr marL="1527551" indent="0">
-              <a:buNone/>
-              <a:defRPr sz="1800" b="1"/>
+            <a:lvl4pPr marL="4427852" indent="0">
+              <a:buNone/>
+              <a:defRPr sz="5200" b="1"/>
             </a:lvl4pPr>
-            <a:lvl5pPr marL="2036735" indent="0">
-              <a:buNone/>
-              <a:defRPr sz="1800" b="1"/>
+            <a:lvl5pPr marL="5903801" indent="0">
+              <a:buNone/>
+              <a:defRPr sz="5200" b="1"/>
             </a:lvl5pPr>
-            <a:lvl6pPr marL="2545918" indent="0">
-              <a:buNone/>
-              <a:defRPr sz="1800" b="1"/>
+            <a:lvl6pPr marL="7379749" indent="0">
+              <a:buNone/>
+              <a:defRPr sz="5200" b="1"/>
             </a:lvl6pPr>
-            <a:lvl7pPr marL="3055102" indent="0">
-              <a:buNone/>
-              <a:defRPr sz="1800" b="1"/>
+            <a:lvl7pPr marL="8855704" indent="0">
+              <a:buNone/>
+              <a:defRPr sz="5200" b="1"/>
             </a:lvl7pPr>
-            <a:lvl8pPr marL="3564285" indent="0">
-              <a:buNone/>
-              <a:defRPr sz="1800" b="1"/>
+            <a:lvl8pPr marL="10331653" indent="0">
+              <a:buNone/>
+              <a:defRPr sz="5200" b="1"/>
             </a:lvl8pPr>
-            <a:lvl9pPr marL="4073469" indent="0">
-              <a:buNone/>
-              <a:defRPr sz="1800" b="1"/>
+            <a:lvl9pPr marL="11807601" indent="0">
+              <a:buNone/>
+              <a:defRPr sz="5200" b="1"/>
             </a:lvl9pPr>
           </a:lstStyle>
           <a:p>
@@ -1871,39 +1866,39 @@
         </p:nvSpPr>
         <p:spPr>
           <a:xfrm>
-            <a:off x="10864200" y="9602675"/>
-            <a:ext cx="9453261" cy="17446034"/>
+            <a:off x="10864203" y="9602677"/>
+            <a:ext cx="9453263" cy="17446034"/>
           </a:xfrm>
         </p:spPr>
         <p:txBody>
           <a:bodyPr/>
           <a:lstStyle>
             <a:lvl1pPr>
-              <a:defRPr sz="2700"/>
+              <a:defRPr sz="7700"/>
             </a:lvl1pPr>
             <a:lvl2pPr>
-              <a:defRPr sz="2200"/>
+              <a:defRPr sz="6500"/>
             </a:lvl2pPr>
             <a:lvl3pPr>
-              <a:defRPr sz="2000"/>
+              <a:defRPr sz="5800"/>
             </a:lvl3pPr>
             <a:lvl4pPr>
-              <a:defRPr sz="1800"/>
+              <a:defRPr sz="5200"/>
             </a:lvl4pPr>
             <a:lvl5pPr>
-              <a:defRPr sz="1800"/>
+              <a:defRPr sz="5200"/>
             </a:lvl5pPr>
             <a:lvl6pPr>
-              <a:defRPr sz="1800"/>
+              <a:defRPr sz="5200"/>
             </a:lvl6pPr>
             <a:lvl7pPr>
-              <a:defRPr sz="1800"/>
+              <a:defRPr sz="5200"/>
             </a:lvl7pPr>
             <a:lvl8pPr>
-              <a:defRPr sz="1800"/>
+              <a:defRPr sz="5200"/>
             </a:lvl8pPr>
             <a:lvl9pPr>
-              <a:defRPr sz="1800"/>
+              <a:defRPr sz="5200"/>
             </a:lvl9pPr>
           </a:lstStyle>
           <a:p>
@@ -1991,11 +1986,11 @@
           <a:bodyPr/>
           <a:lstStyle/>
           <a:p>
-            <a:fld id="{2B36E86D-4E33-496B-BC4F-03522FBA60AA}" type="datetimeFigureOut">
-              <a:rPr kumimoji="1" lang="ja-JP" altLang="en-US" smtClean="0"/>
-              <a:t>2014/10/10</a:t>
+            <a:fld id="{4D7C5F46-0C4F-49B7-B018-34633777EF9A}" type="datetimeFigureOut">
+              <a:rPr kumimoji="1" lang="ja-JP" altLang="en-US" smtClean="0"/>
+              <a:t>2014/10/15</a:t>
             </a:fld>
-            <a:endParaRPr kumimoji="1" lang="ja-JP" altLang="en-US"/>
+            <a:endParaRPr kumimoji="1" lang="ja-JP" altLang="en-US" dirty="0"/>
           </a:p>
         </p:txBody>
       </p:sp>
@@ -2014,7 +2009,7 @@
           <a:bodyPr/>
           <a:lstStyle/>
           <a:p>
-            <a:endParaRPr kumimoji="1" lang="ja-JP" altLang="en-US"/>
+            <a:endParaRPr kumimoji="1" lang="ja-JP" altLang="en-US" dirty="0"/>
           </a:p>
         </p:txBody>
       </p:sp>
@@ -2033,18 +2028,18 @@
           <a:bodyPr/>
           <a:lstStyle/>
           <a:p>
-            <a:fld id="{2612486E-CEB3-4C12-A2B8-41993EEAB0F7}" type="slidenum">
+            <a:fld id="{23A7EF35-3C66-42A0-A98E-4B0CCB913601}" type="slidenum">
               <a:rPr kumimoji="1" lang="ja-JP" altLang="en-US" smtClean="0"/>
               <a:t>‹#›</a:t>
             </a:fld>
-            <a:endParaRPr kumimoji="1" lang="ja-JP" altLang="en-US"/>
+            <a:endParaRPr kumimoji="1" lang="ja-JP" altLang="en-US" dirty="0"/>
           </a:p>
         </p:txBody>
       </p:sp>
     </p:spTree>
     <p:extLst>
       <p:ext uri="{BB962C8B-B14F-4D97-AF65-F5344CB8AC3E}">
-        <p14:creationId xmlns:p14="http://schemas.microsoft.com/office/powerpoint/2010/main" val="918914548"/>
+        <p14:creationId xmlns:p14="http://schemas.microsoft.com/office/powerpoint/2010/main" val="965974904"/>
       </p:ext>
     </p:extLst>
   </p:cSld>
@@ -2109,11 +2104,11 @@
           <a:bodyPr/>
           <a:lstStyle/>
           <a:p>
-            <a:fld id="{2B36E86D-4E33-496B-BC4F-03522FBA60AA}" type="datetimeFigureOut">
-              <a:rPr kumimoji="1" lang="ja-JP" altLang="en-US" smtClean="0"/>
-              <a:t>2014/10/10</a:t>
+            <a:fld id="{4D7C5F46-0C4F-49B7-B018-34633777EF9A}" type="datetimeFigureOut">
+              <a:rPr kumimoji="1" lang="ja-JP" altLang="en-US" smtClean="0"/>
+              <a:t>2014/10/15</a:t>
             </a:fld>
-            <a:endParaRPr kumimoji="1" lang="ja-JP" altLang="en-US"/>
+            <a:endParaRPr kumimoji="1" lang="ja-JP" altLang="en-US" dirty="0"/>
           </a:p>
         </p:txBody>
       </p:sp>
@@ -2132,7 +2127,7 @@
           <a:bodyPr/>
           <a:lstStyle/>
           <a:p>
-            <a:endParaRPr kumimoji="1" lang="ja-JP" altLang="en-US"/>
+            <a:endParaRPr kumimoji="1" lang="ja-JP" altLang="en-US" dirty="0"/>
           </a:p>
         </p:txBody>
       </p:sp>
@@ -2151,18 +2146,18 @@
           <a:bodyPr/>
           <a:lstStyle/>
           <a:p>
-            <a:fld id="{2612486E-CEB3-4C12-A2B8-41993EEAB0F7}" type="slidenum">
+            <a:fld id="{23A7EF35-3C66-42A0-A98E-4B0CCB913601}" type="slidenum">
               <a:rPr kumimoji="1" lang="ja-JP" altLang="en-US" smtClean="0"/>
               <a:t>‹#›</a:t>
             </a:fld>
-            <a:endParaRPr kumimoji="1" lang="ja-JP" altLang="en-US"/>
+            <a:endParaRPr kumimoji="1" lang="ja-JP" altLang="en-US" dirty="0"/>
           </a:p>
         </p:txBody>
       </p:sp>
     </p:spTree>
     <p:extLst>
       <p:ext uri="{BB962C8B-B14F-4D97-AF65-F5344CB8AC3E}">
-        <p14:creationId xmlns:p14="http://schemas.microsoft.com/office/powerpoint/2010/main" val="3457674605"/>
+        <p14:creationId xmlns:p14="http://schemas.microsoft.com/office/powerpoint/2010/main" val="1544472101"/>
       </p:ext>
     </p:extLst>
   </p:cSld>
@@ -2204,11 +2199,11 @@
           <a:bodyPr/>
           <a:lstStyle/>
           <a:p>
-            <a:fld id="{2B36E86D-4E33-496B-BC4F-03522FBA60AA}" type="datetimeFigureOut">
-              <a:rPr kumimoji="1" lang="ja-JP" altLang="en-US" smtClean="0"/>
-              <a:t>2014/10/10</a:t>
+            <a:fld id="{4D7C5F46-0C4F-49B7-B018-34633777EF9A}" type="datetimeFigureOut">
+              <a:rPr kumimoji="1" lang="ja-JP" altLang="en-US" smtClean="0"/>
+              <a:t>2014/10/15</a:t>
             </a:fld>
-            <a:endParaRPr kumimoji="1" lang="ja-JP" altLang="en-US"/>
+            <a:endParaRPr kumimoji="1" lang="ja-JP" altLang="en-US" dirty="0"/>
           </a:p>
         </p:txBody>
       </p:sp>
@@ -2227,7 +2222,7 @@
           <a:bodyPr/>
           <a:lstStyle/>
           <a:p>
-            <a:endParaRPr kumimoji="1" lang="ja-JP" altLang="en-US"/>
+            <a:endParaRPr kumimoji="1" lang="ja-JP" altLang="en-US" dirty="0"/>
           </a:p>
         </p:txBody>
       </p:sp>
@@ -2246,18 +2241,18 @@
           <a:bodyPr/>
           <a:lstStyle/>
           <a:p>
-            <a:fld id="{2612486E-CEB3-4C12-A2B8-41993EEAB0F7}" type="slidenum">
+            <a:fld id="{23A7EF35-3C66-42A0-A98E-4B0CCB913601}" type="slidenum">
               <a:rPr kumimoji="1" lang="ja-JP" altLang="en-US" smtClean="0"/>
               <a:t>‹#›</a:t>
             </a:fld>
-            <a:endParaRPr kumimoji="1" lang="ja-JP" altLang="en-US"/>
+            <a:endParaRPr kumimoji="1" lang="ja-JP" altLang="en-US" dirty="0"/>
           </a:p>
         </p:txBody>
       </p:sp>
     </p:spTree>
     <p:extLst>
       <p:ext uri="{BB962C8B-B14F-4D97-AF65-F5344CB8AC3E}">
-        <p14:creationId xmlns:p14="http://schemas.microsoft.com/office/powerpoint/2010/main" val="266413125"/>
+        <p14:creationId xmlns:p14="http://schemas.microsoft.com/office/powerpoint/2010/main" val="502476232"/>
       </p:ext>
     </p:extLst>
   </p:cSld>
@@ -2296,15 +2291,15 @@
         </p:nvSpPr>
         <p:spPr>
           <a:xfrm>
-            <a:off x="1069343" y="1205592"/>
-            <a:ext cx="7036110" cy="5130773"/>
+            <a:off x="1069341" y="1205591"/>
+            <a:ext cx="7036110" cy="5130774"/>
           </a:xfrm>
         </p:spPr>
         <p:txBody>
           <a:bodyPr anchor="b"/>
           <a:lstStyle>
             <a:lvl1pPr algn="l">
-              <a:defRPr sz="2200" b="1"/>
+              <a:defRPr sz="6500" b="1"/>
             </a:lvl1pPr>
           </a:lstStyle>
           <a:p>
@@ -2328,7 +2323,7 @@
         </p:nvSpPr>
         <p:spPr>
           <a:xfrm>
-            <a:off x="8361646" y="1205595"/>
+            <a:off x="8361645" y="1205598"/>
             <a:ext cx="11955815" cy="25843120"/>
           </a:xfrm>
         </p:spPr>
@@ -2336,31 +2331,31 @@
           <a:bodyPr/>
           <a:lstStyle>
             <a:lvl1pPr>
-              <a:defRPr sz="3600"/>
+              <a:defRPr sz="10300"/>
             </a:lvl1pPr>
             <a:lvl2pPr>
-              <a:defRPr sz="3100"/>
+              <a:defRPr sz="9000"/>
             </a:lvl2pPr>
             <a:lvl3pPr>
-              <a:defRPr sz="2700"/>
+              <a:defRPr sz="7700"/>
             </a:lvl3pPr>
             <a:lvl4pPr>
-              <a:defRPr sz="2200"/>
+              <a:defRPr sz="6500"/>
             </a:lvl4pPr>
             <a:lvl5pPr>
-              <a:defRPr sz="2200"/>
+              <a:defRPr sz="6500"/>
             </a:lvl5pPr>
             <a:lvl6pPr>
-              <a:defRPr sz="2200"/>
+              <a:defRPr sz="6500"/>
             </a:lvl6pPr>
             <a:lvl7pPr>
-              <a:defRPr sz="2200"/>
+              <a:defRPr sz="6500"/>
             </a:lvl7pPr>
             <a:lvl8pPr>
-              <a:defRPr sz="2200"/>
+              <a:defRPr sz="6500"/>
             </a:lvl8pPr>
             <a:lvl9pPr>
-              <a:defRPr sz="2200"/>
+              <a:defRPr sz="6500"/>
             </a:lvl9pPr>
           </a:lstStyle>
           <a:p>
@@ -2445,8 +2440,8 @@
         </p:nvSpPr>
         <p:spPr>
           <a:xfrm>
-            <a:off x="1069343" y="6336368"/>
-            <a:ext cx="7036110" cy="20712347"/>
+            <a:off x="1069341" y="6336367"/>
+            <a:ext cx="7036110" cy="20712346"/>
           </a:xfrm>
         </p:spPr>
         <p:txBody>
@@ -2454,39 +2449,39 @@
           <a:lstStyle>
             <a:lvl1pPr marL="0" indent="0">
               <a:buNone/>
-              <a:defRPr sz="1600"/>
+              <a:defRPr sz="4500"/>
             </a:lvl1pPr>
-            <a:lvl2pPr marL="509184" indent="0">
-              <a:buNone/>
-              <a:defRPr sz="1300"/>
+            <a:lvl2pPr marL="1475949" indent="0">
+              <a:buNone/>
+              <a:defRPr sz="3900"/>
             </a:lvl2pPr>
-            <a:lvl3pPr marL="1018367" indent="0">
-              <a:buNone/>
-              <a:defRPr sz="1100"/>
+            <a:lvl3pPr marL="2951897" indent="0">
+              <a:buNone/>
+              <a:defRPr sz="3200"/>
             </a:lvl3pPr>
-            <a:lvl4pPr marL="1527551" indent="0">
-              <a:buNone/>
-              <a:defRPr sz="1000"/>
+            <a:lvl4pPr marL="4427852" indent="0">
+              <a:buNone/>
+              <a:defRPr sz="2900"/>
             </a:lvl4pPr>
-            <a:lvl5pPr marL="2036735" indent="0">
-              <a:buNone/>
-              <a:defRPr sz="1000"/>
+            <a:lvl5pPr marL="5903801" indent="0">
+              <a:buNone/>
+              <a:defRPr sz="2900"/>
             </a:lvl5pPr>
-            <a:lvl6pPr marL="2545918" indent="0">
-              <a:buNone/>
-              <a:defRPr sz="1000"/>
+            <a:lvl6pPr marL="7379749" indent="0">
+              <a:buNone/>
+              <a:defRPr sz="2900"/>
             </a:lvl6pPr>
-            <a:lvl7pPr marL="3055102" indent="0">
-              <a:buNone/>
-              <a:defRPr sz="1000"/>
+            <a:lvl7pPr marL="8855704" indent="0">
+              <a:buNone/>
+              <a:defRPr sz="2900"/>
             </a:lvl7pPr>
-            <a:lvl8pPr marL="3564285" indent="0">
-              <a:buNone/>
-              <a:defRPr sz="1000"/>
+            <a:lvl8pPr marL="10331653" indent="0">
+              <a:buNone/>
+              <a:defRPr sz="2900"/>
             </a:lvl8pPr>
-            <a:lvl9pPr marL="4073469" indent="0">
-              <a:buNone/>
-              <a:defRPr sz="1000"/>
+            <a:lvl9pPr marL="11807601" indent="0">
+              <a:buNone/>
+              <a:defRPr sz="2900"/>
             </a:lvl9pPr>
           </a:lstStyle>
           <a:p>
@@ -2513,11 +2508,11 @@
           <a:bodyPr/>
           <a:lstStyle/>
           <a:p>
-            <a:fld id="{2B36E86D-4E33-496B-BC4F-03522FBA60AA}" type="datetimeFigureOut">
-              <a:rPr kumimoji="1" lang="ja-JP" altLang="en-US" smtClean="0"/>
-              <a:t>2014/10/10</a:t>
+            <a:fld id="{4D7C5F46-0C4F-49B7-B018-34633777EF9A}" type="datetimeFigureOut">
+              <a:rPr kumimoji="1" lang="ja-JP" altLang="en-US" smtClean="0"/>
+              <a:t>2014/10/15</a:t>
             </a:fld>
-            <a:endParaRPr kumimoji="1" lang="ja-JP" altLang="en-US"/>
+            <a:endParaRPr kumimoji="1" lang="ja-JP" altLang="en-US" dirty="0"/>
           </a:p>
         </p:txBody>
       </p:sp>
@@ -2536,7 +2531,7 @@
           <a:bodyPr/>
           <a:lstStyle/>
           <a:p>
-            <a:endParaRPr kumimoji="1" lang="ja-JP" altLang="en-US"/>
+            <a:endParaRPr kumimoji="1" lang="ja-JP" altLang="en-US" dirty="0"/>
           </a:p>
         </p:txBody>
       </p:sp>
@@ -2555,18 +2550,18 @@
           <a:bodyPr/>
           <a:lstStyle/>
           <a:p>
-            <a:fld id="{2612486E-CEB3-4C12-A2B8-41993EEAB0F7}" type="slidenum">
+            <a:fld id="{23A7EF35-3C66-42A0-A98E-4B0CCB913601}" type="slidenum">
               <a:rPr kumimoji="1" lang="ja-JP" altLang="en-US" smtClean="0"/>
               <a:t>‹#›</a:t>
             </a:fld>
-            <a:endParaRPr kumimoji="1" lang="ja-JP" altLang="en-US"/>
+            <a:endParaRPr kumimoji="1" lang="ja-JP" altLang="en-US" dirty="0"/>
           </a:p>
         </p:txBody>
       </p:sp>
     </p:spTree>
     <p:extLst>
       <p:ext uri="{BB962C8B-B14F-4D97-AF65-F5344CB8AC3E}">
-        <p14:creationId xmlns:p14="http://schemas.microsoft.com/office/powerpoint/2010/main" val="2362818845"/>
+        <p14:creationId xmlns:p14="http://schemas.microsoft.com/office/powerpoint/2010/main" val="3983707664"/>
       </p:ext>
     </p:extLst>
   </p:cSld>
@@ -2605,15 +2600,15 @@
         </p:nvSpPr>
         <p:spPr>
           <a:xfrm>
-            <a:off x="4191962" y="21195985"/>
-            <a:ext cx="12832081" cy="2502307"/>
+            <a:off x="4191962" y="21195982"/>
+            <a:ext cx="12832080" cy="2502306"/>
           </a:xfrm>
         </p:spPr>
         <p:txBody>
           <a:bodyPr anchor="b"/>
           <a:lstStyle>
             <a:lvl1pPr algn="l">
-              <a:defRPr sz="2200" b="1"/>
+              <a:defRPr sz="6500" b="1"/>
             </a:lvl1pPr>
           </a:lstStyle>
           <a:p>
@@ -2638,7 +2633,7 @@
         <p:spPr>
           <a:xfrm>
             <a:off x="4191962" y="2705572"/>
-            <a:ext cx="12832081" cy="18167985"/>
+            <a:ext cx="12832080" cy="18167985"/>
           </a:xfrm>
         </p:spPr>
         <p:txBody>
@@ -2646,39 +2641,39 @@
           <a:lstStyle>
             <a:lvl1pPr marL="0" indent="0">
               <a:buNone/>
-              <a:defRPr sz="3600"/>
+              <a:defRPr sz="10300"/>
             </a:lvl1pPr>
-            <a:lvl2pPr marL="509184" indent="0">
-              <a:buNone/>
-              <a:defRPr sz="3100"/>
+            <a:lvl2pPr marL="1475949" indent="0">
+              <a:buNone/>
+              <a:defRPr sz="9000"/>
             </a:lvl2pPr>
-            <a:lvl3pPr marL="1018367" indent="0">
-              <a:buNone/>
-              <a:defRPr sz="2700"/>
+            <a:lvl3pPr marL="2951897" indent="0">
+              <a:buNone/>
+              <a:defRPr sz="7700"/>
             </a:lvl3pPr>
-            <a:lvl4pPr marL="1527551" indent="0">
-              <a:buNone/>
-              <a:defRPr sz="2200"/>
+            <a:lvl4pPr marL="4427852" indent="0">
+              <a:buNone/>
+              <a:defRPr sz="6500"/>
             </a:lvl4pPr>
-            <a:lvl5pPr marL="2036735" indent="0">
-              <a:buNone/>
-              <a:defRPr sz="2200"/>
+            <a:lvl5pPr marL="5903801" indent="0">
+              <a:buNone/>
+              <a:defRPr sz="6500"/>
             </a:lvl5pPr>
-            <a:lvl6pPr marL="2545918" indent="0">
-              <a:buNone/>
-              <a:defRPr sz="2200"/>
+            <a:lvl6pPr marL="7379749" indent="0">
+              <a:buNone/>
+              <a:defRPr sz="6500"/>
             </a:lvl6pPr>
-            <a:lvl7pPr marL="3055102" indent="0">
-              <a:buNone/>
-              <a:defRPr sz="2200"/>
+            <a:lvl7pPr marL="8855704" indent="0">
+              <a:buNone/>
+              <a:defRPr sz="6500"/>
             </a:lvl7pPr>
-            <a:lvl8pPr marL="3564285" indent="0">
-              <a:buNone/>
-              <a:defRPr sz="2200"/>
+            <a:lvl8pPr marL="10331653" indent="0">
+              <a:buNone/>
+              <a:defRPr sz="6500"/>
             </a:lvl8pPr>
-            <a:lvl9pPr marL="4073469" indent="0">
-              <a:buNone/>
-              <a:defRPr sz="2200"/>
+            <a:lvl9pPr marL="11807601" indent="0">
+              <a:buNone/>
+              <a:defRPr sz="6500"/>
             </a:lvl9pPr>
           </a:lstStyle>
           <a:p>
@@ -2698,8 +2693,8 @@
         </p:nvSpPr>
         <p:spPr>
           <a:xfrm>
-            <a:off x="4191962" y="23698292"/>
-            <a:ext cx="12832081" cy="3553689"/>
+            <a:off x="4191962" y="23698288"/>
+            <a:ext cx="12832080" cy="3553689"/>
           </a:xfrm>
         </p:spPr>
         <p:txBody>
@@ -2707,39 +2702,39 @@
           <a:lstStyle>
             <a:lvl1pPr marL="0" indent="0">
               <a:buNone/>
-              <a:defRPr sz="1600"/>
+              <a:defRPr sz="4500"/>
             </a:lvl1pPr>
-            <a:lvl2pPr marL="509184" indent="0">
-              <a:buNone/>
-              <a:defRPr sz="1300"/>
+            <a:lvl2pPr marL="1475949" indent="0">
+              <a:buNone/>
+              <a:defRPr sz="3900"/>
             </a:lvl2pPr>
-            <a:lvl3pPr marL="1018367" indent="0">
-              <a:buNone/>
-              <a:defRPr sz="1100"/>
+            <a:lvl3pPr marL="2951897" indent="0">
+              <a:buNone/>
+              <a:defRPr sz="3200"/>
             </a:lvl3pPr>
-            <a:lvl4pPr marL="1527551" indent="0">
-              <a:buNone/>
-              <a:defRPr sz="1000"/>
+            <a:lvl4pPr marL="4427852" indent="0">
+              <a:buNone/>
+              <a:defRPr sz="2900"/>
             </a:lvl4pPr>
-            <a:lvl5pPr marL="2036735" indent="0">
-              <a:buNone/>
-              <a:defRPr sz="1000"/>
+            <a:lvl5pPr marL="5903801" indent="0">
+              <a:buNone/>
+              <a:defRPr sz="2900"/>
             </a:lvl5pPr>
-            <a:lvl6pPr marL="2545918" indent="0">
-              <a:buNone/>
-              <a:defRPr sz="1000"/>
+            <a:lvl6pPr marL="7379749" indent="0">
+              <a:buNone/>
+              <a:defRPr sz="2900"/>
             </a:lvl6pPr>
-            <a:lvl7pPr marL="3055102" indent="0">
-              <a:buNone/>
-              <a:defRPr sz="1000"/>
+            <a:lvl7pPr marL="8855704" indent="0">
+              <a:buNone/>
+              <a:defRPr sz="2900"/>
             </a:lvl7pPr>
-            <a:lvl8pPr marL="3564285" indent="0">
-              <a:buNone/>
-              <a:defRPr sz="1000"/>
+            <a:lvl8pPr marL="10331653" indent="0">
+              <a:buNone/>
+              <a:defRPr sz="2900"/>
             </a:lvl8pPr>
-            <a:lvl9pPr marL="4073469" indent="0">
-              <a:buNone/>
-              <a:defRPr sz="1000"/>
+            <a:lvl9pPr marL="11807601" indent="0">
+              <a:buNone/>
+              <a:defRPr sz="2900"/>
             </a:lvl9pPr>
           </a:lstStyle>
           <a:p>
@@ -2766,11 +2761,11 @@
           <a:bodyPr/>
           <a:lstStyle/>
           <a:p>
-            <a:fld id="{2B36E86D-4E33-496B-BC4F-03522FBA60AA}" type="datetimeFigureOut">
-              <a:rPr kumimoji="1" lang="ja-JP" altLang="en-US" smtClean="0"/>
-              <a:t>2014/10/10</a:t>
+            <a:fld id="{4D7C5F46-0C4F-49B7-B018-34633777EF9A}" type="datetimeFigureOut">
+              <a:rPr kumimoji="1" lang="ja-JP" altLang="en-US" smtClean="0"/>
+              <a:t>2014/10/15</a:t>
             </a:fld>
-            <a:endParaRPr kumimoji="1" lang="ja-JP" altLang="en-US"/>
+            <a:endParaRPr kumimoji="1" lang="ja-JP" altLang="en-US" dirty="0"/>
           </a:p>
         </p:txBody>
       </p:sp>
@@ -2789,7 +2784,7 @@
           <a:bodyPr/>
           <a:lstStyle/>
           <a:p>
-            <a:endParaRPr kumimoji="1" lang="ja-JP" altLang="en-US"/>
+            <a:endParaRPr kumimoji="1" lang="ja-JP" altLang="en-US" dirty="0"/>
           </a:p>
         </p:txBody>
       </p:sp>
@@ -2808,18 +2803,18 @@
           <a:bodyPr/>
           <a:lstStyle/>
           <a:p>
-            <a:fld id="{2612486E-CEB3-4C12-A2B8-41993EEAB0F7}" type="slidenum">
+            <a:fld id="{23A7EF35-3C66-42A0-A98E-4B0CCB913601}" type="slidenum">
               <a:rPr kumimoji="1" lang="ja-JP" altLang="en-US" smtClean="0"/>
               <a:t>‹#›</a:t>
             </a:fld>
-            <a:endParaRPr kumimoji="1" lang="ja-JP" altLang="en-US"/>
+            <a:endParaRPr kumimoji="1" lang="ja-JP" altLang="en-US" dirty="0"/>
           </a:p>
         </p:txBody>
       </p:sp>
     </p:spTree>
     <p:extLst>
       <p:ext uri="{BB962C8B-B14F-4D97-AF65-F5344CB8AC3E}">
-        <p14:creationId xmlns:p14="http://schemas.microsoft.com/office/powerpoint/2010/main" val="2389186260"/>
+        <p14:creationId xmlns:p14="http://schemas.microsoft.com/office/powerpoint/2010/main" val="4056385257"/>
       </p:ext>
     </p:extLst>
   </p:cSld>
@@ -2863,15 +2858,15 @@
         </p:nvSpPr>
         <p:spPr>
           <a:xfrm>
-            <a:off x="1069342" y="1212603"/>
-            <a:ext cx="19248121" cy="5046663"/>
+            <a:off x="1069340" y="1212603"/>
+            <a:ext cx="19248120" cy="5046663"/>
           </a:xfrm>
           <a:prstGeom prst="rect">
             <a:avLst/>
           </a:prstGeom>
         </p:spPr>
         <p:txBody>
-          <a:bodyPr vert="horz" lIns="101837" tIns="50918" rIns="101837" bIns="50918" rtlCol="0" anchor="ctr">
+          <a:bodyPr vert="horz" lIns="295190" tIns="147597" rIns="295190" bIns="147597" rtlCol="0" anchor="ctr">
             <a:normAutofit/>
           </a:bodyPr>
           <a:lstStyle/>
@@ -2896,15 +2891,15 @@
         </p:nvSpPr>
         <p:spPr>
           <a:xfrm>
-            <a:off x="1069342" y="7065338"/>
-            <a:ext cx="19248121" cy="19983382"/>
+            <a:off x="1069340" y="7065334"/>
+            <a:ext cx="19248120" cy="19983384"/>
           </a:xfrm>
           <a:prstGeom prst="rect">
             <a:avLst/>
           </a:prstGeom>
         </p:spPr>
         <p:txBody>
-          <a:bodyPr vert="horz" lIns="101837" tIns="50918" rIns="101837" bIns="50918" rtlCol="0">
+          <a:bodyPr vert="horz" lIns="295190" tIns="147597" rIns="295190" bIns="147597" rtlCol="0">
             <a:normAutofit/>
           </a:bodyPr>
           <a:lstStyle/>
@@ -2990,18 +2985,18 @@
         </p:nvSpPr>
         <p:spPr>
           <a:xfrm>
-            <a:off x="1069341" y="28065060"/>
-            <a:ext cx="4990253" cy="1612126"/>
+            <a:off x="1069340" y="28065053"/>
+            <a:ext cx="4990253" cy="1612128"/>
           </a:xfrm>
           <a:prstGeom prst="rect">
             <a:avLst/>
           </a:prstGeom>
         </p:spPr>
         <p:txBody>
-          <a:bodyPr vert="horz" lIns="101837" tIns="50918" rIns="101837" bIns="50918" rtlCol="0" anchor="ctr"/>
+          <a:bodyPr vert="horz" lIns="295190" tIns="147597" rIns="295190" bIns="147597" rtlCol="0" anchor="ctr"/>
           <a:lstStyle>
             <a:lvl1pPr algn="l">
-              <a:defRPr sz="1300">
+              <a:defRPr sz="3900">
                 <a:solidFill>
                   <a:schemeClr val="tx1">
                     <a:tint val="75000"/>
@@ -3011,11 +3006,11 @@
             </a:lvl1pPr>
           </a:lstStyle>
           <a:p>
-            <a:fld id="{2B36E86D-4E33-496B-BC4F-03522FBA60AA}" type="datetimeFigureOut">
-              <a:rPr kumimoji="1" lang="ja-JP" altLang="en-US" smtClean="0"/>
-              <a:t>2014/10/10</a:t>
+            <a:fld id="{4D7C5F46-0C4F-49B7-B018-34633777EF9A}" type="datetimeFigureOut">
+              <a:rPr kumimoji="1" lang="ja-JP" altLang="en-US" smtClean="0"/>
+              <a:t>2014/10/15</a:t>
             </a:fld>
-            <a:endParaRPr kumimoji="1" lang="ja-JP" altLang="en-US"/>
+            <a:endParaRPr kumimoji="1" lang="ja-JP" altLang="en-US" dirty="0"/>
           </a:p>
         </p:txBody>
       </p:sp>
@@ -3031,18 +3026,18 @@
         </p:nvSpPr>
         <p:spPr>
           <a:xfrm>
-            <a:off x="7307157" y="28065060"/>
-            <a:ext cx="6772488" cy="1612126"/>
+            <a:off x="7307157" y="28065053"/>
+            <a:ext cx="6772487" cy="1612128"/>
           </a:xfrm>
           <a:prstGeom prst="rect">
             <a:avLst/>
           </a:prstGeom>
         </p:spPr>
         <p:txBody>
-          <a:bodyPr vert="horz" lIns="101837" tIns="50918" rIns="101837" bIns="50918" rtlCol="0" anchor="ctr"/>
+          <a:bodyPr vert="horz" lIns="295190" tIns="147597" rIns="295190" bIns="147597" rtlCol="0" anchor="ctr"/>
           <a:lstStyle>
             <a:lvl1pPr algn="ctr">
-              <a:defRPr sz="1300">
+              <a:defRPr sz="3900">
                 <a:solidFill>
                   <a:schemeClr val="tx1">
                     <a:tint val="75000"/>
@@ -3052,7 +3047,7 @@
             </a:lvl1pPr>
           </a:lstStyle>
           <a:p>
-            <a:endParaRPr kumimoji="1" lang="ja-JP" altLang="en-US"/>
+            <a:endParaRPr kumimoji="1" lang="ja-JP" altLang="en-US" dirty="0"/>
           </a:p>
         </p:txBody>
       </p:sp>
@@ -3068,18 +3063,18 @@
         </p:nvSpPr>
         <p:spPr>
           <a:xfrm>
-            <a:off x="15327208" y="28065060"/>
-            <a:ext cx="4990253" cy="1612126"/>
+            <a:off x="15327207" y="28065053"/>
+            <a:ext cx="4990253" cy="1612128"/>
           </a:xfrm>
           <a:prstGeom prst="rect">
             <a:avLst/>
           </a:prstGeom>
         </p:spPr>
         <p:txBody>
-          <a:bodyPr vert="horz" lIns="101837" tIns="50918" rIns="101837" bIns="50918" rtlCol="0" anchor="ctr"/>
+          <a:bodyPr vert="horz" lIns="295190" tIns="147597" rIns="295190" bIns="147597" rtlCol="0" anchor="ctr"/>
           <a:lstStyle>
             <a:lvl1pPr algn="r">
-              <a:defRPr sz="1300">
+              <a:defRPr sz="3900">
                 <a:solidFill>
                   <a:schemeClr val="tx1">
                     <a:tint val="75000"/>
@@ -3089,43 +3084,43 @@
             </a:lvl1pPr>
           </a:lstStyle>
           <a:p>
-            <a:fld id="{2612486E-CEB3-4C12-A2B8-41993EEAB0F7}" type="slidenum">
+            <a:fld id="{23A7EF35-3C66-42A0-A98E-4B0CCB913601}" type="slidenum">
               <a:rPr kumimoji="1" lang="ja-JP" altLang="en-US" smtClean="0"/>
               <a:t>‹#›</a:t>
             </a:fld>
-            <a:endParaRPr kumimoji="1" lang="ja-JP" altLang="en-US"/>
+            <a:endParaRPr kumimoji="1" lang="ja-JP" altLang="en-US" dirty="0"/>
           </a:p>
         </p:txBody>
       </p:sp>
     </p:spTree>
     <p:extLst>
       <p:ext uri="{BB962C8B-B14F-4D97-AF65-F5344CB8AC3E}">
-        <p14:creationId xmlns:p14="http://schemas.microsoft.com/office/powerpoint/2010/main" val="2714453724"/>
+        <p14:creationId xmlns:p14="http://schemas.microsoft.com/office/powerpoint/2010/main" val="2601229631"/>
       </p:ext>
     </p:extLst>
   </p:cSld>
   <p:clrMap bg1="lt1" tx1="dk1" bg2="lt2" tx2="dk2" accent1="accent1" accent2="accent2" accent3="accent3" accent4="accent4" accent5="accent5" accent6="accent6" hlink="hlink" folHlink="folHlink"/>
   <p:sldLayoutIdLst>
-    <p:sldLayoutId id="2147483649" r:id="rId1"/>
-    <p:sldLayoutId id="2147483650" r:id="rId2"/>
-    <p:sldLayoutId id="2147483651" r:id="rId3"/>
-    <p:sldLayoutId id="2147483652" r:id="rId4"/>
-    <p:sldLayoutId id="2147483653" r:id="rId5"/>
-    <p:sldLayoutId id="2147483654" r:id="rId6"/>
-    <p:sldLayoutId id="2147483655" r:id="rId7"/>
-    <p:sldLayoutId id="2147483656" r:id="rId8"/>
-    <p:sldLayoutId id="2147483657" r:id="rId9"/>
-    <p:sldLayoutId id="2147483658" r:id="rId10"/>
-    <p:sldLayoutId id="2147483659" r:id="rId11"/>
+    <p:sldLayoutId id="2147483709" r:id="rId1"/>
+    <p:sldLayoutId id="2147483710" r:id="rId2"/>
+    <p:sldLayoutId id="2147483711" r:id="rId3"/>
+    <p:sldLayoutId id="2147483712" r:id="rId4"/>
+    <p:sldLayoutId id="2147483713" r:id="rId5"/>
+    <p:sldLayoutId id="2147483714" r:id="rId6"/>
+    <p:sldLayoutId id="2147483715" r:id="rId7"/>
+    <p:sldLayoutId id="2147483716" r:id="rId8"/>
+    <p:sldLayoutId id="2147483717" r:id="rId9"/>
+    <p:sldLayoutId id="2147483718" r:id="rId10"/>
+    <p:sldLayoutId id="2147483719" r:id="rId11"/>
   </p:sldLayoutIdLst>
   <p:txStyles>
     <p:titleStyle>
-      <a:lvl1pPr algn="ctr" defTabSz="1018367" rtl="0" eaLnBrk="1" latinLnBrk="0" hangingPunct="1">
+      <a:lvl1pPr algn="ctr" defTabSz="2951897" rtl="0" eaLnBrk="1" latinLnBrk="0" hangingPunct="1">
         <a:spcBef>
           <a:spcPct val="0"/>
         </a:spcBef>
         <a:buNone/>
-        <a:defRPr kumimoji="1" sz="4900" kern="1200">
+        <a:defRPr kumimoji="1" sz="14200" kern="1200">
           <a:solidFill>
             <a:schemeClr val="tx1"/>
           </a:solidFill>
@@ -3136,13 +3131,13 @@
       </a:lvl1pPr>
     </p:titleStyle>
     <p:bodyStyle>
-      <a:lvl1pPr marL="381888" indent="-381888" algn="l" defTabSz="1018367" rtl="0" eaLnBrk="1" latinLnBrk="0" hangingPunct="1">
+      <a:lvl1pPr marL="1106963" indent="-1106963" algn="l" defTabSz="2951897" rtl="0" eaLnBrk="1" latinLnBrk="0" hangingPunct="1">
         <a:spcBef>
           <a:spcPct val="20000"/>
         </a:spcBef>
         <a:buFont typeface="Arial" panose="020B0604020202020204" pitchFamily="34" charset="0"/>
         <a:buChar char="•"/>
-        <a:defRPr kumimoji="1" sz="3600" kern="1200">
+        <a:defRPr kumimoji="1" sz="10300" kern="1200">
           <a:solidFill>
             <a:schemeClr val="tx1"/>
           </a:solidFill>
@@ -3151,13 +3146,13 @@
           <a:cs typeface="+mn-cs"/>
         </a:defRPr>
       </a:lvl1pPr>
-      <a:lvl2pPr marL="827423" indent="-318240" algn="l" defTabSz="1018367" rtl="0" eaLnBrk="1" latinLnBrk="0" hangingPunct="1">
+      <a:lvl2pPr marL="2398420" indent="-922469" algn="l" defTabSz="2951897" rtl="0" eaLnBrk="1" latinLnBrk="0" hangingPunct="1">
         <a:spcBef>
           <a:spcPct val="20000"/>
         </a:spcBef>
         <a:buFont typeface="Arial" panose="020B0604020202020204" pitchFamily="34" charset="0"/>
         <a:buChar char="–"/>
-        <a:defRPr kumimoji="1" sz="3100" kern="1200">
+        <a:defRPr kumimoji="1" sz="9000" kern="1200">
           <a:solidFill>
             <a:schemeClr val="tx1"/>
           </a:solidFill>
@@ -3166,13 +3161,13 @@
           <a:cs typeface="+mn-cs"/>
         </a:defRPr>
       </a:lvl2pPr>
-      <a:lvl3pPr marL="1272959" indent="-254592" algn="l" defTabSz="1018367" rtl="0" eaLnBrk="1" latinLnBrk="0" hangingPunct="1">
+      <a:lvl3pPr marL="3689875" indent="-737978" algn="l" defTabSz="2951897" rtl="0" eaLnBrk="1" latinLnBrk="0" hangingPunct="1">
         <a:spcBef>
           <a:spcPct val="20000"/>
         </a:spcBef>
         <a:buFont typeface="Arial" panose="020B0604020202020204" pitchFamily="34" charset="0"/>
         <a:buChar char="•"/>
-        <a:defRPr kumimoji="1" sz="2700" kern="1200">
+        <a:defRPr kumimoji="1" sz="7700" kern="1200">
           <a:solidFill>
             <a:schemeClr val="tx1"/>
           </a:solidFill>
@@ -3181,13 +3176,13 @@
           <a:cs typeface="+mn-cs"/>
         </a:defRPr>
       </a:lvl3pPr>
-      <a:lvl4pPr marL="1782143" indent="-254592" algn="l" defTabSz="1018367" rtl="0" eaLnBrk="1" latinLnBrk="0" hangingPunct="1">
+      <a:lvl4pPr marL="5165823" indent="-737978" algn="l" defTabSz="2951897" rtl="0" eaLnBrk="1" latinLnBrk="0" hangingPunct="1">
         <a:spcBef>
           <a:spcPct val="20000"/>
         </a:spcBef>
         <a:buFont typeface="Arial" panose="020B0604020202020204" pitchFamily="34" charset="0"/>
         <a:buChar char="–"/>
-        <a:defRPr kumimoji="1" sz="2200" kern="1200">
+        <a:defRPr kumimoji="1" sz="6500" kern="1200">
           <a:solidFill>
             <a:schemeClr val="tx1"/>
           </a:solidFill>
@@ -3196,13 +3191,13 @@
           <a:cs typeface="+mn-cs"/>
         </a:defRPr>
       </a:lvl4pPr>
-      <a:lvl5pPr marL="2291326" indent="-254592" algn="l" defTabSz="1018367" rtl="0" eaLnBrk="1" latinLnBrk="0" hangingPunct="1">
+      <a:lvl5pPr marL="6641778" indent="-737978" algn="l" defTabSz="2951897" rtl="0" eaLnBrk="1" latinLnBrk="0" hangingPunct="1">
         <a:spcBef>
           <a:spcPct val="20000"/>
         </a:spcBef>
         <a:buFont typeface="Arial" panose="020B0604020202020204" pitchFamily="34" charset="0"/>
         <a:buChar char="»"/>
-        <a:defRPr kumimoji="1" sz="2200" kern="1200">
+        <a:defRPr kumimoji="1" sz="6500" kern="1200">
           <a:solidFill>
             <a:schemeClr val="tx1"/>
           </a:solidFill>
@@ -3211,13 +3206,13 @@
           <a:cs typeface="+mn-cs"/>
         </a:defRPr>
       </a:lvl5pPr>
-      <a:lvl6pPr marL="2800510" indent="-254592" algn="l" defTabSz="1018367" rtl="0" eaLnBrk="1" latinLnBrk="0" hangingPunct="1">
+      <a:lvl6pPr marL="8117727" indent="-737978" algn="l" defTabSz="2951897" rtl="0" eaLnBrk="1" latinLnBrk="0" hangingPunct="1">
         <a:spcBef>
           <a:spcPct val="20000"/>
         </a:spcBef>
         <a:buFont typeface="Arial" panose="020B0604020202020204" pitchFamily="34" charset="0"/>
         <a:buChar char="•"/>
-        <a:defRPr kumimoji="1" sz="2200" kern="1200">
+        <a:defRPr kumimoji="1" sz="6500" kern="1200">
           <a:solidFill>
             <a:schemeClr val="tx1"/>
           </a:solidFill>
@@ -3226,13 +3221,13 @@
           <a:cs typeface="+mn-cs"/>
         </a:defRPr>
       </a:lvl6pPr>
-      <a:lvl7pPr marL="3309694" indent="-254592" algn="l" defTabSz="1018367" rtl="0" eaLnBrk="1" latinLnBrk="0" hangingPunct="1">
+      <a:lvl7pPr marL="9593675" indent="-737978" algn="l" defTabSz="2951897" rtl="0" eaLnBrk="1" latinLnBrk="0" hangingPunct="1">
         <a:spcBef>
           <a:spcPct val="20000"/>
         </a:spcBef>
         <a:buFont typeface="Arial" panose="020B0604020202020204" pitchFamily="34" charset="0"/>
         <a:buChar char="•"/>
-        <a:defRPr kumimoji="1" sz="2200" kern="1200">
+        <a:defRPr kumimoji="1" sz="6500" kern="1200">
           <a:solidFill>
             <a:schemeClr val="tx1"/>
           </a:solidFill>
@@ -3241,13 +3236,13 @@
           <a:cs typeface="+mn-cs"/>
         </a:defRPr>
       </a:lvl7pPr>
-      <a:lvl8pPr marL="3818877" indent="-254592" algn="l" defTabSz="1018367" rtl="0" eaLnBrk="1" latinLnBrk="0" hangingPunct="1">
+      <a:lvl8pPr marL="11069624" indent="-737978" algn="l" defTabSz="2951897" rtl="0" eaLnBrk="1" latinLnBrk="0" hangingPunct="1">
         <a:spcBef>
           <a:spcPct val="20000"/>
         </a:spcBef>
         <a:buFont typeface="Arial" panose="020B0604020202020204" pitchFamily="34" charset="0"/>
         <a:buChar char="•"/>
-        <a:defRPr kumimoji="1" sz="2200" kern="1200">
+        <a:defRPr kumimoji="1" sz="6500" kern="1200">
           <a:solidFill>
             <a:schemeClr val="tx1"/>
           </a:solidFill>
@@ -3256,13 +3251,13 @@
           <a:cs typeface="+mn-cs"/>
         </a:defRPr>
       </a:lvl8pPr>
-      <a:lvl9pPr marL="4328061" indent="-254592" algn="l" defTabSz="1018367" rtl="0" eaLnBrk="1" latinLnBrk="0" hangingPunct="1">
+      <a:lvl9pPr marL="12545579" indent="-737978" algn="l" defTabSz="2951897" rtl="0" eaLnBrk="1" latinLnBrk="0" hangingPunct="1">
         <a:spcBef>
           <a:spcPct val="20000"/>
         </a:spcBef>
         <a:buFont typeface="Arial" panose="020B0604020202020204" pitchFamily="34" charset="0"/>
         <a:buChar char="•"/>
-        <a:defRPr kumimoji="1" sz="2200" kern="1200">
+        <a:defRPr kumimoji="1" sz="6500" kern="1200">
           <a:solidFill>
             <a:schemeClr val="tx1"/>
           </a:solidFill>
@@ -3276,8 +3271,8 @@
       <a:defPPr>
         <a:defRPr lang="ja-JP"/>
       </a:defPPr>
-      <a:lvl1pPr marL="0" algn="l" defTabSz="1018367" rtl="0" eaLnBrk="1" latinLnBrk="0" hangingPunct="1">
-        <a:defRPr kumimoji="1" sz="2000" kern="1200">
+      <a:lvl1pPr marL="0" algn="l" defTabSz="2951897" rtl="0" eaLnBrk="1" latinLnBrk="0" hangingPunct="1">
+        <a:defRPr kumimoji="1" sz="5800" kern="1200">
           <a:solidFill>
             <a:schemeClr val="tx1"/>
           </a:solidFill>
@@ -3286,8 +3281,8 @@
           <a:cs typeface="+mn-cs"/>
         </a:defRPr>
       </a:lvl1pPr>
-      <a:lvl2pPr marL="509184" algn="l" defTabSz="1018367" rtl="0" eaLnBrk="1" latinLnBrk="0" hangingPunct="1">
-        <a:defRPr kumimoji="1" sz="2000" kern="1200">
+      <a:lvl2pPr marL="1475949" algn="l" defTabSz="2951897" rtl="0" eaLnBrk="1" latinLnBrk="0" hangingPunct="1">
+        <a:defRPr kumimoji="1" sz="5800" kern="1200">
           <a:solidFill>
             <a:schemeClr val="tx1"/>
           </a:solidFill>
@@ -3296,8 +3291,8 @@
           <a:cs typeface="+mn-cs"/>
         </a:defRPr>
       </a:lvl2pPr>
-      <a:lvl3pPr marL="1018367" algn="l" defTabSz="1018367" rtl="0" eaLnBrk="1" latinLnBrk="0" hangingPunct="1">
-        <a:defRPr kumimoji="1" sz="2000" kern="1200">
+      <a:lvl3pPr marL="2951897" algn="l" defTabSz="2951897" rtl="0" eaLnBrk="1" latinLnBrk="0" hangingPunct="1">
+        <a:defRPr kumimoji="1" sz="5800" kern="1200">
           <a:solidFill>
             <a:schemeClr val="tx1"/>
           </a:solidFill>
@@ -3306,8 +3301,8 @@
           <a:cs typeface="+mn-cs"/>
         </a:defRPr>
       </a:lvl3pPr>
-      <a:lvl4pPr marL="1527551" algn="l" defTabSz="1018367" rtl="0" eaLnBrk="1" latinLnBrk="0" hangingPunct="1">
-        <a:defRPr kumimoji="1" sz="2000" kern="1200">
+      <a:lvl4pPr marL="4427852" algn="l" defTabSz="2951897" rtl="0" eaLnBrk="1" latinLnBrk="0" hangingPunct="1">
+        <a:defRPr kumimoji="1" sz="5800" kern="1200">
           <a:solidFill>
             <a:schemeClr val="tx1"/>
           </a:solidFill>
@@ -3316,8 +3311,8 @@
           <a:cs typeface="+mn-cs"/>
         </a:defRPr>
       </a:lvl4pPr>
-      <a:lvl5pPr marL="2036735" algn="l" defTabSz="1018367" rtl="0" eaLnBrk="1" latinLnBrk="0" hangingPunct="1">
-        <a:defRPr kumimoji="1" sz="2000" kern="1200">
+      <a:lvl5pPr marL="5903801" algn="l" defTabSz="2951897" rtl="0" eaLnBrk="1" latinLnBrk="0" hangingPunct="1">
+        <a:defRPr kumimoji="1" sz="5800" kern="1200">
           <a:solidFill>
             <a:schemeClr val="tx1"/>
           </a:solidFill>
@@ -3326,8 +3321,8 @@
           <a:cs typeface="+mn-cs"/>
         </a:defRPr>
       </a:lvl5pPr>
-      <a:lvl6pPr marL="2545918" algn="l" defTabSz="1018367" rtl="0" eaLnBrk="1" latinLnBrk="0" hangingPunct="1">
-        <a:defRPr kumimoji="1" sz="2000" kern="1200">
+      <a:lvl6pPr marL="7379749" algn="l" defTabSz="2951897" rtl="0" eaLnBrk="1" latinLnBrk="0" hangingPunct="1">
+        <a:defRPr kumimoji="1" sz="5800" kern="1200">
           <a:solidFill>
             <a:schemeClr val="tx1"/>
           </a:solidFill>
@@ -3336,8 +3331,8 @@
           <a:cs typeface="+mn-cs"/>
         </a:defRPr>
       </a:lvl6pPr>
-      <a:lvl7pPr marL="3055102" algn="l" defTabSz="1018367" rtl="0" eaLnBrk="1" latinLnBrk="0" hangingPunct="1">
-        <a:defRPr kumimoji="1" sz="2000" kern="1200">
+      <a:lvl7pPr marL="8855704" algn="l" defTabSz="2951897" rtl="0" eaLnBrk="1" latinLnBrk="0" hangingPunct="1">
+        <a:defRPr kumimoji="1" sz="5800" kern="1200">
           <a:solidFill>
             <a:schemeClr val="tx1"/>
           </a:solidFill>
@@ -3346,8 +3341,8 @@
           <a:cs typeface="+mn-cs"/>
         </a:defRPr>
       </a:lvl7pPr>
-      <a:lvl8pPr marL="3564285" algn="l" defTabSz="1018367" rtl="0" eaLnBrk="1" latinLnBrk="0" hangingPunct="1">
-        <a:defRPr kumimoji="1" sz="2000" kern="1200">
+      <a:lvl8pPr marL="10331653" algn="l" defTabSz="2951897" rtl="0" eaLnBrk="1" latinLnBrk="0" hangingPunct="1">
+        <a:defRPr kumimoji="1" sz="5800" kern="1200">
           <a:solidFill>
             <a:schemeClr val="tx1"/>
           </a:solidFill>
@@ -3356,8 +3351,8 @@
           <a:cs typeface="+mn-cs"/>
         </a:defRPr>
       </a:lvl8pPr>
-      <a:lvl9pPr marL="4073469" algn="l" defTabSz="1018367" rtl="0" eaLnBrk="1" latinLnBrk="0" hangingPunct="1">
-        <a:defRPr kumimoji="1" sz="2000" kern="1200">
+      <a:lvl9pPr marL="11807601" algn="l" defTabSz="2951897" rtl="0" eaLnBrk="1" latinLnBrk="0" hangingPunct="1">
+        <a:defRPr kumimoji="1" sz="5800" kern="1200">
           <a:solidFill>
             <a:schemeClr val="tx1"/>
           </a:solidFill>
@@ -3377,10 +3372,7 @@
     <p:bg>
       <p:bgPr>
         <a:solidFill>
-          <a:schemeClr val="accent4">
-            <a:lumMod val="20000"/>
-            <a:lumOff val="80000"/>
-          </a:schemeClr>
+          <a:schemeClr val="bg1"/>
         </a:solidFill>
         <a:effectLst/>
       </p:bgPr>
@@ -3401,20 +3393,20 @@
       </p:grpSpPr>
       <p:sp>
         <p:nvSpPr>
-          <p:cNvPr id="4" name="横巻き 3"/>
+          <p:cNvPr id="2" name="横巻き 1"/>
           <p:cNvSpPr/>
           <p:nvPr/>
         </p:nvSpPr>
         <p:spPr>
           <a:xfrm>
-            <a:off x="1476376" y="234331"/>
-            <a:ext cx="18434048" cy="2952328"/>
+            <a:off x="1476375" y="247920"/>
+            <a:ext cx="18290033" cy="2664296"/>
           </a:xfrm>
           <a:prstGeom prst="horizontalScroll">
             <a:avLst/>
           </a:prstGeom>
           <a:noFill/>
-          <a:ln>
+          <a:ln w="28575">
             <a:solidFill>
               <a:schemeClr val="tx1"/>
             </a:solidFill>
@@ -3441,19 +3433,689 @@
           <a:lstStyle/>
           <a:p>
             <a:pPr algn="ctr"/>
-            <a:endParaRPr kumimoji="1" lang="ja-JP" altLang="en-US" sz="6600" dirty="0">
+            <a:endParaRPr kumimoji="1" lang="ja-JP" altLang="en-US" sz="5400" b="1" dirty="0">
               <a:solidFill>
                 <a:schemeClr val="tx1"/>
               </a:solidFill>
-              <a:latin typeface="+mj-ea"/>
-              <a:ea typeface="+mj-ea"/>
             </a:endParaRPr>
           </a:p>
         </p:txBody>
       </p:sp>
-      <p:sp>
-        <p:nvSpPr>
-          <p:cNvPr id="5" name="正方形/長方形 4"/>
+      <p:pic>
+        <p:nvPicPr>
+          <p:cNvPr id="1026" name="Picture 2"/>
+          <p:cNvPicPr>
+            <a:picLocks noChangeAspect="1" noChangeArrowheads="1"/>
+          </p:cNvPicPr>
+          <p:nvPr/>
+        </p:nvPicPr>
+        <p:blipFill>
+          <a:blip r:embed="rId2">
+            <a:extLst>
+              <a:ext uri="{28A0092B-C50C-407E-A947-70E740481C1C}">
+                <a14:useLocalDpi xmlns:a14="http://schemas.microsoft.com/office/drawing/2010/main" val="0"/>
+              </a:ext>
+            </a:extLst>
+          </a:blip>
+          <a:srcRect/>
+          <a:stretch>
+            <a:fillRect/>
+          </a:stretch>
+        </p:blipFill>
+        <p:spPr bwMode="auto">
+          <a:xfrm>
+            <a:off x="17296694" y="4338787"/>
+            <a:ext cx="2957512" cy="2755900"/>
+          </a:xfrm>
+          <a:prstGeom prst="rect">
+            <a:avLst/>
+          </a:prstGeom>
+          <a:noFill/>
+          <a:ln>
+            <a:noFill/>
+          </a:ln>
+          <a:effectLst/>
+          <a:extLst>
+            <a:ext uri="{909E8E84-426E-40DD-AFC4-6F175D3DCCD1}">
+              <a14:hiddenFill xmlns:a14="http://schemas.microsoft.com/office/drawing/2010/main">
+                <a:solidFill>
+                  <a:schemeClr val="accent1"/>
+                </a:solidFill>
+              </a14:hiddenFill>
+            </a:ext>
+            <a:ext uri="{91240B29-F687-4F45-9708-019B960494DF}">
+              <a14:hiddenLine xmlns:a14="http://schemas.microsoft.com/office/drawing/2010/main" w="9525">
+                <a:solidFill>
+                  <a:schemeClr val="tx1"/>
+                </a:solidFill>
+                <a:miter lim="800000"/>
+                <a:headEnd/>
+                <a:tailEnd/>
+              </a14:hiddenLine>
+            </a:ext>
+            <a:ext uri="{AF507438-7753-43E0-B8FC-AC1667EBCBE1}">
+              <a14:hiddenEffects xmlns:a14="http://schemas.microsoft.com/office/drawing/2010/main">
+                <a:effectLst>
+                  <a:outerShdw dist="35921" dir="2700000" algn="ctr" rotWithShape="0">
+                    <a:schemeClr val="bg2"/>
+                  </a:outerShdw>
+                </a:effectLst>
+              </a14:hiddenEffects>
+            </a:ext>
+          </a:extLst>
+        </p:spPr>
+      </p:pic>
+      <p:sp>
+        <p:nvSpPr>
+          <p:cNvPr id="8" name="山形 7"/>
+          <p:cNvSpPr/>
+          <p:nvPr/>
+        </p:nvSpPr>
+        <p:spPr>
+          <a:xfrm>
+            <a:off x="900312" y="8011195"/>
+            <a:ext cx="4807606" cy="2738214"/>
+          </a:xfrm>
+          <a:prstGeom prst="chevron">
+            <a:avLst/>
+          </a:prstGeom>
+          <a:blipFill>
+            <a:blip r:embed="rId3"/>
+            <a:tile tx="0" ty="0" sx="100000" sy="100000" flip="none" algn="tl"/>
+          </a:blipFill>
+        </p:spPr>
+        <p:style>
+          <a:lnRef idx="2">
+            <a:schemeClr val="accent1">
+              <a:shade val="50000"/>
+            </a:schemeClr>
+          </a:lnRef>
+          <a:fillRef idx="1">
+            <a:schemeClr val="accent1"/>
+          </a:fillRef>
+          <a:effectRef idx="0">
+            <a:schemeClr val="accent1"/>
+          </a:effectRef>
+          <a:fontRef idx="minor">
+            <a:schemeClr val="lt1"/>
+          </a:fontRef>
+        </p:style>
+        <p:txBody>
+          <a:bodyPr rtlCol="0" anchor="ctr"/>
+          <a:lstStyle/>
+          <a:p>
+            <a:r>
+              <a:rPr lang="ja-JP" altLang="en-US" sz="3200" dirty="0">
+                <a:solidFill>
+                  <a:schemeClr val="tx1"/>
+                </a:solidFill>
+                <a:latin typeface="HGｺﾞｼｯｸE" panose="020B0909000000000000" pitchFamily="49" charset="-128"/>
+                <a:ea typeface="HGｺﾞｼｯｸE" panose="020B0909000000000000" pitchFamily="49" charset="-128"/>
+              </a:rPr>
+              <a:t>選手</a:t>
+            </a:r>
+            <a:r>
+              <a:rPr lang="ja-JP" altLang="en-US" sz="3200" dirty="0" smtClean="0">
+                <a:solidFill>
+                  <a:schemeClr val="tx1"/>
+                </a:solidFill>
+                <a:latin typeface="HGｺﾞｼｯｸE" panose="020B0909000000000000" pitchFamily="49" charset="-128"/>
+                <a:ea typeface="HGｺﾞｼｯｸE" panose="020B0909000000000000" pitchFamily="49" charset="-128"/>
+              </a:rPr>
+              <a:t>の</a:t>
+            </a:r>
+            <a:endParaRPr lang="en-US" altLang="ja-JP" sz="3200" dirty="0" smtClean="0">
+              <a:solidFill>
+                <a:schemeClr val="tx1"/>
+              </a:solidFill>
+              <a:latin typeface="HGｺﾞｼｯｸE" panose="020B0909000000000000" pitchFamily="49" charset="-128"/>
+              <a:ea typeface="HGｺﾞｼｯｸE" panose="020B0909000000000000" pitchFamily="49" charset="-128"/>
+            </a:endParaRPr>
+          </a:p>
+          <a:p>
+            <a:r>
+              <a:rPr lang="ja-JP" altLang="en-US" sz="3200" dirty="0" smtClean="0">
+                <a:solidFill>
+                  <a:schemeClr val="tx1"/>
+                </a:solidFill>
+                <a:latin typeface="HGｺﾞｼｯｸE" panose="020B0909000000000000" pitchFamily="49" charset="-128"/>
+                <a:ea typeface="HGｺﾞｼｯｸE" panose="020B0909000000000000" pitchFamily="49" charset="-128"/>
+              </a:rPr>
+              <a:t>成績を</a:t>
+            </a:r>
+            <a:endParaRPr lang="en-US" altLang="ja-JP" sz="3200" dirty="0" smtClean="0">
+              <a:solidFill>
+                <a:schemeClr val="tx1"/>
+              </a:solidFill>
+              <a:latin typeface="HGｺﾞｼｯｸE" panose="020B0909000000000000" pitchFamily="49" charset="-128"/>
+              <a:ea typeface="HGｺﾞｼｯｸE" panose="020B0909000000000000" pitchFamily="49" charset="-128"/>
+            </a:endParaRPr>
+          </a:p>
+          <a:p>
+            <a:r>
+              <a:rPr lang="ja-JP" altLang="en-US" sz="3200" dirty="0" smtClean="0">
+                <a:solidFill>
+                  <a:schemeClr val="tx1"/>
+                </a:solidFill>
+                <a:latin typeface="HGｺﾞｼｯｸE" panose="020B0909000000000000" pitchFamily="49" charset="-128"/>
+                <a:ea typeface="HGｺﾞｼｯｸE" panose="020B0909000000000000" pitchFamily="49" charset="-128"/>
+              </a:rPr>
+              <a:t>調査する</a:t>
+            </a:r>
+            <a:endParaRPr lang="ja-JP" altLang="en-US" sz="3200" dirty="0">
+              <a:solidFill>
+                <a:schemeClr val="tx1"/>
+              </a:solidFill>
+              <a:latin typeface="HGｺﾞｼｯｸE" panose="020B0909000000000000" pitchFamily="49" charset="-128"/>
+              <a:ea typeface="HGｺﾞｼｯｸE" panose="020B0909000000000000" pitchFamily="49" charset="-128"/>
+            </a:endParaRPr>
+          </a:p>
+        </p:txBody>
+      </p:sp>
+      <p:sp>
+        <p:nvSpPr>
+          <p:cNvPr id="11" name="山形 10"/>
+          <p:cNvSpPr/>
+          <p:nvPr/>
+        </p:nvSpPr>
+        <p:spPr>
+          <a:xfrm>
+            <a:off x="5156247" y="8011195"/>
+            <a:ext cx="4934692" cy="2788200"/>
+          </a:xfrm>
+          <a:prstGeom prst="chevron">
+            <a:avLst/>
+          </a:prstGeom>
+          <a:blipFill>
+            <a:blip r:embed="rId3"/>
+            <a:tile tx="0" ty="0" sx="100000" sy="100000" flip="none" algn="tl"/>
+          </a:blipFill>
+        </p:spPr>
+        <p:style>
+          <a:lnRef idx="2">
+            <a:schemeClr val="accent1">
+              <a:shade val="50000"/>
+            </a:schemeClr>
+          </a:lnRef>
+          <a:fillRef idx="1">
+            <a:schemeClr val="accent1"/>
+          </a:fillRef>
+          <a:effectRef idx="0">
+            <a:schemeClr val="accent1"/>
+          </a:effectRef>
+          <a:fontRef idx="minor">
+            <a:schemeClr val="lt1"/>
+          </a:fontRef>
+        </p:style>
+        <p:txBody>
+          <a:bodyPr rtlCol="0" anchor="ctr"/>
+          <a:lstStyle/>
+          <a:p>
+            <a:r>
+              <a:rPr lang="ja-JP" altLang="en-US" sz="3200" dirty="0" smtClean="0">
+                <a:solidFill>
+                  <a:schemeClr val="tx1"/>
+                </a:solidFill>
+                <a:latin typeface="HGｺﾞｼｯｸE" panose="020B0909000000000000" pitchFamily="49" charset="-128"/>
+                <a:ea typeface="HGｺﾞｼｯｸE" panose="020B0909000000000000" pitchFamily="49" charset="-128"/>
+              </a:rPr>
+              <a:t>回帰分析し，戦術の設定</a:t>
+            </a:r>
+            <a:endParaRPr lang="en-US" altLang="ja-JP" sz="3200" dirty="0">
+              <a:solidFill>
+                <a:schemeClr val="tx1"/>
+              </a:solidFill>
+              <a:latin typeface="HGｺﾞｼｯｸE" panose="020B0909000000000000" pitchFamily="49" charset="-128"/>
+              <a:ea typeface="HGｺﾞｼｯｸE" panose="020B0909000000000000" pitchFamily="49" charset="-128"/>
+            </a:endParaRPr>
+          </a:p>
+          <a:p>
+            <a:r>
+              <a:rPr lang="ja-JP" altLang="en-US" sz="3200" dirty="0" smtClean="0">
+                <a:solidFill>
+                  <a:schemeClr val="tx1"/>
+                </a:solidFill>
+                <a:latin typeface="HGｺﾞｼｯｸE" panose="020B0909000000000000" pitchFamily="49" charset="-128"/>
+                <a:ea typeface="HGｺﾞｼｯｸE" panose="020B0909000000000000" pitchFamily="49" charset="-128"/>
+              </a:rPr>
+              <a:t>する</a:t>
+            </a:r>
+            <a:endParaRPr lang="en-US" altLang="ja-JP" sz="3200" dirty="0" smtClean="0">
+              <a:solidFill>
+                <a:schemeClr val="tx1"/>
+              </a:solidFill>
+              <a:latin typeface="HGｺﾞｼｯｸE" panose="020B0909000000000000" pitchFamily="49" charset="-128"/>
+              <a:ea typeface="HGｺﾞｼｯｸE" panose="020B0909000000000000" pitchFamily="49" charset="-128"/>
+            </a:endParaRPr>
+          </a:p>
+        </p:txBody>
+      </p:sp>
+      <p:sp>
+        <p:nvSpPr>
+          <p:cNvPr id="12" name="山形 11"/>
+          <p:cNvSpPr/>
+          <p:nvPr/>
+        </p:nvSpPr>
+        <p:spPr>
+          <a:xfrm>
+            <a:off x="9541272" y="8054809"/>
+            <a:ext cx="4968552" cy="2744586"/>
+          </a:xfrm>
+          <a:prstGeom prst="chevron">
+            <a:avLst/>
+          </a:prstGeom>
+          <a:blipFill>
+            <a:blip r:embed="rId3"/>
+            <a:tile tx="0" ty="0" sx="100000" sy="100000" flip="none" algn="tl"/>
+          </a:blipFill>
+        </p:spPr>
+        <p:style>
+          <a:lnRef idx="2">
+            <a:schemeClr val="accent1">
+              <a:shade val="50000"/>
+            </a:schemeClr>
+          </a:lnRef>
+          <a:fillRef idx="1">
+            <a:schemeClr val="accent1"/>
+          </a:fillRef>
+          <a:effectRef idx="0">
+            <a:schemeClr val="accent1"/>
+          </a:effectRef>
+          <a:fontRef idx="minor">
+            <a:schemeClr val="lt1"/>
+          </a:fontRef>
+        </p:style>
+        <p:txBody>
+          <a:bodyPr rtlCol="0" anchor="ctr"/>
+          <a:lstStyle/>
+          <a:p>
+            <a:r>
+              <a:rPr lang="ja-JP" altLang="en-US" sz="3200" dirty="0" smtClean="0">
+                <a:solidFill>
+                  <a:schemeClr val="tx1"/>
+                </a:solidFill>
+                <a:latin typeface="HGｺﾞｼｯｸE" panose="020B0909000000000000" pitchFamily="49" charset="-128"/>
+                <a:ea typeface="HGｺﾞｼｯｸE" panose="020B0909000000000000" pitchFamily="49" charset="-128"/>
+              </a:rPr>
+              <a:t>自チームに合って安価な選手を</a:t>
+            </a:r>
+            <a:endParaRPr lang="en-US" altLang="ja-JP" sz="3200" dirty="0" smtClean="0">
+              <a:solidFill>
+                <a:schemeClr val="tx1"/>
+              </a:solidFill>
+              <a:latin typeface="HGｺﾞｼｯｸE" panose="020B0909000000000000" pitchFamily="49" charset="-128"/>
+              <a:ea typeface="HGｺﾞｼｯｸE" panose="020B0909000000000000" pitchFamily="49" charset="-128"/>
+            </a:endParaRPr>
+          </a:p>
+          <a:p>
+            <a:r>
+              <a:rPr lang="ja-JP" altLang="en-US" sz="3200" dirty="0" smtClean="0">
+                <a:solidFill>
+                  <a:schemeClr val="tx1"/>
+                </a:solidFill>
+                <a:latin typeface="HGｺﾞｼｯｸE" panose="020B0909000000000000" pitchFamily="49" charset="-128"/>
+                <a:ea typeface="HGｺﾞｼｯｸE" panose="020B0909000000000000" pitchFamily="49" charset="-128"/>
+              </a:rPr>
+              <a:t>獲得する</a:t>
+            </a:r>
+            <a:endParaRPr lang="ja-JP" altLang="en-US" sz="3200" dirty="0">
+              <a:solidFill>
+                <a:schemeClr val="tx1"/>
+              </a:solidFill>
+              <a:latin typeface="HGｺﾞｼｯｸE" panose="020B0909000000000000" pitchFamily="49" charset="-128"/>
+              <a:ea typeface="HGｺﾞｼｯｸE" panose="020B0909000000000000" pitchFamily="49" charset="-128"/>
+            </a:endParaRPr>
+          </a:p>
+        </p:txBody>
+      </p:sp>
+      <p:cxnSp>
+        <p:nvCxnSpPr>
+          <p:cNvPr id="22" name="直線コネクタ 21"/>
+          <p:cNvCxnSpPr>
+            <a:stCxn id="27" idx="1"/>
+          </p:cNvCxnSpPr>
+          <p:nvPr/>
+        </p:nvCxnSpPr>
+        <p:spPr>
+          <a:xfrm flipH="1">
+            <a:off x="3304115" y="5806859"/>
+            <a:ext cx="2798868" cy="2204336"/>
+          </a:xfrm>
+          <a:prstGeom prst="line">
+            <a:avLst/>
+          </a:prstGeom>
+          <a:ln w="28575">
+            <a:solidFill>
+              <a:schemeClr val="tx1"/>
+            </a:solidFill>
+          </a:ln>
+        </p:spPr>
+        <p:style>
+          <a:lnRef idx="1">
+            <a:schemeClr val="accent1"/>
+          </a:lnRef>
+          <a:fillRef idx="0">
+            <a:schemeClr val="accent1"/>
+          </a:fillRef>
+          <a:effectRef idx="0">
+            <a:schemeClr val="accent1"/>
+          </a:effectRef>
+          <a:fontRef idx="minor">
+            <a:schemeClr val="tx1"/>
+          </a:fontRef>
+        </p:style>
+      </p:cxnSp>
+      <p:sp>
+        <p:nvSpPr>
+          <p:cNvPr id="27" name="正方形/長方形 26"/>
+          <p:cNvSpPr/>
+          <p:nvPr/>
+        </p:nvSpPr>
+        <p:spPr>
+          <a:xfrm>
+            <a:off x="6102983" y="4338787"/>
+            <a:ext cx="9892401" cy="2936143"/>
+          </a:xfrm>
+          <a:prstGeom prst="rect">
+            <a:avLst/>
+          </a:prstGeom>
+          <a:noFill/>
+          <a:ln w="31750">
+            <a:solidFill>
+              <a:schemeClr val="tx1"/>
+            </a:solidFill>
+          </a:ln>
+        </p:spPr>
+        <p:style>
+          <a:lnRef idx="2">
+            <a:schemeClr val="accent1">
+              <a:shade val="50000"/>
+            </a:schemeClr>
+          </a:lnRef>
+          <a:fillRef idx="1">
+            <a:schemeClr val="accent1"/>
+          </a:fillRef>
+          <a:effectRef idx="0">
+            <a:schemeClr val="accent1"/>
+          </a:effectRef>
+          <a:fontRef idx="minor">
+            <a:schemeClr val="lt1"/>
+          </a:fontRef>
+        </p:style>
+        <p:txBody>
+          <a:bodyPr rtlCol="0" anchor="ctr"/>
+          <a:lstStyle/>
+          <a:p>
+            <a:r>
+              <a:rPr lang="ja-JP" altLang="en-US" dirty="0" smtClean="0">
+                <a:solidFill>
+                  <a:schemeClr val="tx1"/>
+                </a:solidFill>
+                <a:latin typeface="HGｺﾞｼｯｸE" panose="020B0909000000000000" pitchFamily="49" charset="-128"/>
+                <a:ea typeface="HGｺﾞｼｯｸE" panose="020B0909000000000000" pitchFamily="49" charset="-128"/>
+              </a:rPr>
+              <a:t>マネーボールのチームの編成基準</a:t>
+            </a:r>
+            <a:endParaRPr lang="en-US" altLang="ja-JP" dirty="0" smtClean="0">
+              <a:solidFill>
+                <a:schemeClr val="tx1"/>
+              </a:solidFill>
+              <a:latin typeface="HGｺﾞｼｯｸE" panose="020B0909000000000000" pitchFamily="49" charset="-128"/>
+              <a:ea typeface="HGｺﾞｼｯｸE" panose="020B0909000000000000" pitchFamily="49" charset="-128"/>
+            </a:endParaRPr>
+          </a:p>
+          <a:p>
+            <a:r>
+              <a:rPr lang="ja-JP" altLang="en-US" dirty="0" smtClean="0">
+                <a:solidFill>
+                  <a:srgbClr val="FF0000"/>
+                </a:solidFill>
+                <a:latin typeface="HGｺﾞｼｯｸE" panose="020B0909000000000000" pitchFamily="49" charset="-128"/>
+                <a:ea typeface="HGｺﾞｼｯｸE" panose="020B0909000000000000" pitchFamily="49" charset="-128"/>
+              </a:rPr>
+              <a:t>野手</a:t>
+            </a:r>
+            <a:r>
+              <a:rPr lang="ja-JP" altLang="en-US" dirty="0">
+                <a:solidFill>
+                  <a:srgbClr val="FF0000"/>
+                </a:solidFill>
+                <a:latin typeface="HGｺﾞｼｯｸE" panose="020B0909000000000000" pitchFamily="49" charset="-128"/>
+                <a:ea typeface="HGｺﾞｼｯｸE" panose="020B0909000000000000" pitchFamily="49" charset="-128"/>
+              </a:rPr>
+              <a:t>の場合</a:t>
+            </a:r>
+          </a:p>
+          <a:p>
+            <a:r>
+              <a:rPr lang="ja-JP" altLang="en-US" dirty="0">
+                <a:solidFill>
+                  <a:schemeClr val="tx1"/>
+                </a:solidFill>
+                <a:latin typeface="HGｺﾞｼｯｸE" panose="020B0909000000000000" pitchFamily="49" charset="-128"/>
+                <a:ea typeface="HGｺﾞｼｯｸE" panose="020B0909000000000000" pitchFamily="49" charset="-128"/>
+              </a:rPr>
+              <a:t>・出塁率　　・長打率　　・選球眼　　・慎重性</a:t>
+            </a:r>
+          </a:p>
+          <a:p>
+            <a:r>
+              <a:rPr lang="ja-JP" altLang="en-US" dirty="0">
+                <a:solidFill>
+                  <a:srgbClr val="FF0000"/>
+                </a:solidFill>
+                <a:latin typeface="HGｺﾞｼｯｸE" panose="020B0909000000000000" pitchFamily="49" charset="-128"/>
+                <a:ea typeface="HGｺﾞｼｯｸE" panose="020B0909000000000000" pitchFamily="49" charset="-128"/>
+              </a:rPr>
+              <a:t>投手の場合</a:t>
+            </a:r>
+          </a:p>
+          <a:p>
+            <a:r>
+              <a:rPr lang="ja-JP" altLang="en-US" dirty="0">
+                <a:solidFill>
+                  <a:schemeClr val="tx1"/>
+                </a:solidFill>
+                <a:latin typeface="HGｺﾞｼｯｸE" panose="020B0909000000000000" pitchFamily="49" charset="-128"/>
+                <a:ea typeface="HGｺﾞｼｯｸE" panose="020B0909000000000000" pitchFamily="49" charset="-128"/>
+              </a:rPr>
+              <a:t>・与四球　　・奪三振　　・被本塁打　・被長打率</a:t>
+            </a:r>
+          </a:p>
+        </p:txBody>
+      </p:sp>
+      <p:sp>
+        <p:nvSpPr>
+          <p:cNvPr id="39" name="テキスト ボックス 38"/>
+          <p:cNvSpPr txBox="1"/>
+          <p:nvPr/>
+        </p:nvSpPr>
+        <p:spPr>
+          <a:xfrm>
+            <a:off x="15120018" y="7835634"/>
+            <a:ext cx="5832648" cy="3139321"/>
+          </a:xfrm>
+          <a:prstGeom prst="rect">
+            <a:avLst/>
+          </a:prstGeom>
+          <a:noFill/>
+        </p:spPr>
+        <p:txBody>
+          <a:bodyPr wrap="square" rtlCol="0">
+            <a:spAutoFit/>
+          </a:bodyPr>
+          <a:lstStyle/>
+          <a:p>
+            <a:r>
+              <a:rPr lang="ja-JP" altLang="en-US" dirty="0">
+                <a:latin typeface="HGｺﾞｼｯｸE" panose="020B0909000000000000" pitchFamily="49" charset="-128"/>
+                <a:ea typeface="HGｺﾞｼｯｸE" panose="020B0909000000000000" pitchFamily="49" charset="-128"/>
+              </a:rPr>
+              <a:t>マネーボールとは・・・</a:t>
+            </a:r>
+          </a:p>
+          <a:p>
+            <a:r>
+              <a:rPr lang="ja-JP" altLang="en-US" dirty="0">
+                <a:latin typeface="HGｺﾞｼｯｸE" panose="020B0909000000000000" pitchFamily="49" charset="-128"/>
+                <a:ea typeface="HGｺﾞｼｯｸE" panose="020B0909000000000000" pitchFamily="49" charset="-128"/>
+              </a:rPr>
+              <a:t>クラブの資金がリーグ</a:t>
+            </a:r>
+            <a:r>
+              <a:rPr lang="ja-JP" altLang="en-US" dirty="0">
+                <a:solidFill>
+                  <a:srgbClr val="FF0000"/>
+                </a:solidFill>
+                <a:latin typeface="HGｺﾞｼｯｸE" panose="020B0909000000000000" pitchFamily="49" charset="-128"/>
+                <a:ea typeface="HGｺﾞｼｯｸE" panose="020B0909000000000000" pitchFamily="49" charset="-128"/>
+              </a:rPr>
+              <a:t>最低資金</a:t>
+            </a:r>
+            <a:r>
+              <a:rPr lang="ja-JP" altLang="en-US" dirty="0">
+                <a:latin typeface="HGｺﾞｼｯｸE" panose="020B0909000000000000" pitchFamily="49" charset="-128"/>
+                <a:ea typeface="HGｺﾞｼｯｸE" panose="020B0909000000000000" pitchFamily="49" charset="-128"/>
+              </a:rPr>
+              <a:t>でありながら</a:t>
+            </a:r>
+            <a:r>
+              <a:rPr lang="ja-JP" altLang="en-US" dirty="0">
+                <a:solidFill>
+                  <a:srgbClr val="FF0000"/>
+                </a:solidFill>
+                <a:latin typeface="HGｺﾞｼｯｸE" panose="020B0909000000000000" pitchFamily="49" charset="-128"/>
+                <a:ea typeface="HGｺﾞｼｯｸE" panose="020B0909000000000000" pitchFamily="49" charset="-128"/>
+              </a:rPr>
+              <a:t>セイバーメトリクスを駆使</a:t>
+            </a:r>
+            <a:r>
+              <a:rPr lang="ja-JP" altLang="en-US" dirty="0">
+                <a:latin typeface="HGｺﾞｼｯｸE" panose="020B0909000000000000" pitchFamily="49" charset="-128"/>
+                <a:ea typeface="HGｺﾞｼｯｸE" panose="020B0909000000000000" pitchFamily="49" charset="-128"/>
+              </a:rPr>
+              <a:t>し，全球団の中で</a:t>
+            </a:r>
+            <a:r>
+              <a:rPr lang="ja-JP" altLang="en-US" dirty="0">
+                <a:solidFill>
+                  <a:srgbClr val="FF0000"/>
+                </a:solidFill>
+                <a:latin typeface="HGｺﾞｼｯｸE" panose="020B0909000000000000" pitchFamily="49" charset="-128"/>
+                <a:ea typeface="HGｺﾞｼｯｸE" panose="020B0909000000000000" pitchFamily="49" charset="-128"/>
+              </a:rPr>
+              <a:t>最高の勝率を記録</a:t>
+            </a:r>
+            <a:r>
+              <a:rPr lang="ja-JP" altLang="en-US" dirty="0">
+                <a:latin typeface="HGｺﾞｼｯｸE" panose="020B0909000000000000" pitchFamily="49" charset="-128"/>
+                <a:ea typeface="HGｺﾞｼｯｸE" panose="020B0909000000000000" pitchFamily="49" charset="-128"/>
+              </a:rPr>
+              <a:t>したチームの物語で</a:t>
+            </a:r>
+            <a:r>
+              <a:rPr lang="ja-JP" altLang="en-US" dirty="0" smtClean="0">
+                <a:latin typeface="HGｺﾞｼｯｸE" panose="020B0909000000000000" pitchFamily="49" charset="-128"/>
+                <a:ea typeface="HGｺﾞｼｯｸE" panose="020B0909000000000000" pitchFamily="49" charset="-128"/>
+              </a:rPr>
+              <a:t>ある</a:t>
+            </a:r>
+            <a:endParaRPr lang="ja-JP" altLang="en-US" dirty="0">
+              <a:latin typeface="HGｺﾞｼｯｸE" panose="020B0909000000000000" pitchFamily="49" charset="-128"/>
+              <a:ea typeface="HGｺﾞｼｯｸE" panose="020B0909000000000000" pitchFamily="49" charset="-128"/>
+            </a:endParaRPr>
+          </a:p>
+        </p:txBody>
+      </p:sp>
+      <p:sp>
+        <p:nvSpPr>
+          <p:cNvPr id="19" name="テキスト ボックス 18"/>
+          <p:cNvSpPr txBox="1"/>
+          <p:nvPr/>
+        </p:nvSpPr>
+        <p:spPr>
+          <a:xfrm>
+            <a:off x="1404367" y="2988242"/>
+            <a:ext cx="18434047" cy="844598"/>
+          </a:xfrm>
+          <a:prstGeom prst="rect">
+            <a:avLst/>
+          </a:prstGeom>
+          <a:noFill/>
+        </p:spPr>
+        <p:txBody>
+          <a:bodyPr wrap="square" lIns="165872" tIns="82935" rIns="165872" bIns="82935" rtlCol="0">
+            <a:spAutoFit/>
+          </a:bodyPr>
+          <a:lstStyle/>
+          <a:p>
+            <a:pPr algn="ctr"/>
+            <a:r>
+              <a:rPr lang="ja-JP" altLang="en-US" sz="4400" dirty="0">
+                <a:solidFill>
+                  <a:srgbClr val="E7DEC9">
+                    <a:lumMod val="10000"/>
+                  </a:srgbClr>
+                </a:solidFill>
+                <a:latin typeface="HGｺﾞｼｯｸE" panose="020B0909000000000000" pitchFamily="49" charset="-128"/>
+                <a:ea typeface="HGｺﾞｼｯｸE" panose="020B0909000000000000" pitchFamily="49" charset="-128"/>
+              </a:rPr>
+              <a:t>プロジェクトマネジメント</a:t>
+            </a:r>
+            <a:r>
+              <a:rPr lang="ja-JP" altLang="en-US" sz="4400" dirty="0" smtClean="0">
+                <a:solidFill>
+                  <a:srgbClr val="E7DEC9">
+                    <a:lumMod val="10000"/>
+                  </a:srgbClr>
+                </a:solidFill>
+                <a:latin typeface="HGｺﾞｼｯｸE" panose="020B0909000000000000" pitchFamily="49" charset="-128"/>
+                <a:ea typeface="HGｺﾞｼｯｸE" panose="020B0909000000000000" pitchFamily="49" charset="-128"/>
+              </a:rPr>
+              <a:t>コース</a:t>
+            </a:r>
+            <a:r>
+              <a:rPr lang="ja-JP" altLang="en-US" sz="4400" dirty="0">
+                <a:solidFill>
+                  <a:srgbClr val="E7DEC9">
+                    <a:lumMod val="10000"/>
+                  </a:srgbClr>
+                </a:solidFill>
+                <a:latin typeface="HGｺﾞｼｯｸE" panose="020B0909000000000000" pitchFamily="49" charset="-128"/>
+                <a:ea typeface="HGｺﾞｼｯｸE" panose="020B0909000000000000" pitchFamily="49" charset="-128"/>
+              </a:rPr>
+              <a:t>　矢吹研究室　</a:t>
+            </a:r>
+            <a:r>
+              <a:rPr lang="en-US" altLang="ja-JP" sz="4400" dirty="0">
+                <a:solidFill>
+                  <a:srgbClr val="E7DEC9">
+                    <a:lumMod val="10000"/>
+                  </a:srgbClr>
+                </a:solidFill>
+                <a:latin typeface="Century" panose="02040604050505020304" pitchFamily="18" charset="0"/>
+                <a:ea typeface="HGｺﾞｼｯｸE" panose="020B0909000000000000" pitchFamily="49" charset="-128"/>
+              </a:rPr>
+              <a:t>1142106</a:t>
+            </a:r>
+            <a:r>
+              <a:rPr lang="ja-JP" altLang="en-US" sz="4400" dirty="0">
+                <a:solidFill>
+                  <a:srgbClr val="E7DEC9">
+                    <a:lumMod val="10000"/>
+                  </a:srgbClr>
+                </a:solidFill>
+                <a:latin typeface="HGｺﾞｼｯｸE" panose="020B0909000000000000" pitchFamily="49" charset="-128"/>
+                <a:ea typeface="HGｺﾞｼｯｸE" panose="020B0909000000000000" pitchFamily="49" charset="-128"/>
+              </a:rPr>
+              <a:t>　丸山　準人</a:t>
+            </a:r>
+          </a:p>
+        </p:txBody>
+      </p:sp>
+      <p:sp>
+        <p:nvSpPr>
+          <p:cNvPr id="23" name="正方形/長方形 22"/>
           <p:cNvSpPr/>
           <p:nvPr/>
         </p:nvSpPr>
@@ -3530,106 +4192,201 @@
       </p:sp>
       <p:sp>
         <p:nvSpPr>
-          <p:cNvPr id="6" name="テキスト ボックス 5"/>
-          <p:cNvSpPr txBox="1"/>
+          <p:cNvPr id="7" name="正方形/長方形 6"/>
+          <p:cNvSpPr/>
           <p:nvPr/>
         </p:nvSpPr>
         <p:spPr>
           <a:xfrm>
-            <a:off x="1476376" y="3423712"/>
-            <a:ext cx="18434047" cy="844598"/>
+            <a:off x="396243" y="11760835"/>
+            <a:ext cx="8784989" cy="1938992"/>
+          </a:xfrm>
+          <a:prstGeom prst="rect">
+            <a:avLst/>
+          </a:prstGeom>
+        </p:spPr>
+        <p:txBody>
+          <a:bodyPr wrap="square">
+            <a:spAutoFit/>
+          </a:bodyPr>
+          <a:lstStyle/>
+          <a:p>
+            <a:pPr lvl="0"/>
+            <a:r>
+              <a:rPr lang="en-US" altLang="ja-JP" sz="6000" b="1" dirty="0" smtClean="0">
+                <a:ln w="19050">
+                  <a:solidFill>
+                    <a:srgbClr val="4F271C">
+                      <a:tint val="1000"/>
+                    </a:srgbClr>
+                  </a:solidFill>
+                  <a:prstDash val="solid"/>
+                </a:ln>
+                <a:solidFill>
+                  <a:srgbClr val="C32D2E"/>
+                </a:solidFill>
+                <a:effectLst>
+                  <a:outerShdw blurRad="50000" dist="50800" dir="7500000" algn="tl">
+                    <a:srgbClr val="000000">
+                      <a:shade val="5000"/>
+                      <a:alpha val="35000"/>
+                    </a:srgbClr>
+                  </a:outerShdw>
+                </a:effectLst>
+                <a:latin typeface="Century" panose="02040604050505020304" pitchFamily="18" charset="0"/>
+                <a:ea typeface="HGｺﾞｼｯｸE"/>
+              </a:rPr>
+              <a:t>GitHub</a:t>
+            </a:r>
+            <a:r>
+              <a:rPr lang="ja-JP" altLang="en-US" sz="6000" b="1" dirty="0">
+                <a:ln w="19050">
+                  <a:solidFill>
+                    <a:srgbClr val="4F271C">
+                      <a:tint val="1000"/>
+                    </a:srgbClr>
+                  </a:solidFill>
+                  <a:prstDash val="solid"/>
+                </a:ln>
+                <a:solidFill>
+                  <a:srgbClr val="C32D2E"/>
+                </a:solidFill>
+                <a:effectLst>
+                  <a:outerShdw blurRad="50000" dist="50800" dir="7500000" algn="tl">
+                    <a:srgbClr val="000000">
+                      <a:shade val="5000"/>
+                      <a:alpha val="35000"/>
+                    </a:srgbClr>
+                  </a:outerShdw>
+                </a:effectLst>
+                <a:latin typeface="Gill Sans MT"/>
+                <a:ea typeface="HGｺﾞｼｯｸE"/>
+              </a:rPr>
+              <a:t>では</a:t>
+            </a:r>
+            <a:r>
+              <a:rPr lang="ja-JP" altLang="en-US" sz="6000" b="1" dirty="0" smtClean="0">
+                <a:ln w="19050">
+                  <a:solidFill>
+                    <a:srgbClr val="4F271C">
+                      <a:tint val="1000"/>
+                    </a:srgbClr>
+                  </a:solidFill>
+                  <a:prstDash val="solid"/>
+                </a:ln>
+                <a:solidFill>
+                  <a:srgbClr val="C32D2E"/>
+                </a:solidFill>
+                <a:effectLst>
+                  <a:outerShdw blurRad="50000" dist="50800" dir="7500000" algn="tl">
+                    <a:srgbClr val="000000">
+                      <a:shade val="5000"/>
+                      <a:alpha val="35000"/>
+                    </a:srgbClr>
+                  </a:outerShdw>
+                </a:effectLst>
+                <a:latin typeface="Gill Sans MT"/>
+                <a:ea typeface="HGｺﾞｼｯｸE"/>
+              </a:rPr>
+              <a:t>多くの</a:t>
+            </a:r>
+            <a:endParaRPr lang="en-US" altLang="ja-JP" sz="6000" b="1" dirty="0" smtClean="0">
+              <a:ln w="19050">
+                <a:solidFill>
+                  <a:srgbClr val="4F271C">
+                    <a:tint val="1000"/>
+                  </a:srgbClr>
+                </a:solidFill>
+                <a:prstDash val="solid"/>
+              </a:ln>
+              <a:solidFill>
+                <a:srgbClr val="C32D2E"/>
+              </a:solidFill>
+              <a:effectLst>
+                <a:outerShdw blurRad="50000" dist="50800" dir="7500000" algn="tl">
+                  <a:srgbClr val="000000">
+                    <a:shade val="5000"/>
+                    <a:alpha val="35000"/>
+                  </a:srgbClr>
+                </a:outerShdw>
+              </a:effectLst>
+              <a:latin typeface="Gill Sans MT"/>
+              <a:ea typeface="HGｺﾞｼｯｸE"/>
+            </a:endParaRPr>
+          </a:p>
+          <a:p>
+            <a:pPr lvl="0"/>
+            <a:r>
+              <a:rPr lang="en-US" altLang="ja-JP" sz="6000" b="1" dirty="0" smtClean="0">
+                <a:ln w="19050">
+                  <a:solidFill>
+                    <a:srgbClr val="4F271C">
+                      <a:tint val="1000"/>
+                    </a:srgbClr>
+                  </a:solidFill>
+                  <a:prstDash val="solid"/>
+                </a:ln>
+                <a:solidFill>
+                  <a:srgbClr val="C32D2E"/>
+                </a:solidFill>
+                <a:effectLst>
+                  <a:outerShdw blurRad="50000" dist="50800" dir="7500000" algn="tl">
+                    <a:srgbClr val="000000">
+                      <a:shade val="5000"/>
+                      <a:alpha val="35000"/>
+                    </a:srgbClr>
+                  </a:outerShdw>
+                </a:effectLst>
+                <a:latin typeface="Century" panose="02040604050505020304" pitchFamily="18" charset="0"/>
+                <a:ea typeface="HGｺﾞｼｯｸE"/>
+              </a:rPr>
+              <a:t>OSS</a:t>
+            </a:r>
+            <a:r>
+              <a:rPr lang="ja-JP" altLang="en-US" sz="6000" b="1" dirty="0">
+                <a:ln w="19050">
+                  <a:solidFill>
+                    <a:srgbClr val="4F271C">
+                      <a:tint val="1000"/>
+                    </a:srgbClr>
+                  </a:solidFill>
+                  <a:prstDash val="solid"/>
+                </a:ln>
+                <a:solidFill>
+                  <a:srgbClr val="C32D2E"/>
+                </a:solidFill>
+                <a:effectLst>
+                  <a:outerShdw blurRad="50000" dist="50800" dir="7500000" algn="tl">
+                    <a:srgbClr val="000000">
+                      <a:shade val="5000"/>
+                      <a:alpha val="35000"/>
+                    </a:srgbClr>
+                  </a:outerShdw>
+                </a:effectLst>
+                <a:latin typeface="Gill Sans MT"/>
+                <a:ea typeface="HGｺﾞｼｯｸE"/>
+              </a:rPr>
+              <a:t>開発が行われている</a:t>
+            </a:r>
+          </a:p>
+        </p:txBody>
+      </p:sp>
+      <p:sp>
+        <p:nvSpPr>
+          <p:cNvPr id="9" name="正方形/長方形 8"/>
+          <p:cNvSpPr/>
+          <p:nvPr/>
+        </p:nvSpPr>
+        <p:spPr>
+          <a:xfrm>
+            <a:off x="756283" y="4308975"/>
+            <a:ext cx="3897067" cy="1872208"/>
           </a:xfrm>
           <a:prstGeom prst="rect">
             <a:avLst/>
           </a:prstGeom>
           <a:noFill/>
-        </p:spPr>
-        <p:txBody>
-          <a:bodyPr wrap="square" lIns="165872" tIns="82935" rIns="165872" bIns="82935" rtlCol="0">
-            <a:spAutoFit/>
-          </a:bodyPr>
-          <a:lstStyle/>
-          <a:p>
-            <a:pPr algn="ctr" defTabSz="1658716"/>
-            <a:r>
-              <a:rPr lang="ja-JP" altLang="en-US" sz="4400" dirty="0">
-                <a:solidFill>
-                  <a:srgbClr val="E7DEC9">
-                    <a:lumMod val="10000"/>
-                  </a:srgbClr>
-                </a:solidFill>
-                <a:latin typeface="Century" panose="02040604050505020304" pitchFamily="18" charset="0"/>
-                <a:ea typeface="HGｺﾞｼｯｸE"/>
-              </a:rPr>
-              <a:t>プロジェクトマネジメント</a:t>
-            </a:r>
-            <a:r>
-              <a:rPr lang="ja-JP" altLang="en-US" sz="4400" dirty="0" smtClean="0">
-                <a:solidFill>
-                  <a:srgbClr val="E7DEC9">
-                    <a:lumMod val="10000"/>
-                  </a:srgbClr>
-                </a:solidFill>
-                <a:latin typeface="HGｺﾞｼｯｸE"/>
-                <a:ea typeface="HGｺﾞｼｯｸE"/>
-              </a:rPr>
-              <a:t>コース</a:t>
-            </a:r>
-            <a:r>
-              <a:rPr lang="ja-JP" altLang="en-US" sz="4400" dirty="0">
-                <a:solidFill>
-                  <a:srgbClr val="E7DEC9">
-                    <a:lumMod val="10000"/>
-                  </a:srgbClr>
-                </a:solidFill>
-                <a:latin typeface="HGｺﾞｼｯｸE"/>
-                <a:ea typeface="HGｺﾞｼｯｸE"/>
-              </a:rPr>
-              <a:t>　矢吹研究室　</a:t>
-            </a:r>
-            <a:r>
-              <a:rPr lang="en-US" altLang="ja-JP" sz="4400" dirty="0">
-                <a:solidFill>
-                  <a:srgbClr val="E7DEC9">
-                    <a:lumMod val="10000"/>
-                  </a:srgbClr>
-                </a:solidFill>
-                <a:latin typeface="Century" panose="02040604050505020304" pitchFamily="18" charset="0"/>
-                <a:ea typeface="HGｺﾞｼｯｸE"/>
-              </a:rPr>
-              <a:t>1142106</a:t>
-            </a:r>
-            <a:r>
-              <a:rPr lang="ja-JP" altLang="en-US" sz="4400" dirty="0">
-                <a:solidFill>
-                  <a:srgbClr val="E7DEC9">
-                    <a:lumMod val="10000"/>
-                  </a:srgbClr>
-                </a:solidFill>
-                <a:latin typeface="HGｺﾞｼｯｸE"/>
-                <a:ea typeface="HGｺﾞｼｯｸE"/>
-              </a:rPr>
-              <a:t>　丸山　準人</a:t>
-            </a:r>
-          </a:p>
-        </p:txBody>
-      </p:sp>
-      <p:sp>
-        <p:nvSpPr>
-          <p:cNvPr id="7" name="円/楕円 6"/>
-          <p:cNvSpPr/>
-          <p:nvPr/>
-        </p:nvSpPr>
-        <p:spPr>
-          <a:xfrm>
-            <a:off x="396256" y="4698827"/>
-            <a:ext cx="4464496" cy="2376264"/>
-          </a:xfrm>
-          <a:prstGeom prst="ellipse">
-            <a:avLst/>
-          </a:prstGeom>
-          <a:noFill/>
-          <a:ln>
+          <a:ln w="31750">
             <a:solidFill>
               <a:schemeClr val="tx1"/>
             </a:solidFill>
@@ -3657,9 +4414,11 @@
           <a:p>
             <a:pPr algn="ctr"/>
             <a:r>
-              <a:rPr kumimoji="1" lang="ja-JP" altLang="en-US" sz="5400" b="1" dirty="0" smtClean="0">
-                <a:solidFill>
-                  <a:schemeClr val="tx1"/>
+              <a:rPr lang="ja-JP" altLang="en-US" sz="6000" b="1" dirty="0" smtClean="0">
+                <a:solidFill>
+                  <a:schemeClr val="bg2">
+                    <a:lumMod val="10000"/>
+                  </a:schemeClr>
                 </a:solidFill>
                 <a:effectLst>
                   <a:outerShdw blurRad="38100" dist="38100" dir="2700000" algn="tl">
@@ -3668,12 +4427,16 @@
                     </a:srgbClr>
                   </a:outerShdw>
                 </a:effectLst>
+                <a:latin typeface="HGｺﾞｼｯｸE" panose="020B0909000000000000" pitchFamily="49" charset="-128"/>
+                <a:ea typeface="HGｺﾞｼｯｸE" panose="020B0909000000000000" pitchFamily="49" charset="-128"/>
               </a:rPr>
               <a:t>背景</a:t>
             </a:r>
-            <a:endParaRPr kumimoji="1" lang="ja-JP" altLang="en-US" sz="5400" b="1" dirty="0">
+            <a:endParaRPr lang="ja-JP" altLang="en-US" sz="6000" b="1" dirty="0">
               <a:solidFill>
-                <a:schemeClr val="tx1"/>
+                <a:schemeClr val="bg2">
+                  <a:lumMod val="10000"/>
+                </a:schemeClr>
               </a:solidFill>
               <a:effectLst>
                 <a:outerShdw blurRad="38100" dist="38100" dir="2700000" algn="tl">
@@ -3682,55 +4445,157 @@
                   </a:srgbClr>
                 </a:outerShdw>
               </a:effectLst>
+              <a:latin typeface="HGｺﾞｼｯｸE" panose="020B0909000000000000" pitchFamily="49" charset="-128"/>
+              <a:ea typeface="HGｺﾞｼｯｸE" panose="020B0909000000000000" pitchFamily="49" charset="-128"/>
             </a:endParaRPr>
           </a:p>
         </p:txBody>
       </p:sp>
       <p:sp>
         <p:nvSpPr>
-          <p:cNvPr id="11" name="テキスト ボックス 10"/>
-          <p:cNvSpPr txBox="1"/>
+          <p:cNvPr id="25" name="雲形吹き出し 24"/>
+          <p:cNvSpPr/>
+          <p:nvPr/>
+        </p:nvSpPr>
+        <p:spPr>
+          <a:xfrm rot="5400000">
+            <a:off x="13780515" y="7695634"/>
+            <a:ext cx="3757616" cy="11301507"/>
+          </a:xfrm>
+          <a:prstGeom prst="cloudCallout">
+            <a:avLst/>
+          </a:prstGeom>
+          <a:noFill/>
+          <a:ln w="31750" cap="flat" cmpd="sng" algn="ctr">
+            <a:solidFill>
+              <a:schemeClr val="tx1"/>
+            </a:solidFill>
+            <a:prstDash val="solid"/>
+          </a:ln>
+          <a:effectLst/>
+        </p:spPr>
+        <p:txBody>
+          <a:bodyPr vert="vert270" rtlCol="0" anchor="ctr"/>
+          <a:lstStyle/>
+          <a:p>
+            <a:r>
+              <a:rPr lang="ja-JP" altLang="en-US" sz="4000" dirty="0" smtClean="0">
+                <a:latin typeface="HGｺﾞｼｯｸE" panose="020B0909000000000000" pitchFamily="49" charset="-128"/>
+                <a:ea typeface="HGｺﾞｼｯｸE" panose="020B0909000000000000" pitchFamily="49" charset="-128"/>
+              </a:rPr>
+              <a:t>スポーツ界の統計</a:t>
+            </a:r>
+            <a:r>
+              <a:rPr lang="ja-JP" altLang="en-US" sz="4000" dirty="0">
+                <a:latin typeface="HGｺﾞｼｯｸE" panose="020B0909000000000000" pitchFamily="49" charset="-128"/>
+                <a:ea typeface="HGｺﾞｼｯｸE" panose="020B0909000000000000" pitchFamily="49" charset="-128"/>
+              </a:rPr>
+              <a:t>解析手法を用いた人材マネジメントの，ソフトウェア開発の現場への</a:t>
+            </a:r>
+            <a:r>
+              <a:rPr lang="ja-JP" altLang="en-US" sz="4000" dirty="0" smtClean="0">
+                <a:latin typeface="HGｺﾞｼｯｸE" panose="020B0909000000000000" pitchFamily="49" charset="-128"/>
+                <a:ea typeface="HGｺﾞｼｯｸE" panose="020B0909000000000000" pitchFamily="49" charset="-128"/>
+              </a:rPr>
+              <a:t>導入を検討する</a:t>
+            </a:r>
+            <a:endParaRPr lang="ja-JP" altLang="en-US" sz="4000" dirty="0">
+              <a:latin typeface="HGｺﾞｼｯｸE" panose="020B0909000000000000" pitchFamily="49" charset="-128"/>
+              <a:ea typeface="HGｺﾞｼｯｸE" panose="020B0909000000000000" pitchFamily="49" charset="-128"/>
+            </a:endParaRPr>
+          </a:p>
+        </p:txBody>
+      </p:sp>
+      <p:sp>
+        <p:nvSpPr>
+          <p:cNvPr id="26" name="正方形/長方形 25"/>
+          <p:cNvSpPr/>
           <p:nvPr/>
         </p:nvSpPr>
         <p:spPr>
           <a:xfrm>
-            <a:off x="1476376" y="7075091"/>
-            <a:ext cx="18290032" cy="1015663"/>
+            <a:off x="742523" y="14289092"/>
+            <a:ext cx="3897067" cy="1872208"/>
           </a:xfrm>
           <a:prstGeom prst="rect">
             <a:avLst/>
           </a:prstGeom>
           <a:noFill/>
+          <a:ln w="31750">
+            <a:solidFill>
+              <a:schemeClr val="tx1"/>
+            </a:solidFill>
+          </a:ln>
         </p:spPr>
-        <p:txBody>
-          <a:bodyPr wrap="square" rtlCol="0">
-            <a:spAutoFit/>
-          </a:bodyPr>
+        <p:style>
+          <a:lnRef idx="2">
+            <a:schemeClr val="accent1">
+              <a:shade val="50000"/>
+            </a:schemeClr>
+          </a:lnRef>
+          <a:fillRef idx="1">
+            <a:schemeClr val="accent1"/>
+          </a:fillRef>
+          <a:effectRef idx="0">
+            <a:schemeClr val="accent1"/>
+          </a:effectRef>
+          <a:fontRef idx="minor">
+            <a:schemeClr val="lt1"/>
+          </a:fontRef>
+        </p:style>
+        <p:txBody>
+          <a:bodyPr rtlCol="0" anchor="ctr"/>
           <a:lstStyle/>
           <a:p>
             <a:pPr algn="ctr"/>
             <a:r>
-              <a:rPr lang="ja-JP" altLang="en-US" sz="6000" dirty="0"/>
-              <a:t>人材マネジメント</a:t>
-            </a:r>
-            <a:r>
-              <a:rPr lang="ja-JP" altLang="en-US" sz="6000" dirty="0" smtClean="0"/>
-              <a:t>に統計分析を活用する</a:t>
-            </a:r>
-            <a:endParaRPr kumimoji="1" lang="ja-JP" altLang="en-US" sz="6000" dirty="0"/>
-          </a:p>
-        </p:txBody>
-      </p:sp>
-      <p:sp>
-        <p:nvSpPr>
-          <p:cNvPr id="10" name="角丸四角形 9"/>
+              <a:rPr lang="ja-JP" altLang="en-US" sz="6000" b="1" dirty="0" smtClean="0">
+                <a:solidFill>
+                  <a:schemeClr val="bg2">
+                    <a:lumMod val="10000"/>
+                  </a:schemeClr>
+                </a:solidFill>
+                <a:effectLst>
+                  <a:outerShdw blurRad="38100" dist="38100" dir="2700000" algn="tl">
+                    <a:srgbClr val="000000">
+                      <a:alpha val="43137"/>
+                    </a:srgbClr>
+                  </a:outerShdw>
+                </a:effectLst>
+                <a:latin typeface="HGｺﾞｼｯｸE" panose="020B0909000000000000" pitchFamily="49" charset="-128"/>
+                <a:ea typeface="HGｺﾞｼｯｸE" panose="020B0909000000000000" pitchFamily="49" charset="-128"/>
+              </a:rPr>
+              <a:t>目的</a:t>
+            </a:r>
+            <a:endParaRPr lang="ja-JP" altLang="en-US" sz="6000" b="1" dirty="0">
+              <a:solidFill>
+                <a:schemeClr val="bg2">
+                  <a:lumMod val="10000"/>
+                </a:schemeClr>
+              </a:solidFill>
+              <a:effectLst>
+                <a:outerShdw blurRad="38100" dist="38100" dir="2700000" algn="tl">
+                  <a:srgbClr val="000000">
+                    <a:alpha val="43137"/>
+                  </a:srgbClr>
+                </a:outerShdw>
+              </a:effectLst>
+              <a:latin typeface="HGｺﾞｼｯｸE" panose="020B0909000000000000" pitchFamily="49" charset="-128"/>
+              <a:ea typeface="HGｺﾞｼｯｸE" panose="020B0909000000000000" pitchFamily="49" charset="-128"/>
+            </a:endParaRPr>
+          </a:p>
+        </p:txBody>
+      </p:sp>
+      <p:sp>
+        <p:nvSpPr>
+          <p:cNvPr id="28" name="角丸四角形 27"/>
           <p:cNvSpPr/>
           <p:nvPr/>
         </p:nvSpPr>
         <p:spPr>
           <a:xfrm>
-            <a:off x="972320" y="9091315"/>
-            <a:ext cx="8640960" cy="4608512"/>
+            <a:off x="567558" y="16868179"/>
+            <a:ext cx="9616965" cy="4536504"/>
           </a:xfrm>
           <a:prstGeom prst="roundRect">
             <a:avLst/>
@@ -3763,332 +4628,130 @@
           <a:lstStyle/>
           <a:p>
             <a:r>
-              <a:rPr kumimoji="1" lang="ja-JP" altLang="en-US" sz="3600" b="1" dirty="0" smtClean="0">
+              <a:rPr lang="en-US" altLang="ja-JP" sz="4400" b="1" dirty="0">
                 <a:solidFill>
                   <a:schemeClr val="tx1"/>
                 </a:solidFill>
-              </a:rPr>
-              <a:t>野手の場合</a:t>
-            </a:r>
-            <a:endParaRPr kumimoji="1" lang="en-US" altLang="ja-JP" sz="3600" b="1" dirty="0" smtClean="0">
+                <a:latin typeface="Century" panose="02040604050505020304" pitchFamily="18" charset="0"/>
+                <a:ea typeface="HGｺﾞｼｯｸE" panose="020B0909000000000000" pitchFamily="49" charset="-128"/>
+              </a:rPr>
+              <a:t>GitHub</a:t>
+            </a:r>
+            <a:r>
+              <a:rPr lang="ja-JP" altLang="en-US" sz="4400" b="1" dirty="0">
+                <a:solidFill>
+                  <a:schemeClr val="tx1"/>
+                </a:solidFill>
+                <a:latin typeface="HGｺﾞｼｯｸE" panose="020B0909000000000000" pitchFamily="49" charset="-128"/>
+                <a:ea typeface="HGｺﾞｼｯｸE" panose="020B0909000000000000" pitchFamily="49" charset="-128"/>
+              </a:rPr>
+              <a:t>上で多く行われている</a:t>
+            </a:r>
+            <a:r>
+              <a:rPr lang="en-US" altLang="ja-JP" sz="4400" b="1" dirty="0">
+                <a:solidFill>
+                  <a:schemeClr val="tx1"/>
+                </a:solidFill>
+                <a:latin typeface="Century" panose="02040604050505020304" pitchFamily="18" charset="0"/>
+                <a:ea typeface="HGｺﾞｼｯｸE" panose="020B0909000000000000" pitchFamily="49" charset="-128"/>
+              </a:rPr>
+              <a:t>OSS</a:t>
+            </a:r>
+            <a:r>
+              <a:rPr lang="ja-JP" altLang="en-US" sz="4400" b="1" dirty="0">
+                <a:solidFill>
+                  <a:schemeClr val="tx1"/>
+                </a:solidFill>
+                <a:latin typeface="HGｺﾞｼｯｸE" panose="020B0909000000000000" pitchFamily="49" charset="-128"/>
+                <a:ea typeface="HGｺﾞｼｯｸE" panose="020B0909000000000000" pitchFamily="49" charset="-128"/>
+              </a:rPr>
+              <a:t>開発のプロジェクトを用いて</a:t>
+            </a:r>
+            <a:r>
+              <a:rPr lang="ja-JP" altLang="en-US" sz="4400" b="1" dirty="0" smtClean="0">
+                <a:solidFill>
+                  <a:schemeClr val="tx1"/>
+                </a:solidFill>
+                <a:latin typeface="HGｺﾞｼｯｸE" panose="020B0909000000000000" pitchFamily="49" charset="-128"/>
+                <a:ea typeface="HGｺﾞｼｯｸE" panose="020B0909000000000000" pitchFamily="49" charset="-128"/>
+              </a:rPr>
+              <a:t>，</a:t>
+            </a:r>
+            <a:endParaRPr lang="en-US" altLang="ja-JP" sz="4400" b="1" dirty="0" smtClean="0">
               <a:solidFill>
                 <a:schemeClr val="tx1"/>
               </a:solidFill>
+              <a:latin typeface="HGｺﾞｼｯｸE" panose="020B0909000000000000" pitchFamily="49" charset="-128"/>
+              <a:ea typeface="HGｺﾞｼｯｸE" panose="020B0909000000000000" pitchFamily="49" charset="-128"/>
             </a:endParaRPr>
           </a:p>
           <a:p>
             <a:r>
-              <a:rPr lang="ja-JP" altLang="en-US" sz="3600" b="1" dirty="0" smtClean="0">
+              <a:rPr lang="ja-JP" altLang="en-US" sz="4400" b="1" dirty="0" smtClean="0">
                 <a:solidFill>
                   <a:schemeClr val="tx1"/>
                 </a:solidFill>
-              </a:rPr>
-              <a:t>・打率</a:t>
-            </a:r>
-            <a:r>
-              <a:rPr lang="en-US" altLang="ja-JP" sz="3600" b="1" dirty="0" smtClean="0">
+                <a:latin typeface="HGｺﾞｼｯｸE" panose="020B0909000000000000" pitchFamily="49" charset="-128"/>
+                <a:ea typeface="HGｺﾞｼｯｸE" panose="020B0909000000000000" pitchFamily="49" charset="-128"/>
+              </a:rPr>
+              <a:t>活動</a:t>
+            </a:r>
+            <a:r>
+              <a:rPr lang="ja-JP" altLang="en-US" sz="4400" b="1" dirty="0">
                 <a:solidFill>
                   <a:schemeClr val="tx1"/>
                 </a:solidFill>
-              </a:rPr>
-              <a:t>	</a:t>
-            </a:r>
-            <a:r>
-              <a:rPr lang="ja-JP" altLang="en-US" sz="3600" b="1" dirty="0" smtClean="0">
+                <a:latin typeface="HGｺﾞｼｯｸE" panose="020B0909000000000000" pitchFamily="49" charset="-128"/>
+                <a:ea typeface="HGｺﾞｼｯｸE" panose="020B0909000000000000" pitchFamily="49" charset="-128"/>
+              </a:rPr>
+              <a:t>ログ</a:t>
+            </a:r>
+            <a:r>
+              <a:rPr lang="ja-JP" altLang="en-US" sz="4400" b="1" dirty="0" smtClean="0">
                 <a:solidFill>
                   <a:schemeClr val="tx1"/>
                 </a:solidFill>
-              </a:rPr>
-              <a:t>・安打数</a:t>
-            </a:r>
-            <a:r>
-              <a:rPr lang="en-US" altLang="ja-JP" sz="3600" b="1" dirty="0" smtClean="0">
+                <a:latin typeface="HGｺﾞｼｯｸE" panose="020B0909000000000000" pitchFamily="49" charset="-128"/>
+                <a:ea typeface="HGｺﾞｼｯｸE" panose="020B0909000000000000" pitchFamily="49" charset="-128"/>
+              </a:rPr>
+              <a:t>を統計</a:t>
+            </a:r>
+            <a:r>
+              <a:rPr lang="ja-JP" altLang="en-US" sz="4400" b="1" dirty="0">
                 <a:solidFill>
                   <a:schemeClr val="tx1"/>
                 </a:solidFill>
-              </a:rPr>
-              <a:t>	</a:t>
-            </a:r>
-            <a:r>
-              <a:rPr lang="ja-JP" altLang="en-US" sz="3600" b="1" dirty="0" smtClean="0">
-                <a:solidFill>
-                  <a:schemeClr val="tx1"/>
-                </a:solidFill>
-              </a:rPr>
-              <a:t>・本塁打数</a:t>
-            </a:r>
-            <a:endParaRPr lang="en-US" altLang="ja-JP" sz="3600" b="1" dirty="0" smtClean="0">
-              <a:solidFill>
-                <a:schemeClr val="tx1"/>
-              </a:solidFill>
-            </a:endParaRPr>
-          </a:p>
-          <a:p>
-            <a:r>
-              <a:rPr lang="ja-JP" altLang="en-US" sz="3600" b="1" dirty="0" smtClean="0">
-                <a:solidFill>
-                  <a:schemeClr val="tx1"/>
-                </a:solidFill>
-              </a:rPr>
-              <a:t>・</a:t>
-            </a:r>
-            <a:r>
-              <a:rPr lang="ja-JP" altLang="en-US" sz="3600" b="1" dirty="0" smtClean="0">
-                <a:solidFill>
-                  <a:srgbClr val="FF0000"/>
-                </a:solidFill>
-              </a:rPr>
-              <a:t>出塁率</a:t>
-            </a:r>
-            <a:r>
-              <a:rPr lang="en-US" altLang="ja-JP" sz="3600" b="1" dirty="0" smtClean="0">
-                <a:solidFill>
-                  <a:schemeClr val="tx1"/>
-                </a:solidFill>
-              </a:rPr>
-              <a:t>	</a:t>
-            </a:r>
-            <a:r>
-              <a:rPr lang="ja-JP" altLang="en-US" sz="3600" b="1" dirty="0" smtClean="0">
-                <a:solidFill>
-                  <a:schemeClr val="tx1"/>
-                </a:solidFill>
-              </a:rPr>
-              <a:t>・</a:t>
-            </a:r>
-            <a:r>
-              <a:rPr lang="ja-JP" altLang="en-US" sz="3600" b="1" dirty="0" smtClean="0">
-                <a:solidFill>
-                  <a:srgbClr val="FF0000"/>
-                </a:solidFill>
-              </a:rPr>
-              <a:t>長打率</a:t>
-            </a:r>
-            <a:r>
-              <a:rPr lang="en-US" altLang="ja-JP" sz="3600" b="1" dirty="0" smtClean="0">
-                <a:solidFill>
-                  <a:schemeClr val="tx1"/>
-                </a:solidFill>
-              </a:rPr>
-              <a:t>	</a:t>
-            </a:r>
-            <a:r>
-              <a:rPr lang="ja-JP" altLang="en-US" sz="3600" b="1" dirty="0" smtClean="0">
-                <a:solidFill>
-                  <a:schemeClr val="tx1"/>
-                </a:solidFill>
-              </a:rPr>
-              <a:t>・三振</a:t>
-            </a:r>
-            <a:r>
-              <a:rPr lang="en-US" altLang="ja-JP" sz="3600" b="1" dirty="0" smtClean="0">
-                <a:solidFill>
-                  <a:schemeClr val="tx1"/>
-                </a:solidFill>
-              </a:rPr>
-              <a:t>	</a:t>
-            </a:r>
-            <a:r>
-              <a:rPr lang="ja-JP" altLang="en-US" sz="3600" b="1" dirty="0" smtClean="0">
-                <a:solidFill>
-                  <a:schemeClr val="tx1"/>
-                </a:solidFill>
-              </a:rPr>
-              <a:t>・</a:t>
-            </a:r>
-            <a:r>
-              <a:rPr lang="ja-JP" altLang="en-US" sz="3600" b="1" dirty="0" smtClean="0">
-                <a:solidFill>
-                  <a:srgbClr val="FF0000"/>
-                </a:solidFill>
-              </a:rPr>
-              <a:t>四球</a:t>
-            </a:r>
-            <a:endParaRPr lang="en-US" altLang="ja-JP" sz="3600" b="1" dirty="0" smtClean="0">
-              <a:solidFill>
-                <a:srgbClr val="FF0000"/>
-              </a:solidFill>
-            </a:endParaRPr>
-          </a:p>
-          <a:p>
-            <a:endParaRPr kumimoji="1" lang="en-US" altLang="ja-JP" sz="3600" b="1" dirty="0">
-              <a:solidFill>
-                <a:schemeClr val="tx1"/>
-              </a:solidFill>
-            </a:endParaRPr>
-          </a:p>
-          <a:p>
-            <a:r>
-              <a:rPr lang="ja-JP" altLang="en-US" sz="3600" b="1" dirty="0" smtClean="0">
-                <a:solidFill>
-                  <a:schemeClr val="tx1"/>
-                </a:solidFill>
-              </a:rPr>
-              <a:t>投手の場合</a:t>
-            </a:r>
-            <a:endParaRPr lang="en-US" altLang="ja-JP" sz="3600" b="1" dirty="0" smtClean="0">
-              <a:solidFill>
-                <a:schemeClr val="tx1"/>
-              </a:solidFill>
-            </a:endParaRPr>
-          </a:p>
-          <a:p>
-            <a:r>
-              <a:rPr kumimoji="1" lang="ja-JP" altLang="en-US" sz="3600" b="1" dirty="0" smtClean="0">
-                <a:solidFill>
-                  <a:schemeClr val="tx1"/>
-                </a:solidFill>
-              </a:rPr>
-              <a:t>・勝率</a:t>
-            </a:r>
-            <a:r>
-              <a:rPr kumimoji="1" lang="en-US" altLang="ja-JP" sz="3600" b="1" dirty="0" smtClean="0">
-                <a:solidFill>
-                  <a:schemeClr val="tx1"/>
-                </a:solidFill>
-              </a:rPr>
-              <a:t>	</a:t>
-            </a:r>
-            <a:r>
-              <a:rPr kumimoji="1" lang="ja-JP" altLang="en-US" sz="3600" b="1" dirty="0" smtClean="0">
-                <a:solidFill>
-                  <a:schemeClr val="tx1"/>
-                </a:solidFill>
-              </a:rPr>
-              <a:t>・勝利数</a:t>
-            </a:r>
-            <a:r>
-              <a:rPr kumimoji="1" lang="en-US" altLang="ja-JP" sz="3600" b="1" dirty="0" smtClean="0">
-                <a:solidFill>
-                  <a:schemeClr val="tx1"/>
-                </a:solidFill>
-              </a:rPr>
-              <a:t>	</a:t>
-            </a:r>
-            <a:r>
-              <a:rPr kumimoji="1" lang="ja-JP" altLang="en-US" sz="3600" b="1" dirty="0" smtClean="0">
-                <a:solidFill>
-                  <a:schemeClr val="tx1"/>
-                </a:solidFill>
-              </a:rPr>
-              <a:t>・敗戦数</a:t>
-            </a:r>
-            <a:r>
-              <a:rPr kumimoji="1" lang="en-US" altLang="ja-JP" sz="3600" b="1" dirty="0" smtClean="0">
-                <a:solidFill>
-                  <a:schemeClr val="tx1"/>
-                </a:solidFill>
-              </a:rPr>
-              <a:t>	</a:t>
-            </a:r>
-            <a:r>
-              <a:rPr kumimoji="1" lang="ja-JP" altLang="en-US" sz="3600" b="1" dirty="0" smtClean="0">
-                <a:solidFill>
-                  <a:schemeClr val="tx1"/>
-                </a:solidFill>
-              </a:rPr>
-              <a:t>・</a:t>
-            </a:r>
-            <a:r>
-              <a:rPr kumimoji="1" lang="ja-JP" altLang="en-US" sz="3600" b="1" dirty="0" smtClean="0">
-                <a:solidFill>
-                  <a:srgbClr val="FF0000"/>
-                </a:solidFill>
-              </a:rPr>
-              <a:t>与四球</a:t>
-            </a:r>
-            <a:endParaRPr lang="en-US" altLang="ja-JP" sz="3600" b="1" dirty="0">
-              <a:solidFill>
-                <a:srgbClr val="FF0000"/>
-              </a:solidFill>
-            </a:endParaRPr>
-          </a:p>
-          <a:p>
-            <a:r>
-              <a:rPr kumimoji="1" lang="ja-JP" altLang="en-US" sz="3600" b="1" dirty="0" smtClean="0">
-                <a:solidFill>
-                  <a:schemeClr val="tx1"/>
-                </a:solidFill>
-              </a:rPr>
-              <a:t>・</a:t>
-            </a:r>
-            <a:r>
-              <a:rPr kumimoji="1" lang="ja-JP" altLang="en-US" sz="3600" b="1" dirty="0" smtClean="0">
-                <a:solidFill>
-                  <a:srgbClr val="FF0000"/>
-                </a:solidFill>
-              </a:rPr>
-              <a:t>奪三振</a:t>
-            </a:r>
-            <a:r>
-              <a:rPr lang="en-US" altLang="ja-JP" sz="3600" b="1" dirty="0">
-                <a:solidFill>
-                  <a:schemeClr val="tx1"/>
-                </a:solidFill>
-              </a:rPr>
-              <a:t>	</a:t>
-            </a:r>
-            <a:r>
-              <a:rPr lang="ja-JP" altLang="en-US" sz="3600" b="1" dirty="0" smtClean="0">
-                <a:solidFill>
-                  <a:schemeClr val="tx1"/>
-                </a:solidFill>
-              </a:rPr>
-              <a:t>・被安打数</a:t>
-            </a:r>
-            <a:r>
-              <a:rPr lang="en-US" altLang="ja-JP" sz="3600" b="1" dirty="0" smtClean="0">
-                <a:solidFill>
-                  <a:schemeClr val="tx1"/>
-                </a:solidFill>
-              </a:rPr>
-              <a:t>	</a:t>
-            </a:r>
-            <a:r>
-              <a:rPr lang="ja-JP" altLang="en-US" sz="3600" b="1" dirty="0" smtClean="0">
-                <a:solidFill>
-                  <a:schemeClr val="tx1"/>
-                </a:solidFill>
-              </a:rPr>
-              <a:t>・</a:t>
-            </a:r>
-            <a:r>
-              <a:rPr lang="ja-JP" altLang="en-US" sz="3600" b="1" dirty="0" smtClean="0">
-                <a:solidFill>
-                  <a:srgbClr val="FF0000"/>
-                </a:solidFill>
-              </a:rPr>
-              <a:t>被本塁打数</a:t>
+                <a:latin typeface="HGｺﾞｼｯｸE" panose="020B0909000000000000" pitchFamily="49" charset="-128"/>
+                <a:ea typeface="HGｺﾞｼｯｸE" panose="020B0909000000000000" pitchFamily="49" charset="-128"/>
+              </a:rPr>
+              <a:t>解析手法で分析する</a:t>
             </a:r>
             <a:endParaRPr kumimoji="1" lang="ja-JP" altLang="en-US" sz="3600" b="1" dirty="0">
               <a:solidFill>
                 <a:srgbClr val="FF0000"/>
               </a:solidFill>
+              <a:latin typeface="HGｺﾞｼｯｸE" panose="020B0909000000000000" pitchFamily="49" charset="-128"/>
+              <a:ea typeface="HGｺﾞｼｯｸE" panose="020B0909000000000000" pitchFamily="49" charset="-128"/>
             </a:endParaRPr>
           </a:p>
         </p:txBody>
       </p:sp>
       <p:sp>
         <p:nvSpPr>
-          <p:cNvPr id="12" name="正方形/長方形 11"/>
+          <p:cNvPr id="29" name="正方形/長方形 28"/>
           <p:cNvSpPr/>
           <p:nvPr/>
         </p:nvSpPr>
         <p:spPr>
           <a:xfrm>
-            <a:off x="3564608" y="8592990"/>
-            <a:ext cx="3456384" cy="1052244"/>
+            <a:off x="806482" y="22004769"/>
+            <a:ext cx="3897067" cy="1872208"/>
           </a:xfrm>
           <a:prstGeom prst="rect">
             <a:avLst/>
           </a:prstGeom>
-          <a:solidFill>
-            <a:schemeClr val="accent1">
-              <a:lumMod val="20000"/>
-              <a:lumOff val="80000"/>
-            </a:schemeClr>
-          </a:solidFill>
-          <a:ln>
+          <a:noFill/>
+          <a:ln w="31750">
             <a:solidFill>
               <a:schemeClr val="tx1"/>
             </a:solidFill>
@@ -4116,31 +4779,35 @@
           <a:p>
             <a:pPr algn="ctr"/>
             <a:r>
-              <a:rPr kumimoji="1" lang="ja-JP" altLang="en-US" sz="6600" dirty="0" smtClean="0">
-                <a:solidFill>
-                  <a:schemeClr val="tx1"/>
-                </a:solidFill>
-              </a:rPr>
-              <a:t>野球</a:t>
-            </a:r>
-            <a:endParaRPr kumimoji="1" lang="ja-JP" altLang="en-US" sz="6600" dirty="0">
-              <a:solidFill>
-                <a:schemeClr val="tx1"/>
-              </a:solidFill>
-            </a:endParaRPr>
-          </a:p>
-        </p:txBody>
-      </p:sp>
-      <p:sp>
-        <p:nvSpPr>
-          <p:cNvPr id="15" name="角丸四角形 14"/>
+              <a:rPr lang="ja-JP" altLang="en-US" sz="6000" b="1" dirty="0">
+                <a:solidFill>
+                  <a:schemeClr val="bg2">
+                    <a:lumMod val="10000"/>
+                  </a:schemeClr>
+                </a:solidFill>
+                <a:effectLst>
+                  <a:outerShdw blurRad="38100" dist="38100" dir="2700000" algn="tl">
+                    <a:srgbClr val="000000">
+                      <a:alpha val="43137"/>
+                    </a:srgbClr>
+                  </a:outerShdw>
+                </a:effectLst>
+              </a:rPr>
+              <a:t>研究方法</a:t>
+            </a:r>
+          </a:p>
+        </p:txBody>
+      </p:sp>
+      <p:sp>
+        <p:nvSpPr>
+          <p:cNvPr id="31" name="角丸四角形 30"/>
           <p:cNvSpPr/>
           <p:nvPr/>
         </p:nvSpPr>
         <p:spPr>
           <a:xfrm>
-            <a:off x="11727442" y="9019307"/>
-            <a:ext cx="8640960" cy="4680520"/>
+            <a:off x="742523" y="24429019"/>
+            <a:ext cx="9865107" cy="5616624"/>
           </a:xfrm>
           <a:prstGeom prst="roundRect">
             <a:avLst/>
@@ -4172,589 +4839,138 @@
           <a:bodyPr rtlCol="0" anchor="ctr"/>
           <a:lstStyle/>
           <a:p>
-            <a:r>
-              <a:rPr kumimoji="1" lang="ja-JP" altLang="en-US" sz="3600" b="1" dirty="0" smtClean="0">
+            <a:pPr marL="571500" indent="-571500">
+              <a:buFont typeface="Arial" panose="020B0604020202020204" pitchFamily="34" charset="0"/>
+              <a:buChar char="•"/>
+            </a:pPr>
+            <a:r>
+              <a:rPr lang="en-US" altLang="ja-JP" sz="3600" dirty="0" smtClean="0">
                 <a:solidFill>
                   <a:schemeClr val="tx1"/>
                 </a:solidFill>
-              </a:rPr>
-              <a:t>・</a:t>
-            </a:r>
-            <a:r>
-              <a:rPr lang="en-US" altLang="ja-JP" sz="3600" b="1" dirty="0" err="1" smtClean="0">
+                <a:latin typeface="Century" panose="02040604050505020304" pitchFamily="18" charset="0"/>
+                <a:ea typeface="HGｺﾞｼｯｸE" panose="020B0909000000000000" pitchFamily="49" charset="-128"/>
+              </a:rPr>
+              <a:t>GitHub</a:t>
+            </a:r>
+            <a:r>
+              <a:rPr lang="ja-JP" altLang="en-US" sz="3600" dirty="0">
                 <a:solidFill>
                   <a:schemeClr val="tx1"/>
                 </a:solidFill>
-              </a:rPr>
-              <a:t>DeleteEvent</a:t>
-            </a:r>
-            <a:r>
-              <a:rPr lang="en-US" altLang="ja-JP" sz="3600" b="1" dirty="0" smtClean="0">
+                <a:latin typeface="HGｺﾞｼｯｸE" panose="020B0909000000000000" pitchFamily="49" charset="-128"/>
+                <a:ea typeface="HGｺﾞｼｯｸE" panose="020B0909000000000000" pitchFamily="49" charset="-128"/>
+              </a:rPr>
+              <a:t>上の</a:t>
+            </a:r>
+            <a:r>
+              <a:rPr lang="en-US" altLang="ja-JP" sz="3600" dirty="0">
                 <a:solidFill>
                   <a:schemeClr val="tx1"/>
                 </a:solidFill>
-              </a:rPr>
-              <a:t>	</a:t>
-            </a:r>
-            <a:r>
-              <a:rPr lang="ja-JP" altLang="en-US" sz="3600" b="1" dirty="0" smtClean="0">
+                <a:latin typeface="Century" panose="02040604050505020304" pitchFamily="18" charset="0"/>
+                <a:ea typeface="HGｺﾞｼｯｸE" panose="020B0909000000000000" pitchFamily="49" charset="-128"/>
+              </a:rPr>
+              <a:t>OSS</a:t>
+            </a:r>
+            <a:r>
+              <a:rPr lang="ja-JP" altLang="en-US" sz="3600" dirty="0">
                 <a:solidFill>
                   <a:schemeClr val="tx1"/>
                 </a:solidFill>
-              </a:rPr>
-              <a:t>・</a:t>
-            </a:r>
-            <a:r>
-              <a:rPr lang="en-US" altLang="ja-JP" sz="3600" b="1" dirty="0" err="1" smtClean="0">
+                <a:latin typeface="HGｺﾞｼｯｸE" panose="020B0909000000000000" pitchFamily="49" charset="-128"/>
+                <a:ea typeface="HGｺﾞｼｯｸE" panose="020B0909000000000000" pitchFamily="49" charset="-128"/>
+              </a:rPr>
+              <a:t>開発プロジェクトの</a:t>
+            </a:r>
+            <a:r>
+              <a:rPr lang="ja-JP" altLang="en-US" sz="3600" dirty="0" smtClean="0">
                 <a:solidFill>
                   <a:schemeClr val="tx1"/>
                 </a:solidFill>
-              </a:rPr>
-              <a:t>IssueCommentEvent</a:t>
-            </a:r>
-            <a:endParaRPr lang="en-US" altLang="ja-JP" sz="3600" b="1" dirty="0" smtClean="0">
+                <a:latin typeface="HGｺﾞｼｯｸE" panose="020B0909000000000000" pitchFamily="49" charset="-128"/>
+                <a:ea typeface="HGｺﾞｼｯｸE" panose="020B0909000000000000" pitchFamily="49" charset="-128"/>
+              </a:rPr>
+              <a:t>調査</a:t>
+            </a:r>
+            <a:endParaRPr lang="en-US" altLang="ja-JP" sz="3600" dirty="0" smtClean="0">
               <a:solidFill>
                 <a:schemeClr val="tx1"/>
               </a:solidFill>
+              <a:latin typeface="HGｺﾞｼｯｸE" panose="020B0909000000000000" pitchFamily="49" charset="-128"/>
+              <a:ea typeface="HGｺﾞｼｯｸE" panose="020B0909000000000000" pitchFamily="49" charset="-128"/>
             </a:endParaRPr>
           </a:p>
           <a:p>
-            <a:r>
-              <a:rPr lang="ja-JP" altLang="en-US" sz="3600" b="1" dirty="0">
+            <a:pPr marL="571500" indent="-571500">
+              <a:buFont typeface="Arial" panose="020B0604020202020204" pitchFamily="34" charset="0"/>
+              <a:buChar char="•"/>
+            </a:pPr>
+            <a:r>
+              <a:rPr lang="en-US" altLang="ja-JP" sz="3600" dirty="0">
                 <a:solidFill>
                   <a:schemeClr val="tx1"/>
                 </a:solidFill>
-              </a:rPr>
-              <a:t>・</a:t>
-            </a:r>
-            <a:r>
-              <a:rPr lang="en-US" altLang="ja-JP" sz="3600" b="1" dirty="0" smtClean="0">
+                <a:latin typeface="Century" panose="02040604050505020304" pitchFamily="18" charset="0"/>
+                <a:ea typeface="HGｺﾞｼｯｸE" panose="020B0909000000000000" pitchFamily="49" charset="-128"/>
+              </a:rPr>
+              <a:t>API</a:t>
+            </a:r>
+            <a:r>
+              <a:rPr lang="ja-JP" altLang="en-US" sz="3600" dirty="0">
                 <a:solidFill>
                   <a:schemeClr val="tx1"/>
                 </a:solidFill>
-              </a:rPr>
-              <a:t> </a:t>
-            </a:r>
-            <a:r>
-              <a:rPr lang="en-US" altLang="ja-JP" sz="3600" b="1" dirty="0" err="1" smtClean="0">
+                <a:latin typeface="HGｺﾞｼｯｸE" panose="020B0909000000000000" pitchFamily="49" charset="-128"/>
+                <a:ea typeface="HGｺﾞｼｯｸE" panose="020B0909000000000000" pitchFamily="49" charset="-128"/>
+              </a:rPr>
+              <a:t>を利用して活動ログを収集する</a:t>
+            </a:r>
+          </a:p>
+          <a:p>
+            <a:pPr marL="571500" indent="-571500">
+              <a:buFont typeface="Arial" panose="020B0604020202020204" pitchFamily="34" charset="0"/>
+              <a:buChar char="•"/>
+            </a:pPr>
+            <a:r>
+              <a:rPr lang="ja-JP" altLang="en-US" sz="3600" dirty="0">
                 <a:solidFill>
                   <a:schemeClr val="tx1"/>
                 </a:solidFill>
-              </a:rPr>
-              <a:t>IssuesEvent</a:t>
-            </a:r>
-            <a:r>
-              <a:rPr lang="en-US" altLang="ja-JP" sz="3600" b="1" dirty="0" smtClean="0">
+                <a:latin typeface="HGｺﾞｼｯｸE" panose="020B0909000000000000" pitchFamily="49" charset="-128"/>
+                <a:ea typeface="HGｺﾞｼｯｸE" panose="020B0909000000000000" pitchFamily="49" charset="-128"/>
+              </a:rPr>
+              <a:t>得られた活動ログを，スポーツ界で行われているような統計解析手法で分析する</a:t>
+            </a:r>
+          </a:p>
+          <a:p>
+            <a:pPr marL="571500" indent="-571500">
+              <a:buFont typeface="Arial" panose="020B0604020202020204" pitchFamily="34" charset="0"/>
+              <a:buChar char="•"/>
+            </a:pPr>
+            <a:r>
+              <a:rPr lang="ja-JP" altLang="en-US" sz="3600" dirty="0">
                 <a:solidFill>
                   <a:schemeClr val="tx1"/>
                 </a:solidFill>
-              </a:rPr>
-              <a:t> 	</a:t>
-            </a:r>
-            <a:r>
-              <a:rPr lang="ja-JP" altLang="en-US" sz="3600" b="1" dirty="0" smtClean="0">
-                <a:solidFill>
-                  <a:schemeClr val="tx1"/>
-                </a:solidFill>
-              </a:rPr>
-              <a:t>・</a:t>
-            </a:r>
-            <a:r>
-              <a:rPr lang="en-US" altLang="ja-JP" sz="3600" b="1" dirty="0" err="1" smtClean="0">
-                <a:solidFill>
-                  <a:schemeClr val="tx1"/>
-                </a:solidFill>
-              </a:rPr>
-              <a:t>PushEvent</a:t>
-            </a:r>
-            <a:endParaRPr lang="en-US" altLang="ja-JP" sz="3600" b="1" dirty="0">
-              <a:solidFill>
-                <a:schemeClr val="tx1"/>
-              </a:solidFill>
-            </a:endParaRPr>
-          </a:p>
-          <a:p>
-            <a:r>
-              <a:rPr lang="ja-JP" altLang="en-US" sz="3600" b="1" dirty="0" smtClean="0">
-                <a:solidFill>
-                  <a:schemeClr val="tx1"/>
-                </a:solidFill>
-              </a:rPr>
-              <a:t>・</a:t>
-            </a:r>
-            <a:r>
-              <a:rPr lang="en-US" altLang="ja-JP" sz="3600" b="1" dirty="0" err="1" smtClean="0">
-                <a:solidFill>
-                  <a:schemeClr val="tx1"/>
-                </a:solidFill>
-              </a:rPr>
-              <a:t>PullRequestReviewCommentEvent</a:t>
-            </a:r>
-            <a:r>
-              <a:rPr lang="en-US" altLang="ja-JP" sz="3600" b="1" dirty="0" smtClean="0">
-                <a:solidFill>
-                  <a:schemeClr val="tx1"/>
-                </a:solidFill>
-              </a:rPr>
-              <a:t> </a:t>
-            </a:r>
-          </a:p>
-          <a:p>
-            <a:r>
-              <a:rPr kumimoji="1" lang="ja-JP" altLang="en-US" sz="3600" b="1" dirty="0" smtClean="0">
-                <a:solidFill>
-                  <a:schemeClr val="tx1"/>
-                </a:solidFill>
-              </a:rPr>
-              <a:t>・</a:t>
-            </a:r>
-            <a:r>
-              <a:rPr lang="en-US" altLang="ja-JP" sz="3600" b="1" dirty="0" err="1" smtClean="0">
-                <a:solidFill>
-                  <a:schemeClr val="tx1"/>
-                </a:solidFill>
-              </a:rPr>
-              <a:t>ForkEvent</a:t>
-            </a:r>
-            <a:r>
-              <a:rPr lang="en-US" altLang="ja-JP" sz="3600" b="1" dirty="0" smtClean="0">
-                <a:solidFill>
-                  <a:schemeClr val="tx1"/>
-                </a:solidFill>
-              </a:rPr>
-              <a:t> 	</a:t>
-            </a:r>
-            <a:r>
-              <a:rPr lang="ja-JP" altLang="en-US" sz="3600" b="1" dirty="0" smtClean="0">
-                <a:solidFill>
-                  <a:schemeClr val="tx1"/>
-                </a:solidFill>
-              </a:rPr>
-              <a:t>・</a:t>
-            </a:r>
-            <a:r>
-              <a:rPr lang="en-US" altLang="ja-JP" sz="3600" b="1" dirty="0" err="1" smtClean="0">
-                <a:solidFill>
-                  <a:schemeClr val="tx1"/>
-                </a:solidFill>
-              </a:rPr>
-              <a:t>WatchEvent</a:t>
-            </a:r>
-            <a:endParaRPr lang="en-US" altLang="ja-JP" sz="3600" b="1" dirty="0" smtClean="0">
-              <a:solidFill>
-                <a:schemeClr val="tx1"/>
-              </a:solidFill>
-            </a:endParaRPr>
-          </a:p>
-        </p:txBody>
-      </p:sp>
-      <p:sp>
-        <p:nvSpPr>
-          <p:cNvPr id="16" name="正方形/長方形 15"/>
+                <a:latin typeface="HGｺﾞｼｯｸE" panose="020B0909000000000000" pitchFamily="49" charset="-128"/>
+                <a:ea typeface="HGｺﾞｼｯｸE" panose="020B0909000000000000" pitchFamily="49" charset="-128"/>
+              </a:rPr>
+              <a:t>過去に得られた結果と今回得られた結果を比べて考察</a:t>
+            </a:r>
+          </a:p>
+        </p:txBody>
+      </p:sp>
+      <p:sp>
+        <p:nvSpPr>
+          <p:cNvPr id="32" name="角丸四角形 31"/>
           <p:cNvSpPr/>
           <p:nvPr/>
         </p:nvSpPr>
         <p:spPr>
           <a:xfrm>
-            <a:off x="14319730" y="8515251"/>
-            <a:ext cx="3456384" cy="1052244"/>
-          </a:xfrm>
-          <a:prstGeom prst="rect">
-            <a:avLst/>
-          </a:prstGeom>
-          <a:solidFill>
-            <a:schemeClr val="accent1">
-              <a:lumMod val="20000"/>
-              <a:lumOff val="80000"/>
-            </a:schemeClr>
-          </a:solidFill>
-          <a:ln>
-            <a:solidFill>
-              <a:schemeClr val="tx1"/>
-            </a:solidFill>
-          </a:ln>
-        </p:spPr>
-        <p:style>
-          <a:lnRef idx="2">
-            <a:schemeClr val="accent1">
-              <a:shade val="50000"/>
-            </a:schemeClr>
-          </a:lnRef>
-          <a:fillRef idx="1">
-            <a:schemeClr val="accent1"/>
-          </a:fillRef>
-          <a:effectRef idx="0">
-            <a:schemeClr val="accent1"/>
-          </a:effectRef>
-          <a:fontRef idx="minor">
-            <a:schemeClr val="lt1"/>
-          </a:fontRef>
-        </p:style>
-        <p:txBody>
-          <a:bodyPr rtlCol="0" anchor="ctr"/>
-          <a:lstStyle/>
-          <a:p>
-            <a:pPr algn="ctr"/>
-            <a:r>
-              <a:rPr kumimoji="1" lang="en-US" altLang="ja-JP" sz="6600" dirty="0" smtClean="0">
-                <a:solidFill>
-                  <a:schemeClr val="tx1"/>
-                </a:solidFill>
-              </a:rPr>
-              <a:t>OSS</a:t>
-            </a:r>
-            <a:r>
-              <a:rPr kumimoji="1" lang="ja-JP" altLang="en-US" sz="6600" dirty="0" smtClean="0">
-                <a:solidFill>
-                  <a:schemeClr val="tx1"/>
-                </a:solidFill>
-              </a:rPr>
-              <a:t>開発</a:t>
-            </a:r>
-            <a:endParaRPr kumimoji="1" lang="ja-JP" altLang="en-US" sz="6600" dirty="0">
-              <a:solidFill>
-                <a:schemeClr val="tx1"/>
-              </a:solidFill>
-            </a:endParaRPr>
-          </a:p>
-        </p:txBody>
-      </p:sp>
-      <p:sp>
-        <p:nvSpPr>
-          <p:cNvPr id="18" name="正方形/長方形 17"/>
-          <p:cNvSpPr/>
-          <p:nvPr/>
-        </p:nvSpPr>
-        <p:spPr>
-          <a:xfrm>
-            <a:off x="972320" y="14059867"/>
-            <a:ext cx="8640960" cy="1754326"/>
-          </a:xfrm>
-          <a:prstGeom prst="rect">
-            <a:avLst/>
-          </a:prstGeom>
-          <a:noFill/>
-        </p:spPr>
-        <p:txBody>
-          <a:bodyPr wrap="square" lIns="91440" tIns="45720" rIns="91440" bIns="45720">
-            <a:spAutoFit/>
-          </a:bodyPr>
-          <a:lstStyle/>
-          <a:p>
-            <a:pPr algn="ctr" defTabSz="1658716"/>
-            <a:r>
-              <a:rPr lang="ja-JP" altLang="en-US" sz="5400" b="1" smtClean="0">
-                <a:ln w="19050">
-                  <a:solidFill>
-                    <a:srgbClr val="4F271C">
-                      <a:tint val="1000"/>
-                    </a:srgbClr>
-                  </a:solidFill>
-                  <a:prstDash val="solid"/>
-                </a:ln>
-                <a:solidFill>
-                  <a:srgbClr val="C32D2E"/>
-                </a:solidFill>
-                <a:effectLst>
-                  <a:outerShdw blurRad="50000" dist="50800" dir="7500000" algn="tl">
-                    <a:srgbClr val="000000">
-                      <a:shade val="5000"/>
-                      <a:alpha val="35000"/>
-                    </a:srgbClr>
-                  </a:outerShdw>
-                </a:effectLst>
-                <a:latin typeface="Gill Sans MT"/>
-                <a:ea typeface="HGｺﾞｼｯｸE"/>
-              </a:rPr>
-              <a:t>それぞれ</a:t>
-            </a:r>
-            <a:r>
-              <a:rPr lang="en-US" altLang="ja-JP" sz="5400" b="1" smtClean="0">
-                <a:ln w="19050">
-                  <a:solidFill>
-                    <a:srgbClr val="4F271C">
-                      <a:tint val="1000"/>
-                    </a:srgbClr>
-                  </a:solidFill>
-                  <a:prstDash val="solid"/>
-                </a:ln>
-                <a:solidFill>
-                  <a:srgbClr val="C32D2E"/>
-                </a:solidFill>
-                <a:effectLst>
-                  <a:outerShdw blurRad="50000" dist="50800" dir="7500000" algn="tl">
-                    <a:srgbClr val="000000">
-                      <a:shade val="5000"/>
-                      <a:alpha val="35000"/>
-                    </a:srgbClr>
-                  </a:outerShdw>
-                </a:effectLst>
-                <a:latin typeface="Gill Sans MT"/>
-                <a:ea typeface="HGｺﾞｼｯｸE"/>
-              </a:rPr>
-              <a:t>3</a:t>
-            </a:r>
-            <a:r>
-              <a:rPr lang="ja-JP" altLang="en-US" sz="5400" b="1" dirty="0" err="1" smtClean="0">
-                <a:ln w="19050">
-                  <a:solidFill>
-                    <a:srgbClr val="4F271C">
-                      <a:tint val="1000"/>
-                    </a:srgbClr>
-                  </a:solidFill>
-                  <a:prstDash val="solid"/>
-                </a:ln>
-                <a:solidFill>
-                  <a:srgbClr val="C32D2E"/>
-                </a:solidFill>
-                <a:effectLst>
-                  <a:outerShdw blurRad="50000" dist="50800" dir="7500000" algn="tl">
-                    <a:srgbClr val="000000">
-                      <a:shade val="5000"/>
-                      <a:alpha val="35000"/>
-                    </a:srgbClr>
-                  </a:outerShdw>
-                </a:effectLst>
-                <a:latin typeface="Gill Sans MT"/>
-                <a:ea typeface="HGｺﾞｼｯｸE"/>
-              </a:rPr>
-              <a:t>つの</a:t>
-            </a:r>
-            <a:r>
-              <a:rPr lang="ja-JP" altLang="en-US" sz="5400" b="1" dirty="0" smtClean="0">
-                <a:ln w="19050">
-                  <a:solidFill>
-                    <a:srgbClr val="4F271C">
-                      <a:tint val="1000"/>
-                    </a:srgbClr>
-                  </a:solidFill>
-                  <a:prstDash val="solid"/>
-                </a:ln>
-                <a:solidFill>
-                  <a:srgbClr val="C32D2E"/>
-                </a:solidFill>
-                <a:effectLst>
-                  <a:outerShdw blurRad="50000" dist="50800" dir="7500000" algn="tl">
-                    <a:srgbClr val="000000">
-                      <a:shade val="5000"/>
-                      <a:alpha val="35000"/>
-                    </a:srgbClr>
-                  </a:outerShdw>
-                </a:effectLst>
-                <a:latin typeface="Gill Sans MT"/>
-                <a:ea typeface="HGｺﾞｼｯｸE"/>
-              </a:rPr>
-              <a:t>成績を重視したことで成功を収めた</a:t>
-            </a:r>
-            <a:endParaRPr lang="ja-JP" altLang="en-US" sz="5400" b="1" dirty="0">
-              <a:ln w="19050">
-                <a:solidFill>
-                  <a:srgbClr val="4F271C">
-                    <a:tint val="1000"/>
-                  </a:srgbClr>
-                </a:solidFill>
-                <a:prstDash val="solid"/>
-              </a:ln>
-              <a:solidFill>
-                <a:srgbClr val="C32D2E"/>
-              </a:solidFill>
-              <a:effectLst>
-                <a:outerShdw blurRad="50000" dist="50800" dir="7500000" algn="tl">
-                  <a:srgbClr val="000000">
-                    <a:shade val="5000"/>
-                    <a:alpha val="35000"/>
-                  </a:srgbClr>
-                </a:outerShdw>
-              </a:effectLst>
-              <a:latin typeface="Gill Sans MT"/>
-              <a:ea typeface="HGｺﾞｼｯｸE"/>
-            </a:endParaRPr>
-          </a:p>
-        </p:txBody>
-      </p:sp>
-      <p:sp>
-        <p:nvSpPr>
-          <p:cNvPr id="19" name="正方形/長方形 18"/>
-          <p:cNvSpPr/>
-          <p:nvPr/>
-        </p:nvSpPr>
-        <p:spPr>
-          <a:xfrm>
-            <a:off x="11197456" y="14083168"/>
-            <a:ext cx="9793088" cy="1754326"/>
-          </a:xfrm>
-          <a:prstGeom prst="rect">
-            <a:avLst/>
-          </a:prstGeom>
-          <a:noFill/>
-        </p:spPr>
-        <p:txBody>
-          <a:bodyPr wrap="square" lIns="91440" tIns="45720" rIns="91440" bIns="45720">
-            <a:spAutoFit/>
-          </a:bodyPr>
-          <a:lstStyle/>
-          <a:p>
-            <a:pPr algn="ctr" defTabSz="1658716"/>
-            <a:r>
-              <a:rPr lang="ja-JP" altLang="en-US" sz="5400" b="1" dirty="0">
-                <a:ln w="19050">
-                  <a:solidFill>
-                    <a:srgbClr val="4F271C">
-                      <a:tint val="1000"/>
-                    </a:srgbClr>
-                  </a:solidFill>
-                  <a:prstDash val="solid"/>
-                </a:ln>
-                <a:solidFill>
-                  <a:srgbClr val="C32D2E"/>
-                </a:solidFill>
-                <a:effectLst>
-                  <a:outerShdw blurRad="50000" dist="50800" dir="7500000" algn="tl">
-                    <a:srgbClr val="000000">
-                      <a:shade val="5000"/>
-                      <a:alpha val="35000"/>
-                    </a:srgbClr>
-                  </a:outerShdw>
-                </a:effectLst>
-                <a:latin typeface="Gill Sans MT"/>
-                <a:ea typeface="HGｺﾞｼｯｸE"/>
-              </a:rPr>
-              <a:t>統計的</a:t>
-            </a:r>
-            <a:r>
-              <a:rPr lang="ja-JP" altLang="en-US" sz="5400" b="1" dirty="0" smtClean="0">
-                <a:ln w="19050">
-                  <a:solidFill>
-                    <a:srgbClr val="4F271C">
-                      <a:tint val="1000"/>
-                    </a:srgbClr>
-                  </a:solidFill>
-                  <a:prstDash val="solid"/>
-                </a:ln>
-                <a:solidFill>
-                  <a:srgbClr val="C32D2E"/>
-                </a:solidFill>
-                <a:effectLst>
-                  <a:outerShdw blurRad="50000" dist="50800" dir="7500000" algn="tl">
-                    <a:srgbClr val="000000">
-                      <a:shade val="5000"/>
-                      <a:alpha val="35000"/>
-                    </a:srgbClr>
-                  </a:outerShdw>
-                </a:effectLst>
-                <a:latin typeface="Gill Sans MT"/>
-                <a:ea typeface="HGｺﾞｼｯｸE"/>
-              </a:rPr>
-              <a:t>に分析することでどのような変化をもたらせるのか</a:t>
-            </a:r>
-            <a:endParaRPr lang="ja-JP" altLang="en-US" sz="5400" b="1" dirty="0">
-              <a:ln w="19050">
-                <a:solidFill>
-                  <a:srgbClr val="4F271C">
-                    <a:tint val="1000"/>
-                  </a:srgbClr>
-                </a:solidFill>
-                <a:prstDash val="solid"/>
-              </a:ln>
-              <a:solidFill>
-                <a:srgbClr val="C32D2E"/>
-              </a:solidFill>
-              <a:effectLst>
-                <a:outerShdw blurRad="50000" dist="50800" dir="7500000" algn="tl">
-                  <a:srgbClr val="000000">
-                    <a:shade val="5000"/>
-                    <a:alpha val="35000"/>
-                  </a:srgbClr>
-                </a:outerShdw>
-              </a:effectLst>
-              <a:latin typeface="Gill Sans MT"/>
-              <a:ea typeface="HGｺﾞｼｯｸE"/>
-            </a:endParaRPr>
-          </a:p>
-        </p:txBody>
-      </p:sp>
-      <p:sp>
-        <p:nvSpPr>
-          <p:cNvPr id="20" name="円/楕円 19"/>
-          <p:cNvSpPr/>
-          <p:nvPr/>
-        </p:nvSpPr>
-        <p:spPr>
-          <a:xfrm>
-            <a:off x="396256" y="16220107"/>
-            <a:ext cx="4464496" cy="2376264"/>
-          </a:xfrm>
-          <a:prstGeom prst="ellipse">
-            <a:avLst/>
-          </a:prstGeom>
-          <a:noFill/>
-          <a:ln>
-            <a:solidFill>
-              <a:schemeClr val="tx1"/>
-            </a:solidFill>
-          </a:ln>
-        </p:spPr>
-        <p:style>
-          <a:lnRef idx="2">
-            <a:schemeClr val="accent1">
-              <a:shade val="50000"/>
-            </a:schemeClr>
-          </a:lnRef>
-          <a:fillRef idx="1">
-            <a:schemeClr val="accent1"/>
-          </a:fillRef>
-          <a:effectRef idx="0">
-            <a:schemeClr val="accent1"/>
-          </a:effectRef>
-          <a:fontRef idx="minor">
-            <a:schemeClr val="lt1"/>
-          </a:fontRef>
-        </p:style>
-        <p:txBody>
-          <a:bodyPr rtlCol="0" anchor="ctr"/>
-          <a:lstStyle/>
-          <a:p>
-            <a:pPr algn="ctr"/>
-            <a:r>
-              <a:rPr lang="ja-JP" altLang="en-US" sz="5400" b="1" dirty="0">
-                <a:solidFill>
-                  <a:schemeClr val="tx1"/>
-                </a:solidFill>
-                <a:effectLst>
-                  <a:outerShdw blurRad="38100" dist="38100" dir="2700000" algn="tl">
-                    <a:srgbClr val="000000">
-                      <a:alpha val="43137"/>
-                    </a:srgbClr>
-                  </a:outerShdw>
-                </a:effectLst>
-              </a:rPr>
-              <a:t>目的</a:t>
-            </a:r>
-            <a:endParaRPr kumimoji="1" lang="ja-JP" altLang="en-US" sz="5400" b="1" dirty="0">
-              <a:solidFill>
-                <a:schemeClr val="tx1"/>
-              </a:solidFill>
-              <a:effectLst>
-                <a:outerShdw blurRad="38100" dist="38100" dir="2700000" algn="tl">
-                  <a:srgbClr val="000000">
-                    <a:alpha val="43137"/>
-                  </a:srgbClr>
-                </a:outerShdw>
-              </a:effectLst>
-            </a:endParaRPr>
-          </a:p>
-        </p:txBody>
-      </p:sp>
-      <p:sp>
-        <p:nvSpPr>
-          <p:cNvPr id="22" name="角丸四角形 21"/>
-          <p:cNvSpPr/>
-          <p:nvPr/>
-        </p:nvSpPr>
-        <p:spPr>
-          <a:xfrm>
-            <a:off x="558762" y="24861067"/>
-            <a:ext cx="9446013" cy="4986860"/>
+            <a:off x="11049183" y="18563102"/>
+            <a:ext cx="9446013" cy="2841581"/>
           </a:xfrm>
           <a:prstGeom prst="roundRect">
             <a:avLst/>
@@ -4791,6 +5007,8 @@
                 <a:solidFill>
                   <a:schemeClr val="tx1"/>
                 </a:solidFill>
+                <a:latin typeface="Century" panose="02040604050505020304" pitchFamily="18" charset="0"/>
+                <a:ea typeface="HGｺﾞｼｯｸE" panose="020B0909000000000000" pitchFamily="49" charset="-128"/>
               </a:rPr>
               <a:t>GitHub</a:t>
             </a:r>
@@ -4799,30 +5017,68 @@
                 <a:solidFill>
                   <a:schemeClr val="tx1"/>
                 </a:solidFill>
-              </a:rPr>
-              <a:t>上で行われているプロジェクトの個人の活動ログを</a:t>
-            </a:r>
-            <a:r>
-              <a:rPr lang="en-US" altLang="ja-JP" sz="4400" b="1" dirty="0">
+                <a:latin typeface="HGｺﾞｼｯｸE" panose="020B0909000000000000" pitchFamily="49" charset="-128"/>
+                <a:ea typeface="HGｺﾞｼｯｸE" panose="020B0909000000000000" pitchFamily="49" charset="-128"/>
+              </a:rPr>
+              <a:t>上で行われて</a:t>
+            </a:r>
+            <a:r>
+              <a:rPr lang="ja-JP" altLang="en-US" sz="4400" b="1" dirty="0" smtClean="0">
                 <a:solidFill>
                   <a:schemeClr val="tx1"/>
                 </a:solidFill>
-              </a:rPr>
-              <a:t>GitHub</a:t>
+                <a:latin typeface="HGｺﾞｼｯｸE" panose="020B0909000000000000" pitchFamily="49" charset="-128"/>
+                <a:ea typeface="HGｺﾞｼｯｸE" panose="020B0909000000000000" pitchFamily="49" charset="-128"/>
+              </a:rPr>
+              <a:t>いる</a:t>
+            </a:r>
+            <a:r>
+              <a:rPr lang="en-US" altLang="ja-JP" sz="4400" b="1" dirty="0" smtClean="0">
+                <a:solidFill>
+                  <a:schemeClr val="tx1"/>
+                </a:solidFill>
+                <a:latin typeface="Century" panose="02040604050505020304" pitchFamily="18" charset="0"/>
+                <a:ea typeface="HGｺﾞｼｯｸE" panose="020B0909000000000000" pitchFamily="49" charset="-128"/>
+              </a:rPr>
+              <a:t>OSS</a:t>
+            </a:r>
+            <a:r>
+              <a:rPr lang="ja-JP" altLang="en-US" sz="4400" b="1" dirty="0" smtClean="0">
+                <a:solidFill>
+                  <a:schemeClr val="tx1"/>
+                </a:solidFill>
+                <a:latin typeface="HGｺﾞｼｯｸE" panose="020B0909000000000000" pitchFamily="49" charset="-128"/>
+                <a:ea typeface="HGｺﾞｼｯｸE" panose="020B0909000000000000" pitchFamily="49" charset="-128"/>
+              </a:rPr>
+              <a:t>開発プロジェクト</a:t>
             </a:r>
             <a:r>
               <a:rPr lang="ja-JP" altLang="en-US" sz="4400" b="1" dirty="0">
                 <a:solidFill>
                   <a:schemeClr val="tx1"/>
                 </a:solidFill>
-              </a:rPr>
-              <a:t>の</a:t>
-            </a:r>
-            <a:r>
-              <a:rPr lang="en-US" altLang="ja-JP" sz="4400" b="1" dirty="0">
+                <a:latin typeface="HGｺﾞｼｯｸE" panose="020B0909000000000000" pitchFamily="49" charset="-128"/>
+                <a:ea typeface="HGｺﾞｼｯｸE" panose="020B0909000000000000" pitchFamily="49" charset="-128"/>
+              </a:rPr>
+              <a:t>の個人の活動ログ</a:t>
+            </a:r>
+            <a:r>
+              <a:rPr lang="ja-JP" altLang="en-US" sz="4400" b="1" dirty="0" smtClean="0">
                 <a:solidFill>
                   <a:schemeClr val="tx1"/>
                 </a:solidFill>
+                <a:latin typeface="HGｺﾞｼｯｸE" panose="020B0909000000000000" pitchFamily="49" charset="-128"/>
+                <a:ea typeface="HGｺﾞｼｯｸE" panose="020B0909000000000000" pitchFamily="49" charset="-128"/>
+              </a:rPr>
+              <a:t>を</a:t>
+            </a:r>
+            <a:r>
+              <a:rPr lang="en-US" altLang="ja-JP" sz="4400" b="1" dirty="0" smtClean="0">
+                <a:solidFill>
+                  <a:schemeClr val="tx1"/>
+                </a:solidFill>
+                <a:latin typeface="Century" panose="02040604050505020304" pitchFamily="18" charset="0"/>
+                <a:ea typeface="HGｺﾞｼｯｸE" panose="020B0909000000000000" pitchFamily="49" charset="-128"/>
               </a:rPr>
               <a:t>API</a:t>
             </a:r>
@@ -4831,6 +5087,8 @@
                 <a:solidFill>
                   <a:schemeClr val="tx1"/>
                 </a:solidFill>
+                <a:latin typeface="HGｺﾞｼｯｸE" panose="020B0909000000000000" pitchFamily="49" charset="-128"/>
+                <a:ea typeface="HGｺﾞｼｯｸE" panose="020B0909000000000000" pitchFamily="49" charset="-128"/>
               </a:rPr>
               <a:t>を利用し調査している</a:t>
             </a:r>
@@ -4838,26 +5096,28 @@
               <a:solidFill>
                 <a:schemeClr val="tx1"/>
               </a:solidFill>
+              <a:latin typeface="HGｺﾞｼｯｸE" panose="020B0909000000000000" pitchFamily="49" charset="-128"/>
+              <a:ea typeface="HGｺﾞｼｯｸE" panose="020B0909000000000000" pitchFamily="49" charset="-128"/>
             </a:endParaRPr>
           </a:p>
         </p:txBody>
       </p:sp>
       <p:sp>
         <p:nvSpPr>
-          <p:cNvPr id="24" name="円/楕円 23"/>
+          <p:cNvPr id="33" name="正方形/長方形 32"/>
           <p:cNvSpPr/>
           <p:nvPr/>
         </p:nvSpPr>
         <p:spPr>
           <a:xfrm>
-            <a:off x="558762" y="22124763"/>
-            <a:ext cx="4464496" cy="2376264"/>
+            <a:off x="11049183" y="16161300"/>
+            <a:ext cx="3897067" cy="1872208"/>
           </a:xfrm>
-          <a:prstGeom prst="ellipse">
+          <a:prstGeom prst="rect">
             <a:avLst/>
           </a:prstGeom>
           <a:noFill/>
-          <a:ln>
+          <a:ln w="31750">
             <a:solidFill>
               <a:schemeClr val="tx1"/>
             </a:solidFill>
@@ -4885,9 +5145,11 @@
           <a:p>
             <a:pPr algn="ctr"/>
             <a:r>
-              <a:rPr lang="ja-JP" altLang="en-US" sz="5400" b="1" dirty="0">
-                <a:solidFill>
-                  <a:schemeClr val="tx1"/>
+              <a:rPr lang="ja-JP" altLang="en-US" sz="6000" b="1" dirty="0" smtClean="0">
+                <a:solidFill>
+                  <a:schemeClr val="bg2">
+                    <a:lumMod val="10000"/>
+                  </a:schemeClr>
                 </a:solidFill>
                 <a:effectLst>
                   <a:outerShdw blurRad="38100" dist="38100" dir="2700000" algn="tl">
@@ -4899,9 +5161,11 @@
               </a:rPr>
               <a:t>進捗状況</a:t>
             </a:r>
-            <a:endParaRPr kumimoji="1" lang="ja-JP" altLang="en-US" sz="5400" b="1" dirty="0">
+            <a:endParaRPr lang="ja-JP" altLang="en-US" sz="6000" b="1" dirty="0">
               <a:solidFill>
-                <a:schemeClr val="tx1"/>
+                <a:schemeClr val="bg2">
+                  <a:lumMod val="10000"/>
+                </a:schemeClr>
               </a:solidFill>
               <a:effectLst>
                 <a:outerShdw blurRad="38100" dist="38100" dir="2700000" algn="tl">
@@ -4914,211 +5178,23 @@
           </a:p>
         </p:txBody>
       </p:sp>
-      <p:sp>
-        <p:nvSpPr>
-          <p:cNvPr id="25" name="角丸四角形 24"/>
-          <p:cNvSpPr/>
-          <p:nvPr/>
-        </p:nvSpPr>
-        <p:spPr>
-          <a:xfrm>
-            <a:off x="1628776" y="19108811"/>
-            <a:ext cx="18892026" cy="2520280"/>
-          </a:xfrm>
-          <a:prstGeom prst="roundRect">
-            <a:avLst/>
-          </a:prstGeom>
-          <a:noFill/>
-          <a:ln>
-            <a:solidFill>
-              <a:schemeClr val="tx1"/>
-            </a:solidFill>
-          </a:ln>
-        </p:spPr>
-        <p:style>
-          <a:lnRef idx="2">
-            <a:schemeClr val="accent1">
-              <a:shade val="50000"/>
-            </a:schemeClr>
-          </a:lnRef>
-          <a:fillRef idx="1">
-            <a:schemeClr val="accent1"/>
-          </a:fillRef>
-          <a:effectRef idx="0">
-            <a:schemeClr val="accent1"/>
-          </a:effectRef>
-          <a:fontRef idx="minor">
-            <a:schemeClr val="lt1"/>
-          </a:fontRef>
-        </p:style>
-        <p:txBody>
-          <a:bodyPr rtlCol="0" anchor="ctr"/>
-          <a:lstStyle/>
-          <a:p>
-            <a:pPr algn="ctr"/>
-            <a:r>
-              <a:rPr lang="en-US" altLang="ja-JP" sz="4400" b="1" dirty="0" smtClean="0">
-                <a:solidFill>
-                  <a:schemeClr val="tx1"/>
-                </a:solidFill>
-              </a:rPr>
-              <a:t>OSS</a:t>
-            </a:r>
-            <a:r>
-              <a:rPr lang="ja-JP" altLang="en-US" sz="4400" b="1" dirty="0">
-                <a:solidFill>
-                  <a:schemeClr val="tx1"/>
-                </a:solidFill>
-              </a:rPr>
-              <a:t>開発のプロジェクトが多く行われている</a:t>
-            </a:r>
-            <a:r>
-              <a:rPr lang="en-US" altLang="ja-JP" sz="4400" b="1" dirty="0">
-                <a:solidFill>
-                  <a:schemeClr val="tx1"/>
-                </a:solidFill>
-              </a:rPr>
-              <a:t>GitHub</a:t>
-            </a:r>
-            <a:r>
-              <a:rPr lang="ja-JP" altLang="en-US" sz="4400" b="1" dirty="0">
-                <a:solidFill>
-                  <a:schemeClr val="tx1"/>
-                </a:solidFill>
-              </a:rPr>
-              <a:t>を</a:t>
-            </a:r>
-            <a:r>
-              <a:rPr lang="ja-JP" altLang="en-US" sz="4400" b="1" dirty="0" smtClean="0">
-                <a:solidFill>
-                  <a:schemeClr val="tx1"/>
-                </a:solidFill>
-              </a:rPr>
-              <a:t>用いて，</a:t>
-            </a:r>
-            <a:endParaRPr lang="en-US" altLang="ja-JP" sz="4400" b="1" dirty="0" smtClean="0">
-              <a:solidFill>
-                <a:schemeClr val="tx1"/>
-              </a:solidFill>
-            </a:endParaRPr>
-          </a:p>
-          <a:p>
-            <a:pPr algn="ctr"/>
-            <a:r>
-              <a:rPr lang="ja-JP" altLang="en-US" sz="4400" b="1" dirty="0" smtClean="0">
-                <a:solidFill>
-                  <a:schemeClr val="tx1"/>
-                </a:solidFill>
-              </a:rPr>
-              <a:t>活動</a:t>
-            </a:r>
-            <a:r>
-              <a:rPr lang="ja-JP" altLang="en-US" sz="4400" b="1" dirty="0">
-                <a:solidFill>
-                  <a:schemeClr val="tx1"/>
-                </a:solidFill>
-              </a:rPr>
-              <a:t>ログを統計解析手法で分析する</a:t>
-            </a:r>
-          </a:p>
-          <a:p>
-            <a:endParaRPr kumimoji="1" lang="ja-JP" altLang="en-US" sz="3600" b="1" dirty="0">
-              <a:solidFill>
-                <a:srgbClr val="FF0000"/>
-              </a:solidFill>
-            </a:endParaRPr>
-          </a:p>
-        </p:txBody>
-      </p:sp>
-      <p:sp>
-        <p:nvSpPr>
-          <p:cNvPr id="26" name="円/楕円 25"/>
-          <p:cNvSpPr/>
-          <p:nvPr/>
-        </p:nvSpPr>
-        <p:spPr>
-          <a:xfrm>
-            <a:off x="10795058" y="22124763"/>
-            <a:ext cx="4464496" cy="2376264"/>
-          </a:xfrm>
-          <a:prstGeom prst="ellipse">
-            <a:avLst/>
-          </a:prstGeom>
-          <a:noFill/>
-          <a:ln>
-            <a:solidFill>
-              <a:schemeClr val="tx1"/>
-            </a:solidFill>
-          </a:ln>
-        </p:spPr>
-        <p:style>
-          <a:lnRef idx="2">
-            <a:schemeClr val="accent1">
-              <a:shade val="50000"/>
-            </a:schemeClr>
-          </a:lnRef>
-          <a:fillRef idx="1">
-            <a:schemeClr val="accent1"/>
-          </a:fillRef>
-          <a:effectRef idx="0">
-            <a:schemeClr val="accent1"/>
-          </a:effectRef>
-          <a:fontRef idx="minor">
-            <a:schemeClr val="lt1"/>
-          </a:fontRef>
-        </p:style>
-        <p:txBody>
-          <a:bodyPr rtlCol="0" anchor="ctr"/>
-          <a:lstStyle/>
-          <a:p>
-            <a:pPr algn="ctr"/>
-            <a:r>
-              <a:rPr lang="ja-JP" altLang="en-US" sz="4400" b="1" dirty="0">
-                <a:solidFill>
-                  <a:schemeClr val="tx1"/>
-                </a:solidFill>
-                <a:effectLst>
-                  <a:outerShdw blurRad="38100" dist="38100" dir="2700000" algn="tl">
-                    <a:srgbClr val="000000">
-                      <a:alpha val="43137"/>
-                    </a:srgbClr>
-                  </a:outerShdw>
-                </a:effectLst>
-              </a:rPr>
-              <a:t>今後の計画</a:t>
-            </a:r>
-            <a:endParaRPr kumimoji="1" lang="ja-JP" altLang="en-US" sz="4400" b="1" dirty="0">
-              <a:solidFill>
-                <a:schemeClr val="tx1"/>
-              </a:solidFill>
-              <a:effectLst>
-                <a:outerShdw blurRad="38100" dist="38100" dir="2700000" algn="tl">
-                  <a:srgbClr val="000000">
-                    <a:alpha val="43137"/>
-                  </a:srgbClr>
-                </a:outerShdw>
-              </a:effectLst>
-            </a:endParaRPr>
-          </a:p>
-        </p:txBody>
-      </p:sp>
       <p:graphicFrame>
         <p:nvGraphicFramePr>
-          <p:cNvPr id="28" name="表 27"/>
+          <p:cNvPr id="34" name="表 33"/>
           <p:cNvGraphicFramePr>
             <a:graphicFrameLocks noGrp="1"/>
           </p:cNvGraphicFramePr>
           <p:nvPr>
             <p:extLst>
               <p:ext uri="{D42A27DB-BD31-4B8C-83A1-F6EECF244321}">
-                <p14:modId xmlns:p14="http://schemas.microsoft.com/office/powerpoint/2010/main" val="3314065682"/>
+                <p14:modId xmlns:p14="http://schemas.microsoft.com/office/powerpoint/2010/main" val="2072102004"/>
               </p:ext>
             </p:extLst>
           </p:nvPr>
         </p:nvGraphicFramePr>
         <p:xfrm>
-          <a:off x="10621392" y="24789059"/>
-          <a:ext cx="10516028" cy="5075892"/>
+          <a:off x="10974315" y="24429019"/>
+          <a:ext cx="10088237" cy="5435932"/>
         </p:xfrm>
         <a:graphic>
           <a:graphicData uri="http://schemas.openxmlformats.org/drawingml/2006/table">
@@ -5127,10 +5203,10 @@
                 <a:tableStyleId>{5C22544A-7EE6-4342-B048-85BDC9FD1C3A}</a:tableStyleId>
               </a:tblPr>
               <a:tblGrid>
-                <a:gridCol w="2084375"/>
-                <a:gridCol w="8431653"/>
+                <a:gridCol w="1999583"/>
+                <a:gridCol w="8088654"/>
               </a:tblGrid>
-              <a:tr h="1031564">
+              <a:tr h="1104734">
                 <a:tc>
                   <a:txBody>
                     <a:bodyPr/>
@@ -5162,7 +5238,7 @@
                   <a:tcPr anchor="ctr"/>
                 </a:tc>
               </a:tr>
-              <a:tr h="1031564">
+              <a:tr h="1104734">
                 <a:tc>
                   <a:txBody>
                     <a:bodyPr/>
@@ -5198,7 +5274,7 @@
                   <a:tcPr anchor="ctr"/>
                 </a:tc>
               </a:tr>
-              <a:tr h="1031564">
+              <a:tr h="1142470">
                 <a:tc>
                   <a:txBody>
                     <a:bodyPr/>
@@ -5242,7 +5318,7 @@
                   <a:tcPr anchor="ctr"/>
                 </a:tc>
               </a:tr>
-              <a:tr h="1031564">
+              <a:tr h="1104734">
                 <a:tc>
                   <a:txBody>
                     <a:bodyPr/>
@@ -5278,7 +5354,7 @@
                   <a:tcPr anchor="ctr"/>
                 </a:tc>
               </a:tr>
-              <a:tr h="122216">
+              <a:tr h="979260">
                 <a:tc>
                   <a:txBody>
                     <a:bodyPr/>
@@ -5318,16 +5394,92 @@
           </a:graphicData>
         </a:graphic>
       </p:graphicFrame>
+      <p:sp>
+        <p:nvSpPr>
+          <p:cNvPr id="35" name="正方形/長方形 34"/>
+          <p:cNvSpPr/>
+          <p:nvPr/>
+        </p:nvSpPr>
+        <p:spPr>
+          <a:xfrm>
+            <a:off x="11049182" y="22004769"/>
+            <a:ext cx="4610141" cy="1872208"/>
+          </a:xfrm>
+          <a:prstGeom prst="rect">
+            <a:avLst/>
+          </a:prstGeom>
+          <a:noFill/>
+          <a:ln w="31750">
+            <a:solidFill>
+              <a:schemeClr val="tx1"/>
+            </a:solidFill>
+          </a:ln>
+        </p:spPr>
+        <p:style>
+          <a:lnRef idx="2">
+            <a:schemeClr val="accent1">
+              <a:shade val="50000"/>
+            </a:schemeClr>
+          </a:lnRef>
+          <a:fillRef idx="1">
+            <a:schemeClr val="accent1"/>
+          </a:fillRef>
+          <a:effectRef idx="0">
+            <a:schemeClr val="accent1"/>
+          </a:effectRef>
+          <a:fontRef idx="minor">
+            <a:schemeClr val="lt1"/>
+          </a:fontRef>
+        </p:style>
+        <p:txBody>
+          <a:bodyPr rtlCol="0" anchor="ctr"/>
+          <a:lstStyle/>
+          <a:p>
+            <a:pPr algn="ctr"/>
+            <a:r>
+              <a:rPr lang="ja-JP" altLang="en-US" sz="6000" b="1" dirty="0" smtClean="0">
+                <a:solidFill>
+                  <a:schemeClr val="bg2">
+                    <a:lumMod val="10000"/>
+                  </a:schemeClr>
+                </a:solidFill>
+                <a:effectLst>
+                  <a:outerShdw blurRad="38100" dist="38100" dir="2700000" algn="tl">
+                    <a:srgbClr val="000000">
+                      <a:alpha val="43137"/>
+                    </a:srgbClr>
+                  </a:outerShdw>
+                </a:effectLst>
+              </a:rPr>
+              <a:t>今後の計画</a:t>
+            </a:r>
+            <a:endParaRPr lang="ja-JP" altLang="en-US" sz="6000" b="1" dirty="0">
+              <a:solidFill>
+                <a:schemeClr val="bg2">
+                  <a:lumMod val="10000"/>
+                </a:schemeClr>
+              </a:solidFill>
+              <a:effectLst>
+                <a:outerShdw blurRad="38100" dist="38100" dir="2700000" algn="tl">
+                  <a:srgbClr val="000000">
+                    <a:alpha val="43137"/>
+                  </a:srgbClr>
+                </a:outerShdw>
+              </a:effectLst>
+            </a:endParaRPr>
+          </a:p>
+        </p:txBody>
+      </p:sp>
       <p:pic>
         <p:nvPicPr>
-          <p:cNvPr id="1026" name="Picture 2"/>
+          <p:cNvPr id="24" name="Picture 3"/>
           <p:cNvPicPr>
             <a:picLocks noChangeAspect="1" noChangeArrowheads="1"/>
           </p:cNvPicPr>
           <p:nvPr/>
         </p:nvPicPr>
         <p:blipFill>
-          <a:blip r:embed="rId2">
+          <a:blip r:embed="rId4">
             <a:extLst>
               <a:ext uri="{28A0092B-C50C-407E-A947-70E740481C1C}">
                 <a14:useLocalDpi xmlns:a14="http://schemas.microsoft.com/office/drawing/2010/main" val="0"/>
@@ -5341,8 +5493,8 @@
         </p:blipFill>
         <p:spPr bwMode="auto">
           <a:xfrm>
-            <a:off x="17727393" y="4873530"/>
-            <a:ext cx="2962275" cy="2755900"/>
+            <a:off x="19934549" y="938802"/>
+            <a:ext cx="1272019" cy="1282532"/>
           </a:xfrm>
           <a:prstGeom prst="rect">
             <a:avLst/>
@@ -5384,14 +5536,14 @@
       </p:pic>
       <p:pic>
         <p:nvPicPr>
-          <p:cNvPr id="1027" name="Picture 3"/>
+          <p:cNvPr id="30" name="Picture 3"/>
           <p:cNvPicPr>
             <a:picLocks noChangeAspect="1" noChangeArrowheads="1"/>
           </p:cNvPicPr>
           <p:nvPr/>
         </p:nvPicPr>
         <p:blipFill>
-          <a:blip r:embed="rId3">
+          <a:blip r:embed="rId4">
             <a:extLst>
               <a:ext uri="{28A0092B-C50C-407E-A947-70E740481C1C}">
                 <a14:useLocalDpi xmlns:a14="http://schemas.microsoft.com/office/drawing/2010/main" val="0"/>
@@ -5405,7 +5557,7 @@
         </p:blipFill>
         <p:spPr bwMode="auto">
           <a:xfrm>
-            <a:off x="19984226" y="427963"/>
+            <a:off x="120273" y="1069228"/>
             <a:ext cx="1272019" cy="1282532"/>
           </a:xfrm>
           <a:prstGeom prst="rect">
@@ -5449,7 +5601,7 @@
     </p:spTree>
     <p:extLst>
       <p:ext uri="{BB962C8B-B14F-4D97-AF65-F5344CB8AC3E}">
-        <p14:creationId xmlns:p14="http://schemas.microsoft.com/office/powerpoint/2010/main" val="1666097299"/>
+        <p14:creationId xmlns:p14="http://schemas.microsoft.com/office/powerpoint/2010/main" val="1572750926"/>
       </p:ext>
     </p:extLst>
   </p:cSld>

--- a/卒業論文/2013/丸山準人/卒論中間審査用ポスター.pptx
+++ b/卒業論文/2013/丸山準人/卒論中間審査用ポスター.pptx
@@ -288,7 +288,7 @@
           <a:p>
             <a:fld id="{4D7C5F46-0C4F-49B7-B018-34633777EF9A}" type="datetimeFigureOut">
               <a:rPr kumimoji="1" lang="ja-JP" altLang="en-US" smtClean="0"/>
-              <a:t>2014/10/15</a:t>
+              <a:t>2014/10/16</a:t>
             </a:fld>
             <a:endParaRPr kumimoji="1" lang="ja-JP" altLang="en-US" dirty="0"/>
           </a:p>
@@ -490,7 +490,7 @@
           <a:p>
             <a:fld id="{4D7C5F46-0C4F-49B7-B018-34633777EF9A}" type="datetimeFigureOut">
               <a:rPr kumimoji="1" lang="ja-JP" altLang="en-US" smtClean="0"/>
-              <a:t>2014/10/15</a:t>
+              <a:t>2014/10/16</a:t>
             </a:fld>
             <a:endParaRPr kumimoji="1" lang="ja-JP" altLang="en-US" dirty="0"/>
           </a:p>
@@ -702,7 +702,7 @@
           <a:p>
             <a:fld id="{4D7C5F46-0C4F-49B7-B018-34633777EF9A}" type="datetimeFigureOut">
               <a:rPr kumimoji="1" lang="ja-JP" altLang="en-US" smtClean="0"/>
-              <a:t>2014/10/15</a:t>
+              <a:t>2014/10/16</a:t>
             </a:fld>
             <a:endParaRPr kumimoji="1" lang="ja-JP" altLang="en-US" dirty="0"/>
           </a:p>
@@ -904,7 +904,7 @@
           <a:p>
             <a:fld id="{4D7C5F46-0C4F-49B7-B018-34633777EF9A}" type="datetimeFigureOut">
               <a:rPr kumimoji="1" lang="ja-JP" altLang="en-US" smtClean="0"/>
-              <a:t>2014/10/15</a:t>
+              <a:t>2014/10/16</a:t>
             </a:fld>
             <a:endParaRPr kumimoji="1" lang="ja-JP" altLang="en-US" dirty="0"/>
           </a:p>
@@ -1150,7 +1150,7 @@
           <a:p>
             <a:fld id="{4D7C5F46-0C4F-49B7-B018-34633777EF9A}" type="datetimeFigureOut">
               <a:rPr kumimoji="1" lang="ja-JP" altLang="en-US" smtClean="0"/>
-              <a:t>2014/10/15</a:t>
+              <a:t>2014/10/16</a:t>
             </a:fld>
             <a:endParaRPr kumimoji="1" lang="ja-JP" altLang="en-US" dirty="0"/>
           </a:p>
@@ -1502,7 +1502,7 @@
           <a:p>
             <a:fld id="{4D7C5F46-0C4F-49B7-B018-34633777EF9A}" type="datetimeFigureOut">
               <a:rPr kumimoji="1" lang="ja-JP" altLang="en-US" smtClean="0"/>
-              <a:t>2014/10/15</a:t>
+              <a:t>2014/10/16</a:t>
             </a:fld>
             <a:endParaRPr kumimoji="1" lang="ja-JP" altLang="en-US" dirty="0"/>
           </a:p>
@@ -1988,7 +1988,7 @@
           <a:p>
             <a:fld id="{4D7C5F46-0C4F-49B7-B018-34633777EF9A}" type="datetimeFigureOut">
               <a:rPr kumimoji="1" lang="ja-JP" altLang="en-US" smtClean="0"/>
-              <a:t>2014/10/15</a:t>
+              <a:t>2014/10/16</a:t>
             </a:fld>
             <a:endParaRPr kumimoji="1" lang="ja-JP" altLang="en-US" dirty="0"/>
           </a:p>
@@ -2106,7 +2106,7 @@
           <a:p>
             <a:fld id="{4D7C5F46-0C4F-49B7-B018-34633777EF9A}" type="datetimeFigureOut">
               <a:rPr kumimoji="1" lang="ja-JP" altLang="en-US" smtClean="0"/>
-              <a:t>2014/10/15</a:t>
+              <a:t>2014/10/16</a:t>
             </a:fld>
             <a:endParaRPr kumimoji="1" lang="ja-JP" altLang="en-US" dirty="0"/>
           </a:p>
@@ -2201,7 +2201,7 @@
           <a:p>
             <a:fld id="{4D7C5F46-0C4F-49B7-B018-34633777EF9A}" type="datetimeFigureOut">
               <a:rPr kumimoji="1" lang="ja-JP" altLang="en-US" smtClean="0"/>
-              <a:t>2014/10/15</a:t>
+              <a:t>2014/10/16</a:t>
             </a:fld>
             <a:endParaRPr kumimoji="1" lang="ja-JP" altLang="en-US" dirty="0"/>
           </a:p>
@@ -2510,7 +2510,7 @@
           <a:p>
             <a:fld id="{4D7C5F46-0C4F-49B7-B018-34633777EF9A}" type="datetimeFigureOut">
               <a:rPr kumimoji="1" lang="ja-JP" altLang="en-US" smtClean="0"/>
-              <a:t>2014/10/15</a:t>
+              <a:t>2014/10/16</a:t>
             </a:fld>
             <a:endParaRPr kumimoji="1" lang="ja-JP" altLang="en-US" dirty="0"/>
           </a:p>
@@ -2763,7 +2763,7 @@
           <a:p>
             <a:fld id="{4D7C5F46-0C4F-49B7-B018-34633777EF9A}" type="datetimeFigureOut">
               <a:rPr kumimoji="1" lang="ja-JP" altLang="en-US" smtClean="0"/>
-              <a:t>2014/10/15</a:t>
+              <a:t>2014/10/16</a:t>
             </a:fld>
             <a:endParaRPr kumimoji="1" lang="ja-JP" altLang="en-US" dirty="0"/>
           </a:p>
@@ -3008,7 +3008,7 @@
           <a:p>
             <a:fld id="{4D7C5F46-0C4F-49B7-B018-34633777EF9A}" type="datetimeFigureOut">
               <a:rPr kumimoji="1" lang="ja-JP" altLang="en-US" smtClean="0"/>
-              <a:t>2014/10/15</a:t>
+              <a:t>2014/10/16</a:t>
             </a:fld>
             <a:endParaRPr kumimoji="1" lang="ja-JP" altLang="en-US" dirty="0"/>
           </a:p>
@@ -3659,7 +3659,7 @@
                 <a:latin typeface="HGｺﾞｼｯｸE" panose="020B0909000000000000" pitchFamily="49" charset="-128"/>
                 <a:ea typeface="HGｺﾞｼｯｸE" panose="020B0909000000000000" pitchFamily="49" charset="-128"/>
               </a:rPr>
-              <a:t>回帰分析し，戦術の設定</a:t>
+              <a:t>回帰分析し，戦術を設定</a:t>
             </a:r>
             <a:endParaRPr lang="en-US" altLang="ja-JP" sz="3200" dirty="0">
               <a:solidFill>
@@ -4594,8 +4594,8 @@
         </p:nvSpPr>
         <p:spPr>
           <a:xfrm>
-            <a:off x="567558" y="16868179"/>
-            <a:ext cx="9616965" cy="4536504"/>
+            <a:off x="567557" y="16580147"/>
+            <a:ext cx="9616965" cy="4824536"/>
           </a:xfrm>
           <a:prstGeom prst="roundRect">
             <a:avLst/>
@@ -4627,6 +4627,10 @@
           <a:bodyPr rtlCol="0" anchor="ctr"/>
           <a:lstStyle/>
           <a:p>
+            <a:pPr marL="571500" indent="-571500">
+              <a:buFont typeface="Arial" panose="020B0604020202020204" pitchFamily="34" charset="0"/>
+              <a:buChar char="•"/>
+            </a:pPr>
             <a:r>
               <a:rPr lang="en-US" altLang="ja-JP" sz="4400" b="1" dirty="0">
                 <a:solidFill>
@@ -4675,7 +4679,47 @@
                 <a:latin typeface="HGｺﾞｼｯｸE" panose="020B0909000000000000" pitchFamily="49" charset="-128"/>
                 <a:ea typeface="HGｺﾞｼｯｸE" panose="020B0909000000000000" pitchFamily="49" charset="-128"/>
               </a:rPr>
-              <a:t>，</a:t>
+              <a:t>，活動</a:t>
+            </a:r>
+            <a:r>
+              <a:rPr lang="ja-JP" altLang="en-US" sz="4400" b="1" dirty="0">
+                <a:solidFill>
+                  <a:schemeClr val="tx1"/>
+                </a:solidFill>
+                <a:latin typeface="HGｺﾞｼｯｸE" panose="020B0909000000000000" pitchFamily="49" charset="-128"/>
+                <a:ea typeface="HGｺﾞｼｯｸE" panose="020B0909000000000000" pitchFamily="49" charset="-128"/>
+              </a:rPr>
+              <a:t>ログ</a:t>
+            </a:r>
+            <a:r>
+              <a:rPr lang="ja-JP" altLang="en-US" sz="4400" b="1" dirty="0" smtClean="0">
+                <a:solidFill>
+                  <a:schemeClr val="tx1"/>
+                </a:solidFill>
+                <a:latin typeface="HGｺﾞｼｯｸE" panose="020B0909000000000000" pitchFamily="49" charset="-128"/>
+                <a:ea typeface="HGｺﾞｼｯｸE" panose="020B0909000000000000" pitchFamily="49" charset="-128"/>
+              </a:rPr>
+              <a:t>を統計</a:t>
+            </a:r>
+            <a:r>
+              <a:rPr lang="ja-JP" altLang="en-US" sz="4400" b="1" dirty="0">
+                <a:solidFill>
+                  <a:schemeClr val="tx1"/>
+                </a:solidFill>
+                <a:latin typeface="HGｺﾞｼｯｸE" panose="020B0909000000000000" pitchFamily="49" charset="-128"/>
+                <a:ea typeface="HGｺﾞｼｯｸE" panose="020B0909000000000000" pitchFamily="49" charset="-128"/>
+              </a:rPr>
+              <a:t>解析手法で分析</a:t>
+            </a:r>
+            <a:r>
+              <a:rPr lang="ja-JP" altLang="en-US" sz="4400" b="1" dirty="0" smtClean="0">
+                <a:solidFill>
+                  <a:schemeClr val="tx1"/>
+                </a:solidFill>
+                <a:latin typeface="HGｺﾞｼｯｸE" panose="020B0909000000000000" pitchFamily="49" charset="-128"/>
+                <a:ea typeface="HGｺﾞｼｯｸE" panose="020B0909000000000000" pitchFamily="49" charset="-128"/>
+              </a:rPr>
+              <a:t>する</a:t>
             </a:r>
             <a:endParaRPr lang="en-US" altLang="ja-JP" sz="4400" b="1" dirty="0" smtClean="0">
               <a:solidFill>
@@ -4686,49 +4730,23 @@
             </a:endParaRPr>
           </a:p>
           <a:p>
-            <a:r>
-              <a:rPr lang="ja-JP" altLang="en-US" sz="4400" b="1" dirty="0" smtClean="0">
+            <a:pPr marL="571500" indent="-571500">
+              <a:buFont typeface="Arial" panose="020B0604020202020204" pitchFamily="34" charset="0"/>
+              <a:buChar char="•"/>
+            </a:pPr>
+            <a:r>
+              <a:rPr lang="ja-JP" altLang="en-US" sz="4400" b="1" dirty="0">
                 <a:solidFill>
                   <a:schemeClr val="tx1"/>
                 </a:solidFill>
                 <a:latin typeface="HGｺﾞｼｯｸE" panose="020B0909000000000000" pitchFamily="49" charset="-128"/>
                 <a:ea typeface="HGｺﾞｼｯｸE" panose="020B0909000000000000" pitchFamily="49" charset="-128"/>
               </a:rPr>
-              <a:t>活動</a:t>
-            </a:r>
-            <a:r>
-              <a:rPr lang="ja-JP" altLang="en-US" sz="4400" b="1" dirty="0">
-                <a:solidFill>
-                  <a:schemeClr val="tx1"/>
-                </a:solidFill>
-                <a:latin typeface="HGｺﾞｼｯｸE" panose="020B0909000000000000" pitchFamily="49" charset="-128"/>
-                <a:ea typeface="HGｺﾞｼｯｸE" panose="020B0909000000000000" pitchFamily="49" charset="-128"/>
-              </a:rPr>
-              <a:t>ログ</a:t>
-            </a:r>
-            <a:r>
-              <a:rPr lang="ja-JP" altLang="en-US" sz="4400" b="1" dirty="0" smtClean="0">
-                <a:solidFill>
-                  <a:schemeClr val="tx1"/>
-                </a:solidFill>
-                <a:latin typeface="HGｺﾞｼｯｸE" panose="020B0909000000000000" pitchFamily="49" charset="-128"/>
-                <a:ea typeface="HGｺﾞｼｯｸE" panose="020B0909000000000000" pitchFamily="49" charset="-128"/>
-              </a:rPr>
-              <a:t>を統計</a:t>
-            </a:r>
-            <a:r>
-              <a:rPr lang="ja-JP" altLang="en-US" sz="4400" b="1" dirty="0">
-                <a:solidFill>
-                  <a:schemeClr val="tx1"/>
-                </a:solidFill>
-                <a:latin typeface="HGｺﾞｼｯｸE" panose="020B0909000000000000" pitchFamily="49" charset="-128"/>
-                <a:ea typeface="HGｺﾞｼｯｸE" panose="020B0909000000000000" pitchFamily="49" charset="-128"/>
-              </a:rPr>
-              <a:t>解析手法で分析する</a:t>
-            </a:r>
-            <a:endParaRPr kumimoji="1" lang="ja-JP" altLang="en-US" sz="3600" b="1" dirty="0">
+              <a:t>その結果からどの役割にどのような人材が適しているかを調査する</a:t>
+            </a:r>
+            <a:endParaRPr kumimoji="1" lang="ja-JP" altLang="en-US" sz="4400" b="1" dirty="0">
               <a:solidFill>
-                <a:srgbClr val="FF0000"/>
+                <a:schemeClr val="tx1"/>
               </a:solidFill>
               <a:latin typeface="HGｺﾞｼｯｸE" panose="020B0909000000000000" pitchFamily="49" charset="-128"/>
               <a:ea typeface="HGｺﾞｼｯｸE" panose="020B0909000000000000" pitchFamily="49" charset="-128"/>
@@ -4854,6 +4872,26 @@
               <a:t>GitHub</a:t>
             </a:r>
             <a:r>
+              <a:rPr lang="ja-JP" altLang="en-US" sz="3600" smtClean="0">
+                <a:solidFill>
+                  <a:schemeClr val="tx1"/>
+                </a:solidFill>
+                <a:latin typeface="HGｺﾞｼｯｸE" panose="020B0909000000000000" pitchFamily="49" charset="-128"/>
+                <a:ea typeface="HGｺﾞｼｯｸE" panose="020B0909000000000000" pitchFamily="49" charset="-128"/>
+              </a:rPr>
+              <a:t>上に存在する</a:t>
+            </a:r>
+            <a:r>
+              <a:rPr lang="en-US" altLang="ja-JP" sz="3600" smtClean="0">
+                <a:solidFill>
+                  <a:schemeClr val="tx1"/>
+                </a:solidFill>
+                <a:latin typeface="Century" panose="02040604050505020304" pitchFamily="18" charset="0"/>
+                <a:ea typeface="HGｺﾞｼｯｸE" panose="020B0909000000000000" pitchFamily="49" charset="-128"/>
+              </a:rPr>
+              <a:t>OSS</a:t>
+            </a:r>
+            <a:r>
               <a:rPr lang="ja-JP" altLang="en-US" sz="3600" dirty="0">
                 <a:solidFill>
                   <a:schemeClr val="tx1"/>
@@ -4861,17 +4899,17 @@
                 <a:latin typeface="HGｺﾞｼｯｸE" panose="020B0909000000000000" pitchFamily="49" charset="-128"/>
                 <a:ea typeface="HGｺﾞｼｯｸE" panose="020B0909000000000000" pitchFamily="49" charset="-128"/>
               </a:rPr>
-              <a:t>上の</a:t>
-            </a:r>
-            <a:r>
-              <a:rPr lang="en-US" altLang="ja-JP" sz="3600" dirty="0">
+              <a:t>開発</a:t>
+            </a:r>
+            <a:r>
+              <a:rPr lang="ja-JP" altLang="en-US" sz="3600" dirty="0" smtClean="0">
                 <a:solidFill>
                   <a:schemeClr val="tx1"/>
                 </a:solidFill>
-                <a:latin typeface="Century" panose="02040604050505020304" pitchFamily="18" charset="0"/>
-                <a:ea typeface="HGｺﾞｼｯｸE" panose="020B0909000000000000" pitchFamily="49" charset="-128"/>
-              </a:rPr>
-              <a:t>OSS</a:t>
+                <a:latin typeface="HGｺﾞｼｯｸE" panose="020B0909000000000000" pitchFamily="49" charset="-128"/>
+                <a:ea typeface="HGｺﾞｼｯｸE" panose="020B0909000000000000" pitchFamily="49" charset="-128"/>
+              </a:rPr>
+              <a:t>プロジェクト</a:t>
             </a:r>
             <a:r>
               <a:rPr lang="ja-JP" altLang="en-US" sz="3600" dirty="0">
@@ -4881,7 +4919,7 @@
                 <a:latin typeface="HGｺﾞｼｯｸE" panose="020B0909000000000000" pitchFamily="49" charset="-128"/>
                 <a:ea typeface="HGｺﾞｼｯｸE" panose="020B0909000000000000" pitchFamily="49" charset="-128"/>
               </a:rPr>
-              <a:t>開発プロジェクトの</a:t>
+              <a:t>を</a:t>
             </a:r>
             <a:r>
               <a:rPr lang="ja-JP" altLang="en-US" sz="3600" dirty="0" smtClean="0">
@@ -4891,7 +4929,7 @@
                 <a:latin typeface="HGｺﾞｼｯｸE" panose="020B0909000000000000" pitchFamily="49" charset="-128"/>
                 <a:ea typeface="HGｺﾞｼｯｸE" panose="020B0909000000000000" pitchFamily="49" charset="-128"/>
               </a:rPr>
-              <a:t>調査</a:t>
+              <a:t>調査する</a:t>
             </a:r>
             <a:endParaRPr lang="en-US" altLang="ja-JP" sz="3600" dirty="0" smtClean="0">
               <a:solidFill>
@@ -4956,8 +4994,25 @@
                 <a:latin typeface="HGｺﾞｼｯｸE" panose="020B0909000000000000" pitchFamily="49" charset="-128"/>
                 <a:ea typeface="HGｺﾞｼｯｸE" panose="020B0909000000000000" pitchFamily="49" charset="-128"/>
               </a:rPr>
-              <a:t>過去に得られた結果と今回得られた結果を比べて考察</a:t>
-            </a:r>
+              <a:t>過去に得られた結果と今回得られた結果を比べて</a:t>
+            </a:r>
+            <a:r>
+              <a:rPr lang="ja-JP" altLang="en-US" sz="3600" dirty="0" smtClean="0">
+                <a:solidFill>
+                  <a:schemeClr val="tx1"/>
+                </a:solidFill>
+                <a:latin typeface="HGｺﾞｼｯｸE" panose="020B0909000000000000" pitchFamily="49" charset="-128"/>
+                <a:ea typeface="HGｺﾞｼｯｸE" panose="020B0909000000000000" pitchFamily="49" charset="-128"/>
+              </a:rPr>
+              <a:t>考察する</a:t>
+            </a:r>
+            <a:endParaRPr lang="ja-JP" altLang="en-US" sz="3600" dirty="0">
+              <a:solidFill>
+                <a:schemeClr val="tx1"/>
+              </a:solidFill>
+              <a:latin typeface="HGｺﾞｼｯｸE" panose="020B0909000000000000" pitchFamily="49" charset="-128"/>
+              <a:ea typeface="HGｺﾞｼｯｸE" panose="020B0909000000000000" pitchFamily="49" charset="-128"/>
+            </a:endParaRPr>
           </a:p>
         </p:txBody>
       </p:sp>
